--- a/other/2 sem/research_proposal/presentation/Research Proposal Nexign.pptx
+++ b/other/2 sem/research_proposal/presentation/Research Proposal Nexign.pptx
@@ -6360,7 +6360,7 @@
                   <a:schemeClr val="lt1"/>
                 </a:solidFill>
               </a:rPr>
-              <a:t>Kreslavski K.</a:t>
+              <a:t>Kirill D. Kreslavski</a:t>
             </a:r>
             <a:r>
               <a:rPr lang="en" sz="1000"/>
@@ -7414,7 +7414,7 @@
             </a:pPr>
             <a:r>
               <a:rPr lang="en"/>
-              <a:t>Kreslavski Kirill</a:t>
+              <a:t>Kirill D. Kreslavski</a:t>
             </a:r>
             <a:endParaRPr/>
           </a:p>
@@ -7503,7 +7503,7 @@
             </a:r>
             <a:r>
               <a:rPr lang="en" sz="1200"/>
-              <a:t>: Ivanova Marina</a:t>
+              <a:t>: Marina G. Ivanova</a:t>
             </a:r>
             <a:r>
               <a:rPr lang="en" sz="1200"/>
@@ -8092,7 +8092,7 @@
             </a:r>
             <a:r>
               <a:rPr lang="en"/>
-              <a:t> programming language for our specific domain inside another programming language - Kotlin</a:t>
+              <a:t> programming language for our specific domain inside another programming language - Kotlin.</a:t>
             </a:r>
             <a:endParaRPr/>
           </a:p>
@@ -8271,7 +8271,7 @@
                   <a:schemeClr val="dk1"/>
                 </a:solidFill>
               </a:rPr>
-              <a:t>Example business process in telephony</a:t>
+              <a:t>Example business process in telecom</a:t>
             </a:r>
             <a:endParaRPr sz="1200">
               <a:solidFill>
@@ -8498,7 +8498,7 @@
             </a:pPr>
             <a:r>
               <a:rPr lang="en" sz="1700"/>
-              <a:t>    telecom billing software developer</a:t>
+              <a:t>    telecom billing software developer.</a:t>
             </a:r>
             <a:endParaRPr sz="1700"/>
           </a:p>
@@ -8622,7 +8622,7 @@
                   <a:schemeClr val="dk1"/>
                 </a:solidFill>
               </a:rPr>
-              <a:t>What is desired is a Kotlin DSL, that would help structurize and simplify the development of Scenarios and reduce an amount of Java boilerplate and human-factor errors</a:t>
+              <a:t>What is desired is a Kotlin DSL, that would help structurize and simplify the development of Scenarios and reduce an amount of Java boilerplate and human-factor errors.</a:t>
             </a:r>
             <a:endParaRPr sz="1800">
               <a:solidFill>
@@ -9095,7 +9095,7 @@
             <a:tbl>
               <a:tblPr>
                 <a:noFill/>
-                <a:tableStyleId>{9D3BAA00-6C94-4EA7-B59F-CAB233B9338E}</a:tableStyleId>
+                <a:tableStyleId>{95BD08CB-5402-4F76-929F-88009B81AF98}</a:tableStyleId>
               </a:tblPr>
               <a:tblGrid>
                 <a:gridCol w="2980200"/>
@@ -9279,7 +9279,7 @@
                             <a:schemeClr val="dk1"/>
                           </a:solidFill>
                         </a:rPr>
-                        <a:t>, </a:t>
+                        <a:t>. </a:t>
                       </a:r>
                       <a:endParaRPr/>
                     </a:p>
@@ -9556,7 +9556,7 @@
             <a:tbl>
               <a:tblPr>
                 <a:noFill/>
-                <a:tableStyleId>{9D3BAA00-6C94-4EA7-B59F-CAB233B9338E}</a:tableStyleId>
+                <a:tableStyleId>{95BD08CB-5402-4F76-929F-88009B81AF98}</a:tableStyleId>
               </a:tblPr>
               <a:tblGrid>
                 <a:gridCol w="1753550"/>
@@ -10029,7 +10029,7 @@
                             <a:schemeClr val="dk1"/>
                           </a:solidFill>
                         </a:rPr>
-                        <a:t>, provides api as exactly Kotlin DSL, but descriptioning even a tiny State Machine takes a lot of code and space for no meaningful reason.</a:t>
+                        <a:t>, provides api as exactly Kotlin DSL, but describing even a tiny State Machine takes a lot of code and space for no meaningful reason.</a:t>
                       </a:r>
                       <a:endParaRPr sz="1100">
                         <a:solidFill>

--- a/other/2 sem/research_proposal/presentation/Research Proposal Nexign.pptx
+++ b/other/2 sem/research_proposal/presentation/Research Proposal Nexign.pptx
@@ -1,29 +1,29 @@
 
 <file path=ppt/presentation.xml><?xml version="1.0" encoding="utf-8"?>
-<p:presentation xmlns:a="http://schemas.openxmlformats.org/drawingml/2006/main" xmlns:r="http://schemas.openxmlformats.org/officeDocument/2006/relationships" xmlns:mc="http://schemas.openxmlformats.org/markup-compatibility/2006" xmlns:mv="urn:schemas-microsoft-com:mac:vml" xmlns:p="http://schemas.openxmlformats.org/presentationml/2006/main" xmlns:c="http://schemas.openxmlformats.org/drawingml/2006/chart" xmlns:dgm="http://schemas.openxmlformats.org/drawingml/2006/diagram" xmlns:o="urn:schemas-microsoft-com:office:office" xmlns:v="urn:schemas-microsoft-com:vml" xmlns:pvml="urn:schemas-microsoft-com:office:powerpoint" xmlns:com="http://schemas.openxmlformats.org/drawingml/2006/compatibility" xmlns:p14="http://schemas.microsoft.com/office/powerpoint/2010/main" xmlns:p15="http://schemas.microsoft.com/office/powerpoint/2012/main" xmlns:ahyp="http://schemas.microsoft.com/office/drawing/2018/hyperlinkcolor" autoCompressPictures="0" strictFirstAndLastChars="0" saveSubsetFonts="1">
+<p:presentation xmlns:a="http://schemas.openxmlformats.org/drawingml/2006/main" xmlns:r="http://schemas.openxmlformats.org/officeDocument/2006/relationships" xmlns:p="http://schemas.openxmlformats.org/presentationml/2006/main" strictFirstAndLastChars="0" saveSubsetFonts="1" autoCompressPictures="0">
   <p:sldMasterIdLst>
-    <p:sldMasterId id="2147483658" r:id="rId5"/>
+    <p:sldMasterId id="2147483658" r:id="rId1"/>
   </p:sldMasterIdLst>
   <p:notesMasterIdLst>
-    <p:notesMasterId r:id="rId6"/>
+    <p:notesMasterId r:id="rId13"/>
   </p:notesMasterIdLst>
   <p:sldIdLst>
-    <p:sldId id="256" r:id="rId7"/>
-    <p:sldId id="257" r:id="rId8"/>
-    <p:sldId id="258" r:id="rId9"/>
-    <p:sldId id="259" r:id="rId10"/>
-    <p:sldId id="260" r:id="rId11"/>
-    <p:sldId id="261" r:id="rId12"/>
-    <p:sldId id="262" r:id="rId13"/>
-    <p:sldId id="263" r:id="rId14"/>
-    <p:sldId id="264" r:id="rId15"/>
-    <p:sldId id="265" r:id="rId16"/>
-    <p:sldId id="266" r:id="rId17"/>
+    <p:sldId id="256" r:id="rId2"/>
+    <p:sldId id="257" r:id="rId3"/>
+    <p:sldId id="258" r:id="rId4"/>
+    <p:sldId id="259" r:id="rId5"/>
+    <p:sldId id="260" r:id="rId6"/>
+    <p:sldId id="261" r:id="rId7"/>
+    <p:sldId id="262" r:id="rId8"/>
+    <p:sldId id="263" r:id="rId9"/>
+    <p:sldId id="264" r:id="rId10"/>
+    <p:sldId id="265" r:id="rId11"/>
+    <p:sldId id="266" r:id="rId12"/>
   </p:sldIdLst>
-  <p:sldSz cy="5143500" cx="9144000"/>
+  <p:sldSz cx="9144000" cy="5143500" type="screen16x9"/>
   <p:notesSz cx="6858000" cy="9144000"/>
   <p:defaultTextStyle>
-    <a:defPPr lvl="0" marR="0" rtl="0" algn="l">
+    <a:defPPr marR="0" lvl="0" algn="l" rtl="0">
       <a:lnSpc>
         <a:spcPct val="100000"/>
       </a:lnSpc>
@@ -34,7 +34,7 @@
         <a:spcPts val="0"/>
       </a:spcAft>
     </a:defPPr>
-    <a:lvl1pPr lvl="0" marR="0" rtl="0" algn="l">
+    <a:lvl1pPr marR="0" lvl="0" algn="l" rtl="0">
       <a:lnSpc>
         <a:spcPct val="100000"/>
       </a:lnSpc>
@@ -48,7 +48,7 @@
         <a:srgbClr val="000000"/>
       </a:buClr>
       <a:buFont typeface="Arial"/>
-      <a:defRPr b="0" i="0" sz="1400" u="none" cap="none" strike="noStrike">
+      <a:defRPr sz="1400" b="0" i="0" u="none" strike="noStrike" cap="none">
         <a:solidFill>
           <a:srgbClr val="000000"/>
         </a:solidFill>
@@ -58,7 +58,7 @@
         <a:sym typeface="Arial"/>
       </a:defRPr>
     </a:lvl1pPr>
-    <a:lvl2pPr lvl="1" marR="0" rtl="0" algn="l">
+    <a:lvl2pPr marR="0" lvl="1" algn="l" rtl="0">
       <a:lnSpc>
         <a:spcPct val="100000"/>
       </a:lnSpc>
@@ -72,7 +72,7 @@
         <a:srgbClr val="000000"/>
       </a:buClr>
       <a:buFont typeface="Arial"/>
-      <a:defRPr b="0" i="0" sz="1400" u="none" cap="none" strike="noStrike">
+      <a:defRPr sz="1400" b="0" i="0" u="none" strike="noStrike" cap="none">
         <a:solidFill>
           <a:srgbClr val="000000"/>
         </a:solidFill>
@@ -82,7 +82,7 @@
         <a:sym typeface="Arial"/>
       </a:defRPr>
     </a:lvl2pPr>
-    <a:lvl3pPr lvl="2" marR="0" rtl="0" algn="l">
+    <a:lvl3pPr marR="0" lvl="2" algn="l" rtl="0">
       <a:lnSpc>
         <a:spcPct val="100000"/>
       </a:lnSpc>
@@ -96,7 +96,7 @@
         <a:srgbClr val="000000"/>
       </a:buClr>
       <a:buFont typeface="Arial"/>
-      <a:defRPr b="0" i="0" sz="1400" u="none" cap="none" strike="noStrike">
+      <a:defRPr sz="1400" b="0" i="0" u="none" strike="noStrike" cap="none">
         <a:solidFill>
           <a:srgbClr val="000000"/>
         </a:solidFill>
@@ -106,7 +106,7 @@
         <a:sym typeface="Arial"/>
       </a:defRPr>
     </a:lvl3pPr>
-    <a:lvl4pPr lvl="3" marR="0" rtl="0" algn="l">
+    <a:lvl4pPr marR="0" lvl="3" algn="l" rtl="0">
       <a:lnSpc>
         <a:spcPct val="100000"/>
       </a:lnSpc>
@@ -120,7 +120,7 @@
         <a:srgbClr val="000000"/>
       </a:buClr>
       <a:buFont typeface="Arial"/>
-      <a:defRPr b="0" i="0" sz="1400" u="none" cap="none" strike="noStrike">
+      <a:defRPr sz="1400" b="0" i="0" u="none" strike="noStrike" cap="none">
         <a:solidFill>
           <a:srgbClr val="000000"/>
         </a:solidFill>
@@ -130,7 +130,7 @@
         <a:sym typeface="Arial"/>
       </a:defRPr>
     </a:lvl4pPr>
-    <a:lvl5pPr lvl="4" marR="0" rtl="0" algn="l">
+    <a:lvl5pPr marR="0" lvl="4" algn="l" rtl="0">
       <a:lnSpc>
         <a:spcPct val="100000"/>
       </a:lnSpc>
@@ -144,7 +144,7 @@
         <a:srgbClr val="000000"/>
       </a:buClr>
       <a:buFont typeface="Arial"/>
-      <a:defRPr b="0" i="0" sz="1400" u="none" cap="none" strike="noStrike">
+      <a:defRPr sz="1400" b="0" i="0" u="none" strike="noStrike" cap="none">
         <a:solidFill>
           <a:srgbClr val="000000"/>
         </a:solidFill>
@@ -154,7 +154,7 @@
         <a:sym typeface="Arial"/>
       </a:defRPr>
     </a:lvl5pPr>
-    <a:lvl6pPr lvl="5" marR="0" rtl="0" algn="l">
+    <a:lvl6pPr marR="0" lvl="5" algn="l" rtl="0">
       <a:lnSpc>
         <a:spcPct val="100000"/>
       </a:lnSpc>
@@ -168,7 +168,7 @@
         <a:srgbClr val="000000"/>
       </a:buClr>
       <a:buFont typeface="Arial"/>
-      <a:defRPr b="0" i="0" sz="1400" u="none" cap="none" strike="noStrike">
+      <a:defRPr sz="1400" b="0" i="0" u="none" strike="noStrike" cap="none">
         <a:solidFill>
           <a:srgbClr val="000000"/>
         </a:solidFill>
@@ -178,7 +178,7 @@
         <a:sym typeface="Arial"/>
       </a:defRPr>
     </a:lvl6pPr>
-    <a:lvl7pPr lvl="6" marR="0" rtl="0" algn="l">
+    <a:lvl7pPr marR="0" lvl="6" algn="l" rtl="0">
       <a:lnSpc>
         <a:spcPct val="100000"/>
       </a:lnSpc>
@@ -192,7 +192,7 @@
         <a:srgbClr val="000000"/>
       </a:buClr>
       <a:buFont typeface="Arial"/>
-      <a:defRPr b="0" i="0" sz="1400" u="none" cap="none" strike="noStrike">
+      <a:defRPr sz="1400" b="0" i="0" u="none" strike="noStrike" cap="none">
         <a:solidFill>
           <a:srgbClr val="000000"/>
         </a:solidFill>
@@ -202,7 +202,7 @@
         <a:sym typeface="Arial"/>
       </a:defRPr>
     </a:lvl7pPr>
-    <a:lvl8pPr lvl="7" marR="0" rtl="0" algn="l">
+    <a:lvl8pPr marR="0" lvl="7" algn="l" rtl="0">
       <a:lnSpc>
         <a:spcPct val="100000"/>
       </a:lnSpc>
@@ -216,7 +216,7 @@
         <a:srgbClr val="000000"/>
       </a:buClr>
       <a:buFont typeface="Arial"/>
-      <a:defRPr b="0" i="0" sz="1400" u="none" cap="none" strike="noStrike">
+      <a:defRPr sz="1400" b="0" i="0" u="none" strike="noStrike" cap="none">
         <a:solidFill>
           <a:srgbClr val="000000"/>
         </a:solidFill>
@@ -226,7 +226,7 @@
         <a:sym typeface="Arial"/>
       </a:defRPr>
     </a:lvl8pPr>
-    <a:lvl9pPr lvl="8" marR="0" rtl="0" algn="l">
+    <a:lvl9pPr marR="0" lvl="8" algn="l" rtl="0">
       <a:lnSpc>
         <a:spcPct val="100000"/>
       </a:lnSpc>
@@ -240,7 +240,7 @@
         <a:srgbClr val="000000"/>
       </a:buClr>
       <a:buFont typeface="Arial"/>
-      <a:defRPr b="0" i="0" sz="1400" u="none" cap="none" strike="noStrike">
+      <a:defRPr sz="1400" b="0" i="0" u="none" strike="noStrike" cap="none">
         <a:solidFill>
           <a:srgbClr val="000000"/>
         </a:solidFill>
@@ -253,7 +253,7 @@
   </p:defaultTextStyle>
   <p:extLst>
     <p:ext uri="{EFAFB233-063F-42B5-8137-9DF3F51BA10A}">
-      <p15:sldGuideLst>
+      <p15:sldGuideLst xmlns:p15="http://schemas.microsoft.com/office/powerpoint/2012/main">
         <p15:guide id="1" orient="horz" pos="1620">
           <p15:clr>
             <a:srgbClr val="A4A3A4"/>
@@ -271,11 +271,16 @@
 </file>
 
 <file path=ppt/notesMasters/notesMaster1.xml><?xml version="1.0" encoding="utf-8"?>
-<p:notesMaster xmlns:a="http://schemas.openxmlformats.org/drawingml/2006/main" xmlns:r="http://schemas.openxmlformats.org/officeDocument/2006/relationships" xmlns:mc="http://schemas.openxmlformats.org/markup-compatibility/2006" xmlns:mv="urn:schemas-microsoft-com:mac:vml" xmlns:p="http://schemas.openxmlformats.org/presentationml/2006/main" xmlns:c="http://schemas.openxmlformats.org/drawingml/2006/chart" xmlns:dgm="http://schemas.openxmlformats.org/drawingml/2006/diagram" xmlns:o="urn:schemas-microsoft-com:office:office" xmlns:v="urn:schemas-microsoft-com:vml" xmlns:pvml="urn:schemas-microsoft-com:office:powerpoint" xmlns:com="http://schemas.openxmlformats.org/drawingml/2006/compatibility" xmlns:p14="http://schemas.microsoft.com/office/powerpoint/2010/main" xmlns:p15="http://schemas.microsoft.com/office/powerpoint/2012/main" xmlns:ahyp="http://schemas.microsoft.com/office/drawing/2018/hyperlinkcolor">
+<p:notesMaster xmlns:a="http://schemas.openxmlformats.org/drawingml/2006/main" xmlns:r="http://schemas.openxmlformats.org/officeDocument/2006/relationships" xmlns:p="http://schemas.openxmlformats.org/presentationml/2006/main">
   <p:cSld>
+    <p:bg>
+      <p:bgRef idx="1001">
+        <a:schemeClr val="bg1"/>
+      </p:bgRef>
+    </p:bg>
     <p:spTree>
       <p:nvGrpSpPr>
-        <p:cNvPr id="2" name="Shape 2"/>
+        <p:cNvPr id="1" name="Shape 2"/>
         <p:cNvGrpSpPr/>
         <p:nvPr/>
       </p:nvGrpSpPr>
@@ -290,9 +295,11 @@
       <p:sp>
         <p:nvSpPr>
           <p:cNvPr id="3" name="Google Shape;3;n"/>
-          <p:cNvSpPr/>
+          <p:cNvSpPr>
+            <a:spLocks noGrp="1" noRot="1" noChangeAspect="1"/>
+          </p:cNvSpPr>
           <p:nvPr>
-            <p:ph idx="2" type="sldImg"/>
+            <p:ph type="sldImg" idx="2"/>
           </p:nvPr>
         </p:nvSpPr>
         <p:spPr>
@@ -301,9 +308,13 @@
             <a:ext cx="6096075" cy="3429000"/>
           </a:xfrm>
           <a:custGeom>
-            <a:rect b="b" l="l" r="r" t="t"/>
+            <a:avLst/>
+            <a:gdLst/>
+            <a:ahLst/>
+            <a:cxnLst/>
+            <a:rect l="l" t="t" r="r" b="b"/>
             <a:pathLst>
-              <a:path extrusionOk="0" h="120000" w="120000">
+              <a:path w="120000" h="120000" extrusionOk="0">
                 <a:moveTo>
                   <a:pt x="0" y="0"/>
                 </a:moveTo>
@@ -321,23 +332,25 @@
             </a:pathLst>
           </a:custGeom>
           <a:noFill/>
-          <a:ln cap="flat" cmpd="sng" w="9525">
+          <a:ln w="9525" cap="flat" cmpd="sng">
             <a:solidFill>
               <a:srgbClr val="000000"/>
             </a:solidFill>
             <a:prstDash val="solid"/>
             <a:round/>
-            <a:headEnd len="sm" w="sm" type="none"/>
-            <a:tailEnd len="sm" w="sm" type="none"/>
+            <a:headEnd type="none" w="sm" len="sm"/>
+            <a:tailEnd type="none" w="sm" len="sm"/>
           </a:ln>
         </p:spPr>
       </p:sp>
       <p:sp>
         <p:nvSpPr>
           <p:cNvPr id="4" name="Google Shape;4;n"/>
-          <p:cNvSpPr txBox="1"/>
+          <p:cNvSpPr txBox="1">
+            <a:spLocks noGrp="1"/>
+          </p:cNvSpPr>
           <p:nvPr>
-            <p:ph idx="1" type="body"/>
+            <p:ph type="body" idx="1"/>
           </p:nvPr>
         </p:nvSpPr>
         <p:spPr>
@@ -354,11 +367,11 @@
           </a:ln>
         </p:spPr>
         <p:txBody>
-          <a:bodyPr anchorCtr="0" anchor="t" bIns="91425" lIns="91425" spcFirstLastPara="1" rIns="91425" wrap="square" tIns="91425">
+          <a:bodyPr spcFirstLastPara="1" wrap="square" lIns="91425" tIns="91425" rIns="91425" bIns="91425" anchor="t" anchorCtr="0">
             <a:noAutofit/>
           </a:bodyPr>
           <a:lstStyle>
-            <a:lvl1pPr indent="-298450" lvl="0" marL="457200">
+            <a:lvl1pPr marL="457200" lvl="0" indent="-298450">
               <a:spcBef>
                 <a:spcPts val="0"/>
               </a:spcBef>
@@ -369,7 +382,7 @@
               <a:buChar char="●"/>
               <a:defRPr sz="1100"/>
             </a:lvl1pPr>
-            <a:lvl2pPr indent="-298450" lvl="1" marL="914400">
+            <a:lvl2pPr marL="914400" lvl="1" indent="-298450">
               <a:spcBef>
                 <a:spcPts val="0"/>
               </a:spcBef>
@@ -380,7 +393,7 @@
               <a:buChar char="○"/>
               <a:defRPr sz="1100"/>
             </a:lvl2pPr>
-            <a:lvl3pPr indent="-298450" lvl="2" marL="1371600">
+            <a:lvl3pPr marL="1371600" lvl="2" indent="-298450">
               <a:spcBef>
                 <a:spcPts val="0"/>
               </a:spcBef>
@@ -391,7 +404,7 @@
               <a:buChar char="■"/>
               <a:defRPr sz="1100"/>
             </a:lvl3pPr>
-            <a:lvl4pPr indent="-298450" lvl="3" marL="1828800">
+            <a:lvl4pPr marL="1828800" lvl="3" indent="-298450">
               <a:spcBef>
                 <a:spcPts val="0"/>
               </a:spcBef>
@@ -402,7 +415,7 @@
               <a:buChar char="●"/>
               <a:defRPr sz="1100"/>
             </a:lvl4pPr>
-            <a:lvl5pPr indent="-298450" lvl="4" marL="2286000">
+            <a:lvl5pPr marL="2286000" lvl="4" indent="-298450">
               <a:spcBef>
                 <a:spcPts val="0"/>
               </a:spcBef>
@@ -413,7 +426,7 @@
               <a:buChar char="○"/>
               <a:defRPr sz="1100"/>
             </a:lvl5pPr>
-            <a:lvl6pPr indent="-298450" lvl="5" marL="2743200">
+            <a:lvl6pPr marL="2743200" lvl="5" indent="-298450">
               <a:spcBef>
                 <a:spcPts val="0"/>
               </a:spcBef>
@@ -424,7 +437,7 @@
               <a:buChar char="■"/>
               <a:defRPr sz="1100"/>
             </a:lvl6pPr>
-            <a:lvl7pPr indent="-298450" lvl="6" marL="3200400">
+            <a:lvl7pPr marL="3200400" lvl="6" indent="-298450">
               <a:spcBef>
                 <a:spcPts val="0"/>
               </a:spcBef>
@@ -435,7 +448,7 @@
               <a:buChar char="●"/>
               <a:defRPr sz="1100"/>
             </a:lvl7pPr>
-            <a:lvl8pPr indent="-298450" lvl="7" marL="3657600">
+            <a:lvl8pPr marL="3657600" lvl="7" indent="-298450">
               <a:spcBef>
                 <a:spcPts val="0"/>
               </a:spcBef>
@@ -446,7 +459,7 @@
               <a:buChar char="○"/>
               <a:defRPr sz="1100"/>
             </a:lvl8pPr>
-            <a:lvl9pPr indent="-298450" lvl="8" marL="4114800">
+            <a:lvl9pPr marL="4114800" lvl="8" indent="-298450">
               <a:spcBef>
                 <a:spcPts val="0"/>
               </a:spcBef>
@@ -458,14 +471,16 @@
               <a:defRPr sz="1100"/>
             </a:lvl9pPr>
           </a:lstStyle>
-          <a:p/>
+          <a:p>
+            <a:endParaRPr/>
+          </a:p>
         </p:txBody>
       </p:sp>
     </p:spTree>
   </p:cSld>
-  <p:clrMap accent1="accent1" accent2="accent2" accent3="accent3" accent4="accent4" accent5="accent5" accent6="accent6" bg1="lt1" bg2="dk2" tx1="dk1" tx2="lt2" folHlink="folHlink" hlink="hlink"/>
+  <p:clrMap bg1="lt1" tx1="dk1" bg2="dk2" tx2="lt2" accent1="accent1" accent2="accent2" accent3="accent3" accent4="accent4" accent5="accent5" accent6="accent6" hlink="hlink" folHlink="folHlink"/>
   <p:notesStyle>
-    <a:defPPr lvl="0" marR="0" rtl="0" algn="l">
+    <a:defPPr marR="0" lvl="0" algn="l" rtl="0">
       <a:lnSpc>
         <a:spcPct val="100000"/>
       </a:lnSpc>
@@ -476,7 +491,7 @@
         <a:spcPts val="0"/>
       </a:spcAft>
     </a:defPPr>
-    <a:lvl1pPr lvl="0" marR="0" rtl="0" algn="l">
+    <a:lvl1pPr marR="0" lvl="0" algn="l" rtl="0">
       <a:lnSpc>
         <a:spcPct val="100000"/>
       </a:lnSpc>
@@ -490,7 +505,7 @@
         <a:srgbClr val="000000"/>
       </a:buClr>
       <a:buFont typeface="Arial"/>
-      <a:defRPr b="0" i="0" sz="1400" u="none" cap="none" strike="noStrike">
+      <a:defRPr sz="1400" b="0" i="0" u="none" strike="noStrike" cap="none">
         <a:solidFill>
           <a:srgbClr val="000000"/>
         </a:solidFill>
@@ -500,7 +515,7 @@
         <a:sym typeface="Arial"/>
       </a:defRPr>
     </a:lvl1pPr>
-    <a:lvl2pPr lvl="1" marR="0" rtl="0" algn="l">
+    <a:lvl2pPr marR="0" lvl="1" algn="l" rtl="0">
       <a:lnSpc>
         <a:spcPct val="100000"/>
       </a:lnSpc>
@@ -514,7 +529,7 @@
         <a:srgbClr val="000000"/>
       </a:buClr>
       <a:buFont typeface="Arial"/>
-      <a:defRPr b="0" i="0" sz="1400" u="none" cap="none" strike="noStrike">
+      <a:defRPr sz="1400" b="0" i="0" u="none" strike="noStrike" cap="none">
         <a:solidFill>
           <a:srgbClr val="000000"/>
         </a:solidFill>
@@ -524,7 +539,7 @@
         <a:sym typeface="Arial"/>
       </a:defRPr>
     </a:lvl2pPr>
-    <a:lvl3pPr lvl="2" marR="0" rtl="0" algn="l">
+    <a:lvl3pPr marR="0" lvl="2" algn="l" rtl="0">
       <a:lnSpc>
         <a:spcPct val="100000"/>
       </a:lnSpc>
@@ -538,7 +553,7 @@
         <a:srgbClr val="000000"/>
       </a:buClr>
       <a:buFont typeface="Arial"/>
-      <a:defRPr b="0" i="0" sz="1400" u="none" cap="none" strike="noStrike">
+      <a:defRPr sz="1400" b="0" i="0" u="none" strike="noStrike" cap="none">
         <a:solidFill>
           <a:srgbClr val="000000"/>
         </a:solidFill>
@@ -548,7 +563,7 @@
         <a:sym typeface="Arial"/>
       </a:defRPr>
     </a:lvl3pPr>
-    <a:lvl4pPr lvl="3" marR="0" rtl="0" algn="l">
+    <a:lvl4pPr marR="0" lvl="3" algn="l" rtl="0">
       <a:lnSpc>
         <a:spcPct val="100000"/>
       </a:lnSpc>
@@ -562,7 +577,7 @@
         <a:srgbClr val="000000"/>
       </a:buClr>
       <a:buFont typeface="Arial"/>
-      <a:defRPr b="0" i="0" sz="1400" u="none" cap="none" strike="noStrike">
+      <a:defRPr sz="1400" b="0" i="0" u="none" strike="noStrike" cap="none">
         <a:solidFill>
           <a:srgbClr val="000000"/>
         </a:solidFill>
@@ -572,7 +587,7 @@
         <a:sym typeface="Arial"/>
       </a:defRPr>
     </a:lvl4pPr>
-    <a:lvl5pPr lvl="4" marR="0" rtl="0" algn="l">
+    <a:lvl5pPr marR="0" lvl="4" algn="l" rtl="0">
       <a:lnSpc>
         <a:spcPct val="100000"/>
       </a:lnSpc>
@@ -586,7 +601,7 @@
         <a:srgbClr val="000000"/>
       </a:buClr>
       <a:buFont typeface="Arial"/>
-      <a:defRPr b="0" i="0" sz="1400" u="none" cap="none" strike="noStrike">
+      <a:defRPr sz="1400" b="0" i="0" u="none" strike="noStrike" cap="none">
         <a:solidFill>
           <a:srgbClr val="000000"/>
         </a:solidFill>
@@ -596,7 +611,7 @@
         <a:sym typeface="Arial"/>
       </a:defRPr>
     </a:lvl5pPr>
-    <a:lvl6pPr lvl="5" marR="0" rtl="0" algn="l">
+    <a:lvl6pPr marR="0" lvl="5" algn="l" rtl="0">
       <a:lnSpc>
         <a:spcPct val="100000"/>
       </a:lnSpc>
@@ -610,7 +625,7 @@
         <a:srgbClr val="000000"/>
       </a:buClr>
       <a:buFont typeface="Arial"/>
-      <a:defRPr b="0" i="0" sz="1400" u="none" cap="none" strike="noStrike">
+      <a:defRPr sz="1400" b="0" i="0" u="none" strike="noStrike" cap="none">
         <a:solidFill>
           <a:srgbClr val="000000"/>
         </a:solidFill>
@@ -620,7 +635,7 @@
         <a:sym typeface="Arial"/>
       </a:defRPr>
     </a:lvl6pPr>
-    <a:lvl7pPr lvl="6" marR="0" rtl="0" algn="l">
+    <a:lvl7pPr marR="0" lvl="6" algn="l" rtl="0">
       <a:lnSpc>
         <a:spcPct val="100000"/>
       </a:lnSpc>
@@ -634,7 +649,7 @@
         <a:srgbClr val="000000"/>
       </a:buClr>
       <a:buFont typeface="Arial"/>
-      <a:defRPr b="0" i="0" sz="1400" u="none" cap="none" strike="noStrike">
+      <a:defRPr sz="1400" b="0" i="0" u="none" strike="noStrike" cap="none">
         <a:solidFill>
           <a:srgbClr val="000000"/>
         </a:solidFill>
@@ -644,7 +659,7 @@
         <a:sym typeface="Arial"/>
       </a:defRPr>
     </a:lvl7pPr>
-    <a:lvl8pPr lvl="7" marR="0" rtl="0" algn="l">
+    <a:lvl8pPr marR="0" lvl="7" algn="l" rtl="0">
       <a:lnSpc>
         <a:spcPct val="100000"/>
       </a:lnSpc>
@@ -658,7 +673,7 @@
         <a:srgbClr val="000000"/>
       </a:buClr>
       <a:buFont typeface="Arial"/>
-      <a:defRPr b="0" i="0" sz="1400" u="none" cap="none" strike="noStrike">
+      <a:defRPr sz="1400" b="0" i="0" u="none" strike="noStrike" cap="none">
         <a:solidFill>
           <a:srgbClr val="000000"/>
         </a:solidFill>
@@ -668,7 +683,7 @@
         <a:sym typeface="Arial"/>
       </a:defRPr>
     </a:lvl8pPr>
-    <a:lvl9pPr lvl="8" marR="0" rtl="0" algn="l">
+    <a:lvl9pPr marR="0" lvl="8" algn="l" rtl="0">
       <a:lnSpc>
         <a:spcPct val="100000"/>
       </a:lnSpc>
@@ -682,7 +697,7 @@
         <a:srgbClr val="000000"/>
       </a:buClr>
       <a:buFont typeface="Arial"/>
-      <a:defRPr b="0" i="0" sz="1400" u="none" cap="none" strike="noStrike">
+      <a:defRPr sz="1400" b="0" i="0" u="none" strike="noStrike" cap="none">
         <a:solidFill>
           <a:srgbClr val="000000"/>
         </a:solidFill>
@@ -697,11 +712,11 @@
 </file>
 
 <file path=ppt/notesSlides/notesSlide1.xml><?xml version="1.0" encoding="utf-8"?>
-<p:notes xmlns:a="http://schemas.openxmlformats.org/drawingml/2006/main" xmlns:r="http://schemas.openxmlformats.org/officeDocument/2006/relationships" xmlns:mc="http://schemas.openxmlformats.org/markup-compatibility/2006" xmlns:mv="urn:schemas-microsoft-com:mac:vml" xmlns:p="http://schemas.openxmlformats.org/presentationml/2006/main" xmlns:c="http://schemas.openxmlformats.org/drawingml/2006/chart" xmlns:dgm="http://schemas.openxmlformats.org/drawingml/2006/diagram" xmlns:o="urn:schemas-microsoft-com:office:office" xmlns:v="urn:schemas-microsoft-com:vml" xmlns:pvml="urn:schemas-microsoft-com:office:powerpoint" xmlns:com="http://schemas.openxmlformats.org/drawingml/2006/compatibility" xmlns:p14="http://schemas.microsoft.com/office/powerpoint/2010/main" xmlns:p15="http://schemas.microsoft.com/office/powerpoint/2012/main" xmlns:ahyp="http://schemas.microsoft.com/office/drawing/2018/hyperlinkcolor" showMasterPhAnim="0" showMasterSp="0">
+<p:notes xmlns:a="http://schemas.openxmlformats.org/drawingml/2006/main" xmlns:r="http://schemas.openxmlformats.org/officeDocument/2006/relationships" xmlns:p="http://schemas.openxmlformats.org/presentationml/2006/main" showMasterSp="0" showMasterPhAnim="0">
   <p:cSld>
     <p:spTree>
       <p:nvGrpSpPr>
-        <p:cNvPr id="54" name="Shape 54"/>
+        <p:cNvPr id="1" name="Shape 54"/>
         <p:cNvGrpSpPr/>
         <p:nvPr/>
       </p:nvGrpSpPr>
@@ -716,9 +731,11 @@
       <p:sp>
         <p:nvSpPr>
           <p:cNvPr id="55" name="Google Shape;55;p:notes"/>
-          <p:cNvSpPr/>
+          <p:cNvSpPr>
+            <a:spLocks noGrp="1" noRot="1" noChangeAspect="1"/>
+          </p:cNvSpPr>
           <p:nvPr>
-            <p:ph idx="2" type="sldImg"/>
+            <p:ph type="sldImg" idx="2"/>
           </p:nvPr>
         </p:nvSpPr>
         <p:spPr>
@@ -727,9 +744,13 @@
             <a:ext cx="6096075" cy="3429000"/>
           </a:xfrm>
           <a:custGeom>
-            <a:rect b="b" l="l" r="r" t="t"/>
+            <a:avLst/>
+            <a:gdLst/>
+            <a:ahLst/>
+            <a:cxnLst/>
+            <a:rect l="l" t="t" r="r" b="b"/>
             <a:pathLst>
-              <a:path extrusionOk="0" h="120000" w="120000">
+              <a:path w="120000" h="120000" extrusionOk="0">
                 <a:moveTo>
                   <a:pt x="0" y="0"/>
                 </a:moveTo>
@@ -751,9 +772,11 @@
       <p:sp>
         <p:nvSpPr>
           <p:cNvPr id="56" name="Google Shape;56;p:notes"/>
-          <p:cNvSpPr txBox="1"/>
+          <p:cNvSpPr txBox="1">
+            <a:spLocks noGrp="1"/>
+          </p:cNvSpPr>
           <p:nvPr>
-            <p:ph idx="1" type="body"/>
+            <p:ph type="body" idx="1"/>
           </p:nvPr>
         </p:nvSpPr>
         <p:spPr>
@@ -766,12 +789,12 @@
           </a:prstGeom>
         </p:spPr>
         <p:txBody>
-          <a:bodyPr anchorCtr="0" anchor="t" bIns="91425" lIns="91425" spcFirstLastPara="1" rIns="91425" wrap="square" tIns="91425">
+          <a:bodyPr spcFirstLastPara="1" wrap="square" lIns="91425" tIns="91425" rIns="91425" bIns="91425" anchor="t" anchorCtr="0">
             <a:noAutofit/>
           </a:bodyPr>
           <a:lstStyle/>
           <a:p>
-            <a:pPr indent="0" lvl="0" marL="0" rtl="0" algn="l">
+            <a:pPr marL="0" lvl="0" indent="0" algn="l" rtl="0">
               <a:spcBef>
                 <a:spcPts val="0"/>
               </a:spcBef>
@@ -780,9 +803,6 @@
               </a:spcAft>
               <a:buNone/>
             </a:pPr>
-            <a:r>
-              <a:t/>
-            </a:r>
             <a:endParaRPr/>
           </a:p>
         </p:txBody>
@@ -796,11 +816,11 @@
 </file>
 
 <file path=ppt/notesSlides/notesSlide10.xml><?xml version="1.0" encoding="utf-8"?>
-<p:notes xmlns:a="http://schemas.openxmlformats.org/drawingml/2006/main" xmlns:r="http://schemas.openxmlformats.org/officeDocument/2006/relationships" xmlns:mc="http://schemas.openxmlformats.org/markup-compatibility/2006" xmlns:mv="urn:schemas-microsoft-com:mac:vml" xmlns:p="http://schemas.openxmlformats.org/presentationml/2006/main" xmlns:c="http://schemas.openxmlformats.org/drawingml/2006/chart" xmlns:dgm="http://schemas.openxmlformats.org/drawingml/2006/diagram" xmlns:o="urn:schemas-microsoft-com:office:office" xmlns:v="urn:schemas-microsoft-com:vml" xmlns:pvml="urn:schemas-microsoft-com:office:powerpoint" xmlns:com="http://schemas.openxmlformats.org/drawingml/2006/compatibility" xmlns:p14="http://schemas.microsoft.com/office/powerpoint/2010/main" xmlns:p15="http://schemas.microsoft.com/office/powerpoint/2012/main" xmlns:ahyp="http://schemas.microsoft.com/office/drawing/2018/hyperlinkcolor" showMasterPhAnim="0" showMasterSp="0">
+<p:notes xmlns:a="http://schemas.openxmlformats.org/drawingml/2006/main" xmlns:r="http://schemas.openxmlformats.org/officeDocument/2006/relationships" xmlns:p="http://schemas.openxmlformats.org/presentationml/2006/main" showMasterSp="0" showMasterPhAnim="0">
   <p:cSld>
     <p:spTree>
       <p:nvGrpSpPr>
-        <p:cNvPr id="131" name="Shape 131"/>
+        <p:cNvPr id="1" name="Shape 131"/>
         <p:cNvGrpSpPr/>
         <p:nvPr/>
       </p:nvGrpSpPr>
@@ -815,9 +835,11 @@
       <p:sp>
         <p:nvSpPr>
           <p:cNvPr id="132" name="Google Shape;132;g1d59848aa81_0_86:notes"/>
-          <p:cNvSpPr/>
+          <p:cNvSpPr>
+            <a:spLocks noGrp="1" noRot="1" noChangeAspect="1"/>
+          </p:cNvSpPr>
           <p:nvPr>
-            <p:ph idx="2" type="sldImg"/>
+            <p:ph type="sldImg" idx="2"/>
           </p:nvPr>
         </p:nvSpPr>
         <p:spPr>
@@ -826,9 +848,13 @@
             <a:ext cx="6096000" cy="3429000"/>
           </a:xfrm>
           <a:custGeom>
-            <a:rect b="b" l="l" r="r" t="t"/>
+            <a:avLst/>
+            <a:gdLst/>
+            <a:ahLst/>
+            <a:cxnLst/>
+            <a:rect l="l" t="t" r="r" b="b"/>
             <a:pathLst>
-              <a:path extrusionOk="0" h="120000" w="120000">
+              <a:path w="120000" h="120000" extrusionOk="0">
                 <a:moveTo>
                   <a:pt x="0" y="0"/>
                 </a:moveTo>
@@ -850,9 +876,11 @@
       <p:sp>
         <p:nvSpPr>
           <p:cNvPr id="133" name="Google Shape;133;g1d59848aa81_0_86:notes"/>
-          <p:cNvSpPr txBox="1"/>
+          <p:cNvSpPr txBox="1">
+            <a:spLocks noGrp="1"/>
+          </p:cNvSpPr>
           <p:nvPr>
-            <p:ph idx="1" type="body"/>
+            <p:ph type="body" idx="1"/>
           </p:nvPr>
         </p:nvSpPr>
         <p:spPr>
@@ -865,12 +893,12 @@
           </a:prstGeom>
         </p:spPr>
         <p:txBody>
-          <a:bodyPr anchorCtr="0" anchor="t" bIns="91425" lIns="91425" spcFirstLastPara="1" rIns="91425" wrap="square" tIns="91425">
+          <a:bodyPr spcFirstLastPara="1" wrap="square" lIns="91425" tIns="91425" rIns="91425" bIns="91425" anchor="t" anchorCtr="0">
             <a:noAutofit/>
           </a:bodyPr>
           <a:lstStyle/>
           <a:p>
-            <a:pPr indent="0" lvl="0" marL="0" rtl="0" algn="l">
+            <a:pPr marL="0" lvl="0" indent="0" algn="l" rtl="0">
               <a:spcBef>
                 <a:spcPts val="0"/>
               </a:spcBef>
@@ -879,9 +907,6 @@
               </a:spcAft>
               <a:buNone/>
             </a:pPr>
-            <a:r>
-              <a:t/>
-            </a:r>
             <a:endParaRPr/>
           </a:p>
         </p:txBody>
@@ -895,11 +920,11 @@
 </file>
 
 <file path=ppt/notesSlides/notesSlide11.xml><?xml version="1.0" encoding="utf-8"?>
-<p:notes xmlns:a="http://schemas.openxmlformats.org/drawingml/2006/main" xmlns:r="http://schemas.openxmlformats.org/officeDocument/2006/relationships" xmlns:mc="http://schemas.openxmlformats.org/markup-compatibility/2006" xmlns:mv="urn:schemas-microsoft-com:mac:vml" xmlns:p="http://schemas.openxmlformats.org/presentationml/2006/main" xmlns:c="http://schemas.openxmlformats.org/drawingml/2006/chart" xmlns:dgm="http://schemas.openxmlformats.org/drawingml/2006/diagram" xmlns:o="urn:schemas-microsoft-com:office:office" xmlns:v="urn:schemas-microsoft-com:vml" xmlns:pvml="urn:schemas-microsoft-com:office:powerpoint" xmlns:com="http://schemas.openxmlformats.org/drawingml/2006/compatibility" xmlns:p14="http://schemas.microsoft.com/office/powerpoint/2010/main" xmlns:p15="http://schemas.microsoft.com/office/powerpoint/2012/main" xmlns:ahyp="http://schemas.microsoft.com/office/drawing/2018/hyperlinkcolor" showMasterPhAnim="0" showMasterSp="0">
+<p:notes xmlns:a="http://schemas.openxmlformats.org/drawingml/2006/main" xmlns:r="http://schemas.openxmlformats.org/officeDocument/2006/relationships" xmlns:p="http://schemas.openxmlformats.org/presentationml/2006/main" showMasterSp="0" showMasterPhAnim="0">
   <p:cSld>
     <p:spTree>
       <p:nvGrpSpPr>
-        <p:cNvPr id="138" name="Shape 138"/>
+        <p:cNvPr id="1" name="Shape 138"/>
         <p:cNvGrpSpPr/>
         <p:nvPr/>
       </p:nvGrpSpPr>
@@ -914,9 +939,11 @@
       <p:sp>
         <p:nvSpPr>
           <p:cNvPr id="139" name="Google Shape;139;g1d59848aa81_0_92:notes"/>
-          <p:cNvSpPr/>
+          <p:cNvSpPr>
+            <a:spLocks noGrp="1" noRot="1" noChangeAspect="1"/>
+          </p:cNvSpPr>
           <p:nvPr>
-            <p:ph idx="2" type="sldImg"/>
+            <p:ph type="sldImg" idx="2"/>
           </p:nvPr>
         </p:nvSpPr>
         <p:spPr>
@@ -925,9 +952,13 @@
             <a:ext cx="6096000" cy="3429000"/>
           </a:xfrm>
           <a:custGeom>
-            <a:rect b="b" l="l" r="r" t="t"/>
+            <a:avLst/>
+            <a:gdLst/>
+            <a:ahLst/>
+            <a:cxnLst/>
+            <a:rect l="l" t="t" r="r" b="b"/>
             <a:pathLst>
-              <a:path extrusionOk="0" h="120000" w="120000">
+              <a:path w="120000" h="120000" extrusionOk="0">
                 <a:moveTo>
                   <a:pt x="0" y="0"/>
                 </a:moveTo>
@@ -949,9 +980,11 @@
       <p:sp>
         <p:nvSpPr>
           <p:cNvPr id="140" name="Google Shape;140;g1d59848aa81_0_92:notes"/>
-          <p:cNvSpPr txBox="1"/>
+          <p:cNvSpPr txBox="1">
+            <a:spLocks noGrp="1"/>
+          </p:cNvSpPr>
           <p:nvPr>
-            <p:ph idx="1" type="body"/>
+            <p:ph type="body" idx="1"/>
           </p:nvPr>
         </p:nvSpPr>
         <p:spPr>
@@ -964,12 +997,12 @@
           </a:prstGeom>
         </p:spPr>
         <p:txBody>
-          <a:bodyPr anchorCtr="0" anchor="t" bIns="91425" lIns="91425" spcFirstLastPara="1" rIns="91425" wrap="square" tIns="91425">
+          <a:bodyPr spcFirstLastPara="1" wrap="square" lIns="91425" tIns="91425" rIns="91425" bIns="91425" anchor="t" anchorCtr="0">
             <a:noAutofit/>
           </a:bodyPr>
           <a:lstStyle/>
           <a:p>
-            <a:pPr indent="0" lvl="0" marL="0" rtl="0" algn="l">
+            <a:pPr marL="0" lvl="0" indent="0" algn="l" rtl="0">
               <a:spcBef>
                 <a:spcPts val="0"/>
               </a:spcBef>
@@ -978,9 +1011,6 @@
               </a:spcAft>
               <a:buNone/>
             </a:pPr>
-            <a:r>
-              <a:t/>
-            </a:r>
             <a:endParaRPr/>
           </a:p>
         </p:txBody>
@@ -994,11 +1024,11 @@
 </file>
 
 <file path=ppt/notesSlides/notesSlide2.xml><?xml version="1.0" encoding="utf-8"?>
-<p:notes xmlns:a="http://schemas.openxmlformats.org/drawingml/2006/main" xmlns:r="http://schemas.openxmlformats.org/officeDocument/2006/relationships" xmlns:mc="http://schemas.openxmlformats.org/markup-compatibility/2006" xmlns:mv="urn:schemas-microsoft-com:mac:vml" xmlns:p="http://schemas.openxmlformats.org/presentationml/2006/main" xmlns:c="http://schemas.openxmlformats.org/drawingml/2006/chart" xmlns:dgm="http://schemas.openxmlformats.org/drawingml/2006/diagram" xmlns:o="urn:schemas-microsoft-com:office:office" xmlns:v="urn:schemas-microsoft-com:vml" xmlns:pvml="urn:schemas-microsoft-com:office:powerpoint" xmlns:com="http://schemas.openxmlformats.org/drawingml/2006/compatibility" xmlns:p14="http://schemas.microsoft.com/office/powerpoint/2010/main" xmlns:p15="http://schemas.microsoft.com/office/powerpoint/2012/main" xmlns:ahyp="http://schemas.microsoft.com/office/drawing/2018/hyperlinkcolor" showMasterPhAnim="0" showMasterSp="0">
+<p:notes xmlns:a="http://schemas.openxmlformats.org/drawingml/2006/main" xmlns:r="http://schemas.openxmlformats.org/officeDocument/2006/relationships" xmlns:p="http://schemas.openxmlformats.org/presentationml/2006/main" showMasterSp="0" showMasterPhAnim="0">
   <p:cSld>
     <p:spTree>
       <p:nvGrpSpPr>
-        <p:cNvPr id="62" name="Shape 62"/>
+        <p:cNvPr id="1" name="Shape 62"/>
         <p:cNvGrpSpPr/>
         <p:nvPr/>
       </p:nvGrpSpPr>
@@ -1013,9 +1043,11 @@
       <p:sp>
         <p:nvSpPr>
           <p:cNvPr id="63" name="Google Shape;63;g10e719785f7_11_0:notes"/>
-          <p:cNvSpPr/>
+          <p:cNvSpPr>
+            <a:spLocks noGrp="1" noRot="1" noChangeAspect="1"/>
+          </p:cNvSpPr>
           <p:nvPr>
-            <p:ph idx="2" type="sldImg"/>
+            <p:ph type="sldImg" idx="2"/>
           </p:nvPr>
         </p:nvSpPr>
         <p:spPr>
@@ -1024,9 +1056,13 @@
             <a:ext cx="6096000" cy="3429000"/>
           </a:xfrm>
           <a:custGeom>
-            <a:rect b="b" l="l" r="r" t="t"/>
+            <a:avLst/>
+            <a:gdLst/>
+            <a:ahLst/>
+            <a:cxnLst/>
+            <a:rect l="l" t="t" r="r" b="b"/>
             <a:pathLst>
-              <a:path extrusionOk="0" h="120000" w="120000">
+              <a:path w="120000" h="120000" extrusionOk="0">
                 <a:moveTo>
                   <a:pt x="0" y="0"/>
                 </a:moveTo>
@@ -1048,9 +1084,11 @@
       <p:sp>
         <p:nvSpPr>
           <p:cNvPr id="64" name="Google Shape;64;g10e719785f7_11_0:notes"/>
-          <p:cNvSpPr txBox="1"/>
+          <p:cNvSpPr txBox="1">
+            <a:spLocks noGrp="1"/>
+          </p:cNvSpPr>
           <p:nvPr>
-            <p:ph idx="1" type="body"/>
+            <p:ph type="body" idx="1"/>
           </p:nvPr>
         </p:nvSpPr>
         <p:spPr>
@@ -1063,12 +1101,12 @@
           </a:prstGeom>
         </p:spPr>
         <p:txBody>
-          <a:bodyPr anchorCtr="0" anchor="t" bIns="91425" lIns="91425" spcFirstLastPara="1" rIns="91425" wrap="square" tIns="91425">
+          <a:bodyPr spcFirstLastPara="1" wrap="square" lIns="91425" tIns="91425" rIns="91425" bIns="91425" anchor="t" anchorCtr="0">
             <a:noAutofit/>
           </a:bodyPr>
           <a:lstStyle/>
           <a:p>
-            <a:pPr indent="0" lvl="0" marL="0" rtl="0" algn="l">
+            <a:pPr marL="0" lvl="0" indent="0" algn="l" rtl="0">
               <a:spcBef>
                 <a:spcPts val="0"/>
               </a:spcBef>
@@ -1077,9 +1115,6 @@
               </a:spcAft>
               <a:buNone/>
             </a:pPr>
-            <a:r>
-              <a:t/>
-            </a:r>
             <a:endParaRPr/>
           </a:p>
         </p:txBody>
@@ -1093,11 +1128,11 @@
 </file>
 
 <file path=ppt/notesSlides/notesSlide3.xml><?xml version="1.0" encoding="utf-8"?>
-<p:notes xmlns:a="http://schemas.openxmlformats.org/drawingml/2006/main" xmlns:r="http://schemas.openxmlformats.org/officeDocument/2006/relationships" xmlns:mc="http://schemas.openxmlformats.org/markup-compatibility/2006" xmlns:mv="urn:schemas-microsoft-com:mac:vml" xmlns:p="http://schemas.openxmlformats.org/presentationml/2006/main" xmlns:c="http://schemas.openxmlformats.org/drawingml/2006/chart" xmlns:dgm="http://schemas.openxmlformats.org/drawingml/2006/diagram" xmlns:o="urn:schemas-microsoft-com:office:office" xmlns:v="urn:schemas-microsoft-com:vml" xmlns:pvml="urn:schemas-microsoft-com:office:powerpoint" xmlns:com="http://schemas.openxmlformats.org/drawingml/2006/compatibility" xmlns:p14="http://schemas.microsoft.com/office/powerpoint/2010/main" xmlns:p15="http://schemas.microsoft.com/office/powerpoint/2012/main" xmlns:ahyp="http://schemas.microsoft.com/office/drawing/2018/hyperlinkcolor" showMasterPhAnim="0" showMasterSp="0">
+<p:notes xmlns:a="http://schemas.openxmlformats.org/drawingml/2006/main" xmlns:r="http://schemas.openxmlformats.org/officeDocument/2006/relationships" xmlns:p="http://schemas.openxmlformats.org/presentationml/2006/main" showMasterSp="0" showMasterPhAnim="0">
   <p:cSld>
     <p:spTree>
       <p:nvGrpSpPr>
-        <p:cNvPr id="73" name="Shape 73"/>
+        <p:cNvPr id="1" name="Shape 73"/>
         <p:cNvGrpSpPr/>
         <p:nvPr/>
       </p:nvGrpSpPr>
@@ -1112,9 +1147,11 @@
       <p:sp>
         <p:nvSpPr>
           <p:cNvPr id="74" name="Google Shape;74;g1e03dc11c00_0_0:notes"/>
-          <p:cNvSpPr/>
+          <p:cNvSpPr>
+            <a:spLocks noGrp="1" noRot="1" noChangeAspect="1"/>
+          </p:cNvSpPr>
           <p:nvPr>
-            <p:ph idx="2" type="sldImg"/>
+            <p:ph type="sldImg" idx="2"/>
           </p:nvPr>
         </p:nvSpPr>
         <p:spPr>
@@ -1123,9 +1160,13 @@
             <a:ext cx="6096000" cy="3429000"/>
           </a:xfrm>
           <a:custGeom>
-            <a:rect b="b" l="l" r="r" t="t"/>
+            <a:avLst/>
+            <a:gdLst/>
+            <a:ahLst/>
+            <a:cxnLst/>
+            <a:rect l="l" t="t" r="r" b="b"/>
             <a:pathLst>
-              <a:path extrusionOk="0" h="120000" w="120000">
+              <a:path w="120000" h="120000" extrusionOk="0">
                 <a:moveTo>
                   <a:pt x="0" y="0"/>
                 </a:moveTo>
@@ -1147,9 +1188,11 @@
       <p:sp>
         <p:nvSpPr>
           <p:cNvPr id="75" name="Google Shape;75;g1e03dc11c00_0_0:notes"/>
-          <p:cNvSpPr txBox="1"/>
+          <p:cNvSpPr txBox="1">
+            <a:spLocks noGrp="1"/>
+          </p:cNvSpPr>
           <p:nvPr>
-            <p:ph idx="1" type="body"/>
+            <p:ph type="body" idx="1"/>
           </p:nvPr>
         </p:nvSpPr>
         <p:spPr>
@@ -1162,12 +1205,12 @@
           </a:prstGeom>
         </p:spPr>
         <p:txBody>
-          <a:bodyPr anchorCtr="0" anchor="t" bIns="91425" lIns="91425" spcFirstLastPara="1" rIns="91425" wrap="square" tIns="91425">
+          <a:bodyPr spcFirstLastPara="1" wrap="square" lIns="91425" tIns="91425" rIns="91425" bIns="91425" anchor="t" anchorCtr="0">
             <a:noAutofit/>
           </a:bodyPr>
           <a:lstStyle/>
           <a:p>
-            <a:pPr indent="0" lvl="0" marL="0" rtl="0" algn="l">
+            <a:pPr marL="0" lvl="0" indent="0" algn="l" rtl="0">
               <a:spcBef>
                 <a:spcPts val="0"/>
               </a:spcBef>
@@ -1176,9 +1219,6 @@
               </a:spcAft>
               <a:buNone/>
             </a:pPr>
-            <a:r>
-              <a:t/>
-            </a:r>
             <a:endParaRPr/>
           </a:p>
         </p:txBody>
@@ -1192,11 +1232,11 @@
 </file>
 
 <file path=ppt/notesSlides/notesSlide4.xml><?xml version="1.0" encoding="utf-8"?>
-<p:notes xmlns:a="http://schemas.openxmlformats.org/drawingml/2006/main" xmlns:r="http://schemas.openxmlformats.org/officeDocument/2006/relationships" xmlns:mc="http://schemas.openxmlformats.org/markup-compatibility/2006" xmlns:mv="urn:schemas-microsoft-com:mac:vml" xmlns:p="http://schemas.openxmlformats.org/presentationml/2006/main" xmlns:c="http://schemas.openxmlformats.org/drawingml/2006/chart" xmlns:dgm="http://schemas.openxmlformats.org/drawingml/2006/diagram" xmlns:o="urn:schemas-microsoft-com:office:office" xmlns:v="urn:schemas-microsoft-com:vml" xmlns:pvml="urn:schemas-microsoft-com:office:powerpoint" xmlns:com="http://schemas.openxmlformats.org/drawingml/2006/compatibility" xmlns:p14="http://schemas.microsoft.com/office/powerpoint/2010/main" xmlns:p15="http://schemas.microsoft.com/office/powerpoint/2012/main" xmlns:ahyp="http://schemas.microsoft.com/office/drawing/2018/hyperlinkcolor" showMasterPhAnim="0" showMasterSp="0">
+<p:notes xmlns:a="http://schemas.openxmlformats.org/drawingml/2006/main" xmlns:r="http://schemas.openxmlformats.org/officeDocument/2006/relationships" xmlns:p="http://schemas.openxmlformats.org/presentationml/2006/main" showMasterSp="0" showMasterPhAnim="0">
   <p:cSld>
     <p:spTree>
       <p:nvGrpSpPr>
-        <p:cNvPr id="83" name="Shape 83"/>
+        <p:cNvPr id="1" name="Shape 83"/>
         <p:cNvGrpSpPr/>
         <p:nvPr/>
       </p:nvGrpSpPr>
@@ -1211,9 +1251,11 @@
       <p:sp>
         <p:nvSpPr>
           <p:cNvPr id="84" name="Google Shape;84;g1d59848aa81_0_74:notes"/>
-          <p:cNvSpPr/>
+          <p:cNvSpPr>
+            <a:spLocks noGrp="1" noRot="1" noChangeAspect="1"/>
+          </p:cNvSpPr>
           <p:nvPr>
-            <p:ph idx="2" type="sldImg"/>
+            <p:ph type="sldImg" idx="2"/>
           </p:nvPr>
         </p:nvSpPr>
         <p:spPr>
@@ -1222,9 +1264,13 @@
             <a:ext cx="6096000" cy="3429000"/>
           </a:xfrm>
           <a:custGeom>
-            <a:rect b="b" l="l" r="r" t="t"/>
+            <a:avLst/>
+            <a:gdLst/>
+            <a:ahLst/>
+            <a:cxnLst/>
+            <a:rect l="l" t="t" r="r" b="b"/>
             <a:pathLst>
-              <a:path extrusionOk="0" h="120000" w="120000">
+              <a:path w="120000" h="120000" extrusionOk="0">
                 <a:moveTo>
                   <a:pt x="0" y="0"/>
                 </a:moveTo>
@@ -1246,9 +1292,11 @@
       <p:sp>
         <p:nvSpPr>
           <p:cNvPr id="85" name="Google Shape;85;g1d59848aa81_0_74:notes"/>
-          <p:cNvSpPr txBox="1"/>
+          <p:cNvSpPr txBox="1">
+            <a:spLocks noGrp="1"/>
+          </p:cNvSpPr>
           <p:nvPr>
-            <p:ph idx="1" type="body"/>
+            <p:ph type="body" idx="1"/>
           </p:nvPr>
         </p:nvSpPr>
         <p:spPr>
@@ -1261,12 +1309,12 @@
           </a:prstGeom>
         </p:spPr>
         <p:txBody>
-          <a:bodyPr anchorCtr="0" anchor="t" bIns="91425" lIns="91425" spcFirstLastPara="1" rIns="91425" wrap="square" tIns="91425">
+          <a:bodyPr spcFirstLastPara="1" wrap="square" lIns="91425" tIns="91425" rIns="91425" bIns="91425" anchor="t" anchorCtr="0">
             <a:noAutofit/>
           </a:bodyPr>
           <a:lstStyle/>
           <a:p>
-            <a:pPr indent="0" lvl="0" marL="0" rtl="0" algn="l">
+            <a:pPr marL="0" lvl="0" indent="0" algn="l" rtl="0">
               <a:spcBef>
                 <a:spcPts val="0"/>
               </a:spcBef>
@@ -1275,9 +1323,6 @@
               </a:spcAft>
               <a:buNone/>
             </a:pPr>
-            <a:r>
-              <a:t/>
-            </a:r>
             <a:endParaRPr/>
           </a:p>
         </p:txBody>
@@ -1291,11 +1336,11 @@
 </file>
 
 <file path=ppt/notesSlides/notesSlide5.xml><?xml version="1.0" encoding="utf-8"?>
-<p:notes xmlns:a="http://schemas.openxmlformats.org/drawingml/2006/main" xmlns:r="http://schemas.openxmlformats.org/officeDocument/2006/relationships" xmlns:mc="http://schemas.openxmlformats.org/markup-compatibility/2006" xmlns:mv="urn:schemas-microsoft-com:mac:vml" xmlns:p="http://schemas.openxmlformats.org/presentationml/2006/main" xmlns:c="http://schemas.openxmlformats.org/drawingml/2006/chart" xmlns:dgm="http://schemas.openxmlformats.org/drawingml/2006/diagram" xmlns:o="urn:schemas-microsoft-com:office:office" xmlns:v="urn:schemas-microsoft-com:vml" xmlns:pvml="urn:schemas-microsoft-com:office:powerpoint" xmlns:com="http://schemas.openxmlformats.org/drawingml/2006/compatibility" xmlns:p14="http://schemas.microsoft.com/office/powerpoint/2010/main" xmlns:p15="http://schemas.microsoft.com/office/powerpoint/2012/main" xmlns:ahyp="http://schemas.microsoft.com/office/drawing/2018/hyperlinkcolor" showMasterPhAnim="0" showMasterSp="0">
+<p:notes xmlns:a="http://schemas.openxmlformats.org/drawingml/2006/main" xmlns:r="http://schemas.openxmlformats.org/officeDocument/2006/relationships" xmlns:p="http://schemas.openxmlformats.org/presentationml/2006/main" showMasterSp="0" showMasterPhAnim="0">
   <p:cSld>
     <p:spTree>
       <p:nvGrpSpPr>
-        <p:cNvPr id="91" name="Shape 91"/>
+        <p:cNvPr id="1" name="Shape 91"/>
         <p:cNvGrpSpPr/>
         <p:nvPr/>
       </p:nvGrpSpPr>
@@ -1310,20 +1355,26 @@
       <p:sp>
         <p:nvSpPr>
           <p:cNvPr id="92" name="Google Shape;92;g1d59848aa81_0_62:notes"/>
-          <p:cNvSpPr/>
+          <p:cNvSpPr>
+            <a:spLocks noGrp="1" noRot="1" noChangeAspect="1"/>
+          </p:cNvSpPr>
           <p:nvPr>
-            <p:ph idx="2" type="sldImg"/>
+            <p:ph type="sldImg" idx="2"/>
           </p:nvPr>
         </p:nvSpPr>
         <p:spPr>
           <a:xfrm>
-            <a:off x="381300" y="685800"/>
+            <a:off x="381000" y="685800"/>
             <a:ext cx="6096000" cy="3429000"/>
           </a:xfrm>
           <a:custGeom>
-            <a:rect b="b" l="l" r="r" t="t"/>
+            <a:avLst/>
+            <a:gdLst/>
+            <a:ahLst/>
+            <a:cxnLst/>
+            <a:rect l="l" t="t" r="r" b="b"/>
             <a:pathLst>
-              <a:path extrusionOk="0" h="120000" w="120000">
+              <a:path w="120000" h="120000" extrusionOk="0">
                 <a:moveTo>
                   <a:pt x="0" y="0"/>
                 </a:moveTo>
@@ -1345,9 +1396,11 @@
       <p:sp>
         <p:nvSpPr>
           <p:cNvPr id="93" name="Google Shape;93;g1d59848aa81_0_62:notes"/>
-          <p:cNvSpPr txBox="1"/>
+          <p:cNvSpPr txBox="1">
+            <a:spLocks noGrp="1"/>
+          </p:cNvSpPr>
           <p:nvPr>
-            <p:ph idx="1" type="body"/>
+            <p:ph type="body" idx="1"/>
           </p:nvPr>
         </p:nvSpPr>
         <p:spPr>
@@ -1360,12 +1413,12 @@
           </a:prstGeom>
         </p:spPr>
         <p:txBody>
-          <a:bodyPr anchorCtr="0" anchor="t" bIns="91425" lIns="91425" spcFirstLastPara="1" rIns="91425" wrap="square" tIns="91425">
+          <a:bodyPr spcFirstLastPara="1" wrap="square" lIns="91425" tIns="91425" rIns="91425" bIns="91425" anchor="t" anchorCtr="0">
             <a:noAutofit/>
           </a:bodyPr>
           <a:lstStyle/>
           <a:p>
-            <a:pPr indent="0" lvl="0" marL="0" rtl="0" algn="l">
+            <a:pPr marL="0" lvl="0" indent="0" algn="l" rtl="0">
               <a:spcBef>
                 <a:spcPts val="0"/>
               </a:spcBef>
@@ -1374,9 +1427,6 @@
               </a:spcAft>
               <a:buNone/>
             </a:pPr>
-            <a:r>
-              <a:t/>
-            </a:r>
             <a:endParaRPr/>
           </a:p>
         </p:txBody>
@@ -1390,11 +1440,11 @@
 </file>
 
 <file path=ppt/notesSlides/notesSlide6.xml><?xml version="1.0" encoding="utf-8"?>
-<p:notes xmlns:a="http://schemas.openxmlformats.org/drawingml/2006/main" xmlns:r="http://schemas.openxmlformats.org/officeDocument/2006/relationships" xmlns:mc="http://schemas.openxmlformats.org/markup-compatibility/2006" xmlns:mv="urn:schemas-microsoft-com:mac:vml" xmlns:p="http://schemas.openxmlformats.org/presentationml/2006/main" xmlns:c="http://schemas.openxmlformats.org/drawingml/2006/chart" xmlns:dgm="http://schemas.openxmlformats.org/drawingml/2006/diagram" xmlns:o="urn:schemas-microsoft-com:office:office" xmlns:v="urn:schemas-microsoft-com:vml" xmlns:pvml="urn:schemas-microsoft-com:office:powerpoint" xmlns:com="http://schemas.openxmlformats.org/drawingml/2006/compatibility" xmlns:p14="http://schemas.microsoft.com/office/powerpoint/2010/main" xmlns:p15="http://schemas.microsoft.com/office/powerpoint/2012/main" xmlns:ahyp="http://schemas.microsoft.com/office/drawing/2018/hyperlinkcolor" showMasterPhAnim="0" showMasterSp="0">
+<p:notes xmlns:a="http://schemas.openxmlformats.org/drawingml/2006/main" xmlns:r="http://schemas.openxmlformats.org/officeDocument/2006/relationships" xmlns:p="http://schemas.openxmlformats.org/presentationml/2006/main" showMasterSp="0" showMasterPhAnim="0">
   <p:cSld>
     <p:spTree>
       <p:nvGrpSpPr>
-        <p:cNvPr id="100" name="Shape 100"/>
+        <p:cNvPr id="1" name="Shape 100"/>
         <p:cNvGrpSpPr/>
         <p:nvPr/>
       </p:nvGrpSpPr>
@@ -1409,20 +1459,26 @@
       <p:sp>
         <p:nvSpPr>
           <p:cNvPr id="101" name="Google Shape;101;g1d59848aa81_0_56:notes"/>
-          <p:cNvSpPr/>
+          <p:cNvSpPr>
+            <a:spLocks noGrp="1" noRot="1" noChangeAspect="1"/>
+          </p:cNvSpPr>
           <p:nvPr>
-            <p:ph idx="2" type="sldImg"/>
+            <p:ph type="sldImg" idx="2"/>
           </p:nvPr>
         </p:nvSpPr>
         <p:spPr>
           <a:xfrm>
-            <a:off x="381300" y="685800"/>
+            <a:off x="381000" y="685800"/>
             <a:ext cx="6096000" cy="3429000"/>
           </a:xfrm>
           <a:custGeom>
-            <a:rect b="b" l="l" r="r" t="t"/>
+            <a:avLst/>
+            <a:gdLst/>
+            <a:ahLst/>
+            <a:cxnLst/>
+            <a:rect l="l" t="t" r="r" b="b"/>
             <a:pathLst>
-              <a:path extrusionOk="0" h="120000" w="120000">
+              <a:path w="120000" h="120000" extrusionOk="0">
                 <a:moveTo>
                   <a:pt x="0" y="0"/>
                 </a:moveTo>
@@ -1444,9 +1500,11 @@
       <p:sp>
         <p:nvSpPr>
           <p:cNvPr id="102" name="Google Shape;102;g1d59848aa81_0_56:notes"/>
-          <p:cNvSpPr txBox="1"/>
+          <p:cNvSpPr txBox="1">
+            <a:spLocks noGrp="1"/>
+          </p:cNvSpPr>
           <p:nvPr>
-            <p:ph idx="1" type="body"/>
+            <p:ph type="body" idx="1"/>
           </p:nvPr>
         </p:nvSpPr>
         <p:spPr>
@@ -1459,12 +1517,12 @@
           </a:prstGeom>
         </p:spPr>
         <p:txBody>
-          <a:bodyPr anchorCtr="0" anchor="t" bIns="91425" lIns="91425" spcFirstLastPara="1" rIns="91425" wrap="square" tIns="91425">
+          <a:bodyPr spcFirstLastPara="1" wrap="square" lIns="91425" tIns="91425" rIns="91425" bIns="91425" anchor="t" anchorCtr="0">
             <a:noAutofit/>
           </a:bodyPr>
           <a:lstStyle/>
           <a:p>
-            <a:pPr indent="0" lvl="0" marL="0" rtl="0" algn="l">
+            <a:pPr marL="0" lvl="0" indent="0" algn="l" rtl="0">
               <a:spcBef>
                 <a:spcPts val="0"/>
               </a:spcBef>
@@ -1473,9 +1531,6 @@
               </a:spcAft>
               <a:buNone/>
             </a:pPr>
-            <a:r>
-              <a:t/>
-            </a:r>
             <a:endParaRPr/>
           </a:p>
         </p:txBody>
@@ -1489,11 +1544,11 @@
 </file>
 
 <file path=ppt/notesSlides/notesSlide7.xml><?xml version="1.0" encoding="utf-8"?>
-<p:notes xmlns:a="http://schemas.openxmlformats.org/drawingml/2006/main" xmlns:r="http://schemas.openxmlformats.org/officeDocument/2006/relationships" xmlns:mc="http://schemas.openxmlformats.org/markup-compatibility/2006" xmlns:mv="urn:schemas-microsoft-com:mac:vml" xmlns:p="http://schemas.openxmlformats.org/presentationml/2006/main" xmlns:c="http://schemas.openxmlformats.org/drawingml/2006/chart" xmlns:dgm="http://schemas.openxmlformats.org/drawingml/2006/diagram" xmlns:o="urn:schemas-microsoft-com:office:office" xmlns:v="urn:schemas-microsoft-com:vml" xmlns:pvml="urn:schemas-microsoft-com:office:powerpoint" xmlns:com="http://schemas.openxmlformats.org/drawingml/2006/compatibility" xmlns:p14="http://schemas.microsoft.com/office/powerpoint/2010/main" xmlns:p15="http://schemas.microsoft.com/office/powerpoint/2012/main" xmlns:ahyp="http://schemas.microsoft.com/office/drawing/2018/hyperlinkcolor" showMasterPhAnim="0" showMasterSp="0">
+<p:notes xmlns:a="http://schemas.openxmlformats.org/drawingml/2006/main" xmlns:r="http://schemas.openxmlformats.org/officeDocument/2006/relationships" xmlns:p="http://schemas.openxmlformats.org/presentationml/2006/main" showMasterSp="0" showMasterPhAnim="0">
   <p:cSld>
     <p:spTree>
       <p:nvGrpSpPr>
-        <p:cNvPr id="108" name="Shape 108"/>
+        <p:cNvPr id="1" name="Shape 108"/>
         <p:cNvGrpSpPr/>
         <p:nvPr/>
       </p:nvGrpSpPr>
@@ -1508,9 +1563,11 @@
       <p:sp>
         <p:nvSpPr>
           <p:cNvPr id="109" name="Google Shape;109;g1d7349f2a4b_0_33:notes"/>
-          <p:cNvSpPr/>
+          <p:cNvSpPr>
+            <a:spLocks noGrp="1" noRot="1" noChangeAspect="1"/>
+          </p:cNvSpPr>
           <p:nvPr>
-            <p:ph idx="2" type="sldImg"/>
+            <p:ph type="sldImg" idx="2"/>
           </p:nvPr>
         </p:nvSpPr>
         <p:spPr>
@@ -1519,9 +1576,13 @@
             <a:ext cx="6096000" cy="3429000"/>
           </a:xfrm>
           <a:custGeom>
-            <a:rect b="b" l="l" r="r" t="t"/>
+            <a:avLst/>
+            <a:gdLst/>
+            <a:ahLst/>
+            <a:cxnLst/>
+            <a:rect l="l" t="t" r="r" b="b"/>
             <a:pathLst>
-              <a:path extrusionOk="0" h="120000" w="120000">
+              <a:path w="120000" h="120000" extrusionOk="0">
                 <a:moveTo>
                   <a:pt x="0" y="0"/>
                 </a:moveTo>
@@ -1543,9 +1604,11 @@
       <p:sp>
         <p:nvSpPr>
           <p:cNvPr id="110" name="Google Shape;110;g1d7349f2a4b_0_33:notes"/>
-          <p:cNvSpPr txBox="1"/>
+          <p:cNvSpPr txBox="1">
+            <a:spLocks noGrp="1"/>
+          </p:cNvSpPr>
           <p:nvPr>
-            <p:ph idx="1" type="body"/>
+            <p:ph type="body" idx="1"/>
           </p:nvPr>
         </p:nvSpPr>
         <p:spPr>
@@ -1558,12 +1621,12 @@
           </a:prstGeom>
         </p:spPr>
         <p:txBody>
-          <a:bodyPr anchorCtr="0" anchor="t" bIns="91425" lIns="91425" spcFirstLastPara="1" rIns="91425" wrap="square" tIns="91425">
+          <a:bodyPr spcFirstLastPara="1" wrap="square" lIns="91425" tIns="91425" rIns="91425" bIns="91425" anchor="t" anchorCtr="0">
             <a:noAutofit/>
           </a:bodyPr>
           <a:lstStyle/>
           <a:p>
-            <a:pPr indent="0" lvl="0" marL="0" rtl="0" algn="l">
+            <a:pPr marL="0" lvl="0" indent="0" algn="l" rtl="0">
               <a:spcBef>
                 <a:spcPts val="0"/>
               </a:spcBef>
@@ -1572,9 +1635,6 @@
               </a:spcAft>
               <a:buNone/>
             </a:pPr>
-            <a:r>
-              <a:t/>
-            </a:r>
             <a:endParaRPr/>
           </a:p>
         </p:txBody>
@@ -1588,11 +1648,11 @@
 </file>
 
 <file path=ppt/notesSlides/notesSlide8.xml><?xml version="1.0" encoding="utf-8"?>
-<p:notes xmlns:a="http://schemas.openxmlformats.org/drawingml/2006/main" xmlns:r="http://schemas.openxmlformats.org/officeDocument/2006/relationships" xmlns:mc="http://schemas.openxmlformats.org/markup-compatibility/2006" xmlns:mv="urn:schemas-microsoft-com:mac:vml" xmlns:p="http://schemas.openxmlformats.org/presentationml/2006/main" xmlns:c="http://schemas.openxmlformats.org/drawingml/2006/chart" xmlns:dgm="http://schemas.openxmlformats.org/drawingml/2006/diagram" xmlns:o="urn:schemas-microsoft-com:office:office" xmlns:v="urn:schemas-microsoft-com:vml" xmlns:pvml="urn:schemas-microsoft-com:office:powerpoint" xmlns:com="http://schemas.openxmlformats.org/drawingml/2006/compatibility" xmlns:p14="http://schemas.microsoft.com/office/powerpoint/2010/main" xmlns:p15="http://schemas.microsoft.com/office/powerpoint/2012/main" xmlns:ahyp="http://schemas.microsoft.com/office/drawing/2018/hyperlinkcolor" showMasterPhAnim="0" showMasterSp="0">
+<p:notes xmlns:a="http://schemas.openxmlformats.org/drawingml/2006/main" xmlns:r="http://schemas.openxmlformats.org/officeDocument/2006/relationships" xmlns:p="http://schemas.openxmlformats.org/presentationml/2006/main" showMasterSp="0" showMasterPhAnim="0">
   <p:cSld>
     <p:spTree>
       <p:nvGrpSpPr>
-        <p:cNvPr id="116" name="Shape 116"/>
+        <p:cNvPr id="1" name="Shape 116"/>
         <p:cNvGrpSpPr/>
         <p:nvPr/>
       </p:nvGrpSpPr>
@@ -1607,9 +1667,11 @@
       <p:sp>
         <p:nvSpPr>
           <p:cNvPr id="117" name="Google Shape;117;g1d59848aa81_0_68:notes"/>
-          <p:cNvSpPr/>
+          <p:cNvSpPr>
+            <a:spLocks noGrp="1" noRot="1" noChangeAspect="1"/>
+          </p:cNvSpPr>
           <p:nvPr>
-            <p:ph idx="2" type="sldImg"/>
+            <p:ph type="sldImg" idx="2"/>
           </p:nvPr>
         </p:nvSpPr>
         <p:spPr>
@@ -1618,9 +1680,13 @@
             <a:ext cx="6096000" cy="3429000"/>
           </a:xfrm>
           <a:custGeom>
-            <a:rect b="b" l="l" r="r" t="t"/>
+            <a:avLst/>
+            <a:gdLst/>
+            <a:ahLst/>
+            <a:cxnLst/>
+            <a:rect l="l" t="t" r="r" b="b"/>
             <a:pathLst>
-              <a:path extrusionOk="0" h="120000" w="120000">
+              <a:path w="120000" h="120000" extrusionOk="0">
                 <a:moveTo>
                   <a:pt x="0" y="0"/>
                 </a:moveTo>
@@ -1642,9 +1708,11 @@
       <p:sp>
         <p:nvSpPr>
           <p:cNvPr id="118" name="Google Shape;118;g1d59848aa81_0_68:notes"/>
-          <p:cNvSpPr txBox="1"/>
+          <p:cNvSpPr txBox="1">
+            <a:spLocks noGrp="1"/>
+          </p:cNvSpPr>
           <p:nvPr>
-            <p:ph idx="1" type="body"/>
+            <p:ph type="body" idx="1"/>
           </p:nvPr>
         </p:nvSpPr>
         <p:spPr>
@@ -1657,12 +1725,12 @@
           </a:prstGeom>
         </p:spPr>
         <p:txBody>
-          <a:bodyPr anchorCtr="0" anchor="t" bIns="91425" lIns="91425" spcFirstLastPara="1" rIns="91425" wrap="square" tIns="91425">
+          <a:bodyPr spcFirstLastPara="1" wrap="square" lIns="91425" tIns="91425" rIns="91425" bIns="91425" anchor="t" anchorCtr="0">
             <a:noAutofit/>
           </a:bodyPr>
           <a:lstStyle/>
           <a:p>
-            <a:pPr indent="0" lvl="0" marL="0" rtl="0" algn="l">
+            <a:pPr marL="0" lvl="0" indent="0" algn="l" rtl="0">
               <a:spcBef>
                 <a:spcPts val="0"/>
               </a:spcBef>
@@ -1676,13 +1744,10 @@
               <a:buFont typeface="Arial"/>
               <a:buNone/>
             </a:pPr>
-            <a:r>
-              <a:t/>
-            </a:r>
             <a:endParaRPr/>
           </a:p>
           <a:p>
-            <a:pPr indent="0" lvl="0" marL="0" rtl="0" algn="l">
+            <a:pPr marL="0" lvl="0" indent="0" algn="l" rtl="0">
               <a:spcBef>
                 <a:spcPts val="0"/>
               </a:spcBef>
@@ -1691,9 +1756,6 @@
               </a:spcAft>
               <a:buNone/>
             </a:pPr>
-            <a:r>
-              <a:t/>
-            </a:r>
             <a:endParaRPr/>
           </a:p>
         </p:txBody>
@@ -1707,11 +1769,11 @@
 </file>
 
 <file path=ppt/notesSlides/notesSlide9.xml><?xml version="1.0" encoding="utf-8"?>
-<p:notes xmlns:a="http://schemas.openxmlformats.org/drawingml/2006/main" xmlns:r="http://schemas.openxmlformats.org/officeDocument/2006/relationships" xmlns:mc="http://schemas.openxmlformats.org/markup-compatibility/2006" xmlns:mv="urn:schemas-microsoft-com:mac:vml" xmlns:p="http://schemas.openxmlformats.org/presentationml/2006/main" xmlns:c="http://schemas.openxmlformats.org/drawingml/2006/chart" xmlns:dgm="http://schemas.openxmlformats.org/drawingml/2006/diagram" xmlns:o="urn:schemas-microsoft-com:office:office" xmlns:v="urn:schemas-microsoft-com:vml" xmlns:pvml="urn:schemas-microsoft-com:office:powerpoint" xmlns:com="http://schemas.openxmlformats.org/drawingml/2006/compatibility" xmlns:p14="http://schemas.microsoft.com/office/powerpoint/2010/main" xmlns:p15="http://schemas.microsoft.com/office/powerpoint/2012/main" xmlns:ahyp="http://schemas.microsoft.com/office/drawing/2018/hyperlinkcolor" showMasterPhAnim="0" showMasterSp="0">
+<p:notes xmlns:a="http://schemas.openxmlformats.org/drawingml/2006/main" xmlns:r="http://schemas.openxmlformats.org/officeDocument/2006/relationships" xmlns:p="http://schemas.openxmlformats.org/presentationml/2006/main" showMasterSp="0" showMasterPhAnim="0">
   <p:cSld>
     <p:spTree>
       <p:nvGrpSpPr>
-        <p:cNvPr id="124" name="Shape 124"/>
+        <p:cNvPr id="1" name="Shape 124"/>
         <p:cNvGrpSpPr/>
         <p:nvPr/>
       </p:nvGrpSpPr>
@@ -1726,9 +1788,11 @@
       <p:sp>
         <p:nvSpPr>
           <p:cNvPr id="125" name="Google Shape;125;g1d59848aa81_0_80:notes"/>
-          <p:cNvSpPr/>
+          <p:cNvSpPr>
+            <a:spLocks noGrp="1" noRot="1" noChangeAspect="1"/>
+          </p:cNvSpPr>
           <p:nvPr>
-            <p:ph idx="2" type="sldImg"/>
+            <p:ph type="sldImg" idx="2"/>
           </p:nvPr>
         </p:nvSpPr>
         <p:spPr>
@@ -1737,9 +1801,13 @@
             <a:ext cx="6096000" cy="3429000"/>
           </a:xfrm>
           <a:custGeom>
-            <a:rect b="b" l="l" r="r" t="t"/>
+            <a:avLst/>
+            <a:gdLst/>
+            <a:ahLst/>
+            <a:cxnLst/>
+            <a:rect l="l" t="t" r="r" b="b"/>
             <a:pathLst>
-              <a:path extrusionOk="0" h="120000" w="120000">
+              <a:path w="120000" h="120000" extrusionOk="0">
                 <a:moveTo>
                   <a:pt x="0" y="0"/>
                 </a:moveTo>
@@ -1761,9 +1829,11 @@
       <p:sp>
         <p:nvSpPr>
           <p:cNvPr id="126" name="Google Shape;126;g1d59848aa81_0_80:notes"/>
-          <p:cNvSpPr txBox="1"/>
+          <p:cNvSpPr txBox="1">
+            <a:spLocks noGrp="1"/>
+          </p:cNvSpPr>
           <p:nvPr>
-            <p:ph idx="1" type="body"/>
+            <p:ph type="body" idx="1"/>
           </p:nvPr>
         </p:nvSpPr>
         <p:spPr>
@@ -1776,12 +1846,12 @@
           </a:prstGeom>
         </p:spPr>
         <p:txBody>
-          <a:bodyPr anchorCtr="0" anchor="t" bIns="91425" lIns="91425" spcFirstLastPara="1" rIns="91425" wrap="square" tIns="91425">
+          <a:bodyPr spcFirstLastPara="1" wrap="square" lIns="91425" tIns="91425" rIns="91425" bIns="91425" anchor="t" anchorCtr="0">
             <a:noAutofit/>
           </a:bodyPr>
           <a:lstStyle/>
           <a:p>
-            <a:pPr indent="457200" lvl="0" marL="0" rtl="0" algn="l">
+            <a:pPr marL="0" lvl="0" indent="457200" algn="l" rtl="0">
               <a:spcBef>
                 <a:spcPts val="0"/>
               </a:spcBef>
@@ -1795,13 +1865,10 @@
               <a:buFont typeface="Arial"/>
               <a:buNone/>
             </a:pPr>
-            <a:r>
-              <a:t/>
-            </a:r>
             <a:endParaRPr/>
           </a:p>
           <a:p>
-            <a:pPr indent="0" lvl="0" marL="0" rtl="0" algn="l">
+            <a:pPr marL="0" lvl="0" indent="0" algn="l" rtl="0">
               <a:spcBef>
                 <a:spcPts val="0"/>
               </a:spcBef>
@@ -1815,13 +1882,10 @@
               <a:buFont typeface="Arial"/>
               <a:buNone/>
             </a:pPr>
-            <a:r>
-              <a:t/>
-            </a:r>
             <a:endParaRPr/>
           </a:p>
           <a:p>
-            <a:pPr indent="0" lvl="0" marL="0" rtl="0" algn="l">
+            <a:pPr marL="0" lvl="0" indent="0" algn="l" rtl="0">
               <a:spcBef>
                 <a:spcPts val="0"/>
               </a:spcBef>
@@ -1830,9 +1894,6 @@
               </a:spcAft>
               <a:buNone/>
             </a:pPr>
-            <a:r>
-              <a:t/>
-            </a:r>
             <a:endParaRPr/>
           </a:p>
         </p:txBody>
@@ -1846,11 +1907,11 @@
 </file>
 
 <file path=ppt/slideLayouts/slideLayout1.xml><?xml version="1.0" encoding="utf-8"?>
-<p:sldLayout xmlns:a="http://schemas.openxmlformats.org/drawingml/2006/main" xmlns:r="http://schemas.openxmlformats.org/officeDocument/2006/relationships" xmlns:mc="http://schemas.openxmlformats.org/markup-compatibility/2006" xmlns:mv="urn:schemas-microsoft-com:mac:vml" xmlns:p="http://schemas.openxmlformats.org/presentationml/2006/main" xmlns:c="http://schemas.openxmlformats.org/drawingml/2006/chart" xmlns:dgm="http://schemas.openxmlformats.org/drawingml/2006/diagram" xmlns:o="urn:schemas-microsoft-com:office:office" xmlns:v="urn:schemas-microsoft-com:vml" xmlns:pvml="urn:schemas-microsoft-com:office:powerpoint" xmlns:com="http://schemas.openxmlformats.org/drawingml/2006/compatibility" xmlns:p14="http://schemas.microsoft.com/office/powerpoint/2010/main" xmlns:p15="http://schemas.microsoft.com/office/powerpoint/2012/main" xmlns:ahyp="http://schemas.microsoft.com/office/drawing/2018/hyperlinkcolor" matchingName="Title slide" type="title">
+<p:sldLayout xmlns:a="http://schemas.openxmlformats.org/drawingml/2006/main" xmlns:r="http://schemas.openxmlformats.org/officeDocument/2006/relationships" xmlns:p="http://schemas.openxmlformats.org/presentationml/2006/main" matchingName="Title slide" type="title">
   <p:cSld name="TITLE">
     <p:spTree>
       <p:nvGrpSpPr>
-        <p:cNvPr id="12" name="Shape 12"/>
+        <p:cNvPr id="1" name="Shape 12"/>
         <p:cNvGrpSpPr/>
         <p:nvPr/>
       </p:nvGrpSpPr>
@@ -1875,29 +1936,29 @@
           </a:xfrm>
           <a:prstGeom prst="roundRect">
             <a:avLst>
-              <a:gd fmla="val 16667" name="adj"/>
+              <a:gd name="adj" fmla="val 16667"/>
             </a:avLst>
           </a:prstGeom>
           <a:solidFill>
             <a:srgbClr val="152A86"/>
           </a:solidFill>
-          <a:ln cap="flat" cmpd="sng" w="9525">
+          <a:ln w="9525" cap="flat" cmpd="sng">
             <a:solidFill>
               <a:srgbClr val="152A86"/>
             </a:solidFill>
             <a:prstDash val="solid"/>
             <a:round/>
-            <a:headEnd len="sm" w="sm" type="none"/>
-            <a:tailEnd len="sm" w="sm" type="none"/>
+            <a:headEnd type="none" w="sm" len="sm"/>
+            <a:tailEnd type="none" w="sm" len="sm"/>
           </a:ln>
         </p:spPr>
         <p:txBody>
-          <a:bodyPr anchorCtr="0" anchor="ctr" bIns="91425" lIns="91425" spcFirstLastPara="1" rIns="91425" wrap="square" tIns="91425">
+          <a:bodyPr spcFirstLastPara="1" wrap="square" lIns="91425" tIns="91425" rIns="91425" bIns="91425" anchor="ctr" anchorCtr="0">
             <a:noAutofit/>
           </a:bodyPr>
           <a:lstStyle/>
           <a:p>
-            <a:pPr indent="0" lvl="0" marL="0" marR="0" rtl="0" algn="l">
+            <a:pPr marL="0" marR="0" lvl="0" indent="0" algn="l" rtl="0">
               <a:lnSpc>
                 <a:spcPct val="100000"/>
               </a:lnSpc>
@@ -1909,9 +1970,6 @@
               </a:spcAft>
               <a:buNone/>
             </a:pPr>
-            <a:r>
-              <a:t/>
-            </a:r>
             <a:endParaRPr/>
           </a:p>
         </p:txBody>
@@ -1919,7 +1977,9 @@
       <p:sp>
         <p:nvSpPr>
           <p:cNvPr id="14" name="Google Shape;14;p2"/>
-          <p:cNvSpPr txBox="1"/>
+          <p:cNvSpPr txBox="1">
+            <a:spLocks noGrp="1"/>
+          </p:cNvSpPr>
           <p:nvPr>
             <p:ph type="ctrTitle"/>
           </p:nvPr>
@@ -1935,7 +1995,7 @@
           <a:noFill/>
         </p:spPr>
         <p:txBody>
-          <a:bodyPr anchorCtr="0" anchor="b" bIns="91425" lIns="91425" spcFirstLastPara="1" rIns="91425" wrap="square" tIns="91425">
+          <a:bodyPr spcFirstLastPara="1" wrap="square" lIns="91425" tIns="91425" rIns="91425" bIns="91425" anchor="b" anchorCtr="0">
             <a:normAutofit/>
           </a:bodyPr>
           <a:lstStyle>
@@ -2046,15 +2106,19 @@
               <a:defRPr sz="4000"/>
             </a:lvl9pPr>
           </a:lstStyle>
-          <a:p/>
+          <a:p>
+            <a:endParaRPr/>
+          </a:p>
         </p:txBody>
       </p:sp>
       <p:sp>
         <p:nvSpPr>
           <p:cNvPr id="15" name="Google Shape;15;p2"/>
-          <p:cNvSpPr txBox="1"/>
+          <p:cNvSpPr txBox="1">
+            <a:spLocks noGrp="1"/>
+          </p:cNvSpPr>
           <p:nvPr>
-            <p:ph idx="1" type="subTitle"/>
+            <p:ph type="subTitle" idx="1"/>
           </p:nvPr>
         </p:nvSpPr>
         <p:spPr>
@@ -2067,7 +2131,7 @@
           </a:prstGeom>
         </p:spPr>
         <p:txBody>
-          <a:bodyPr anchorCtr="0" anchor="t" bIns="91425" lIns="91425" spcFirstLastPara="1" rIns="91425" wrap="square" tIns="91425">
+          <a:bodyPr spcFirstLastPara="1" wrap="square" lIns="91425" tIns="91425" rIns="91425" bIns="91425" anchor="t" anchorCtr="0">
             <a:normAutofit/>
           </a:bodyPr>
           <a:lstStyle>
@@ -2198,15 +2262,19 @@
               <a:defRPr sz="2800"/>
             </a:lvl9pPr>
           </a:lstStyle>
-          <a:p/>
+          <a:p>
+            <a:endParaRPr/>
+          </a:p>
         </p:txBody>
       </p:sp>
       <p:sp>
         <p:nvSpPr>
           <p:cNvPr id="16" name="Google Shape;16;p2"/>
-          <p:cNvSpPr txBox="1"/>
+          <p:cNvSpPr txBox="1">
+            <a:spLocks noGrp="1"/>
+          </p:cNvSpPr>
           <p:nvPr>
-            <p:ph idx="12" type="sldNum"/>
+            <p:ph type="sldNum" idx="12"/>
           </p:nvPr>
         </p:nvSpPr>
         <p:spPr>
@@ -2220,18 +2288,18 @@
           <a:solidFill>
             <a:srgbClr val="3F5095"/>
           </a:solidFill>
-          <a:ln cap="flat" cmpd="sng" w="9525">
+          <a:ln w="9525" cap="flat" cmpd="sng">
             <a:solidFill>
               <a:srgbClr val="3F5095"/>
             </a:solidFill>
             <a:prstDash val="solid"/>
             <a:round/>
-            <a:headEnd len="sm" w="sm" type="none"/>
-            <a:tailEnd len="sm" w="sm" type="none"/>
+            <a:headEnd type="none" w="sm" len="sm"/>
+            <a:tailEnd type="none" w="sm" len="sm"/>
           </a:ln>
         </p:spPr>
         <p:txBody>
-          <a:bodyPr anchorCtr="0" anchor="ctr" bIns="91425" lIns="91425" spcFirstLastPara="1" rIns="91425" wrap="square" tIns="91425">
+          <a:bodyPr spcFirstLastPara="1" wrap="square" lIns="91425" tIns="91425" rIns="91425" bIns="91425" anchor="ctr" anchorCtr="0">
             <a:noAutofit/>
           </a:bodyPr>
           <a:lstStyle>
@@ -2309,7 +2377,7 @@
             </a:lvl9pPr>
           </a:lstStyle>
           <a:p>
-            <a:pPr indent="0" lvl="0" marL="0" rtl="0" algn="l">
+            <a:pPr marL="0" lvl="0" indent="0" algn="l" rtl="0">
               <a:spcBef>
                 <a:spcPts val="0"/>
               </a:spcBef>
@@ -2324,15 +2392,7 @@
             </a:fld>
             <a:r>
               <a:rPr lang="en"/>
-              <a:t>/</a:t>
-            </a:r>
-            <a:r>
-              <a:rPr lang="en"/>
-              <a:t>11</a:t>
-            </a:r>
-            <a:r>
-              <a:rPr lang="en"/>
-              <a:t> </a:t>
+              <a:t>/11 </a:t>
             </a:r>
             <a:endParaRPr/>
           </a:p>
@@ -2341,9 +2401,11 @@
       <p:sp>
         <p:nvSpPr>
           <p:cNvPr id="17" name="Google Shape;17;p2"/>
-          <p:cNvSpPr txBox="1"/>
+          <p:cNvSpPr txBox="1">
+            <a:spLocks noGrp="1"/>
+          </p:cNvSpPr>
           <p:nvPr>
-            <p:ph idx="2" type="subTitle"/>
+            <p:ph type="subTitle" idx="2"/>
           </p:nvPr>
         </p:nvSpPr>
         <p:spPr>
@@ -2356,11 +2418,11 @@
           </a:prstGeom>
         </p:spPr>
         <p:txBody>
-          <a:bodyPr anchorCtr="0" anchor="t" bIns="91425" lIns="91425" spcFirstLastPara="1" rIns="91425" wrap="square" tIns="91425">
+          <a:bodyPr spcFirstLastPara="1" wrap="square" lIns="91425" tIns="91425" rIns="91425" bIns="91425" anchor="t" anchorCtr="0">
             <a:normAutofit/>
           </a:bodyPr>
           <a:lstStyle>
-            <a:lvl1pPr lvl="0" rtl="0" algn="ctr">
+            <a:lvl1pPr lvl="0" algn="ctr" rtl="0">
               <a:lnSpc>
                 <a:spcPct val="100000"/>
               </a:lnSpc>
@@ -2381,7 +2443,7 @@
                 </a:solidFill>
               </a:defRPr>
             </a:lvl1pPr>
-            <a:lvl2pPr lvl="1" rtl="0" algn="ctr">
+            <a:lvl2pPr lvl="1" algn="ctr" rtl="0">
               <a:lnSpc>
                 <a:spcPct val="100000"/>
               </a:lnSpc>
@@ -2395,7 +2457,7 @@
               <a:buNone/>
               <a:defRPr sz="2800"/>
             </a:lvl2pPr>
-            <a:lvl3pPr lvl="2" rtl="0" algn="ctr">
+            <a:lvl3pPr lvl="2" algn="ctr" rtl="0">
               <a:lnSpc>
                 <a:spcPct val="100000"/>
               </a:lnSpc>
@@ -2409,7 +2471,7 @@
               <a:buNone/>
               <a:defRPr sz="2800"/>
             </a:lvl3pPr>
-            <a:lvl4pPr lvl="3" rtl="0" algn="ctr">
+            <a:lvl4pPr lvl="3" algn="ctr" rtl="0">
               <a:lnSpc>
                 <a:spcPct val="100000"/>
               </a:lnSpc>
@@ -2423,7 +2485,7 @@
               <a:buNone/>
               <a:defRPr sz="2800"/>
             </a:lvl4pPr>
-            <a:lvl5pPr lvl="4" rtl="0" algn="ctr">
+            <a:lvl5pPr lvl="4" algn="ctr" rtl="0">
               <a:lnSpc>
                 <a:spcPct val="100000"/>
               </a:lnSpc>
@@ -2437,7 +2499,7 @@
               <a:buNone/>
               <a:defRPr sz="2800"/>
             </a:lvl5pPr>
-            <a:lvl6pPr lvl="5" rtl="0" algn="ctr">
+            <a:lvl6pPr lvl="5" algn="ctr" rtl="0">
               <a:lnSpc>
                 <a:spcPct val="100000"/>
               </a:lnSpc>
@@ -2451,7 +2513,7 @@
               <a:buNone/>
               <a:defRPr sz="2800"/>
             </a:lvl6pPr>
-            <a:lvl7pPr lvl="6" rtl="0" algn="ctr">
+            <a:lvl7pPr lvl="6" algn="ctr" rtl="0">
               <a:lnSpc>
                 <a:spcPct val="100000"/>
               </a:lnSpc>
@@ -2465,7 +2527,7 @@
               <a:buNone/>
               <a:defRPr sz="2800"/>
             </a:lvl7pPr>
-            <a:lvl8pPr lvl="7" rtl="0" algn="ctr">
+            <a:lvl8pPr lvl="7" algn="ctr" rtl="0">
               <a:lnSpc>
                 <a:spcPct val="100000"/>
               </a:lnSpc>
@@ -2479,7 +2541,7 @@
               <a:buNone/>
               <a:defRPr sz="2800"/>
             </a:lvl8pPr>
-            <a:lvl9pPr lvl="8" rtl="0" algn="ctr">
+            <a:lvl9pPr lvl="8" algn="ctr" rtl="0">
               <a:lnSpc>
                 <a:spcPct val="100000"/>
               </a:lnSpc>
@@ -2494,7 +2556,9 @@
               <a:defRPr sz="2800"/>
             </a:lvl9pPr>
           </a:lstStyle>
-          <a:p/>
+          <a:p>
+            <a:endParaRPr/>
+          </a:p>
         </p:txBody>
       </p:sp>
       <p:sp>
@@ -2517,12 +2581,12 @@
           </a:ln>
         </p:spPr>
         <p:txBody>
-          <a:bodyPr anchorCtr="0" anchor="t" bIns="91425" lIns="91425" spcFirstLastPara="1" rIns="91425" wrap="square" tIns="91425">
+          <a:bodyPr spcFirstLastPara="1" wrap="square" lIns="91425" tIns="91425" rIns="91425" bIns="91425" anchor="t" anchorCtr="0">
             <a:spAutoFit/>
           </a:bodyPr>
           <a:lstStyle/>
           <a:p>
-            <a:pPr indent="0" lvl="0" marL="0" rtl="0" algn="ctr">
+            <a:pPr marL="0" lvl="0" indent="0" algn="ctr" rtl="0">
               <a:spcBef>
                 <a:spcPts val="0"/>
               </a:spcBef>
@@ -2567,12 +2631,12 @@
           </a:ln>
         </p:spPr>
         <p:txBody>
-          <a:bodyPr anchorCtr="0" anchor="t" bIns="91425" lIns="91425" spcFirstLastPara="1" rIns="91425" wrap="square" tIns="91425">
+          <a:bodyPr spcFirstLastPara="1" wrap="square" lIns="91425" tIns="91425" rIns="91425" bIns="91425" anchor="t" anchorCtr="0">
             <a:spAutoFit/>
           </a:bodyPr>
           <a:lstStyle/>
           <a:p>
-            <a:pPr indent="0" lvl="0" marL="0" rtl="0" algn="ctr">
+            <a:pPr marL="0" lvl="0" indent="0" algn="ctr" rtl="0">
               <a:spcBef>
                 <a:spcPts val="0"/>
               </a:spcBef>
@@ -2606,11 +2670,11 @@
 </file>
 
 <file path=ppt/slideLayouts/slideLayout10.xml><?xml version="1.0" encoding="utf-8"?>
-<p:sldLayout xmlns:a="http://schemas.openxmlformats.org/drawingml/2006/main" xmlns:r="http://schemas.openxmlformats.org/officeDocument/2006/relationships" xmlns:mc="http://schemas.openxmlformats.org/markup-compatibility/2006" xmlns:mv="urn:schemas-microsoft-com:mac:vml" xmlns:p="http://schemas.openxmlformats.org/presentationml/2006/main" xmlns:c="http://schemas.openxmlformats.org/drawingml/2006/chart" xmlns:dgm="http://schemas.openxmlformats.org/drawingml/2006/diagram" xmlns:o="urn:schemas-microsoft-com:office:office" xmlns:v="urn:schemas-microsoft-com:vml" xmlns:pvml="urn:schemas-microsoft-com:office:powerpoint" xmlns:com="http://schemas.openxmlformats.org/drawingml/2006/compatibility" xmlns:p14="http://schemas.microsoft.com/office/powerpoint/2010/main" xmlns:p15="http://schemas.microsoft.com/office/powerpoint/2012/main" xmlns:ahyp="http://schemas.microsoft.com/office/drawing/2018/hyperlinkcolor" matchingName="Caption">
+<p:sldLayout xmlns:a="http://schemas.openxmlformats.org/drawingml/2006/main" xmlns:r="http://schemas.openxmlformats.org/officeDocument/2006/relationships" xmlns:p="http://schemas.openxmlformats.org/presentationml/2006/main" matchingName="Caption">
   <p:cSld name="CAPTION_ONLY">
     <p:spTree>
       <p:nvGrpSpPr>
-        <p:cNvPr id="51" name="Shape 51"/>
+        <p:cNvPr id="1" name="Shape 51"/>
         <p:cNvGrpSpPr/>
         <p:nvPr/>
       </p:nvGrpSpPr>
@@ -2625,9 +2689,11 @@
       <p:sp>
         <p:nvSpPr>
           <p:cNvPr id="52" name="Google Shape;52;p11"/>
-          <p:cNvSpPr txBox="1"/>
+          <p:cNvSpPr txBox="1">
+            <a:spLocks noGrp="1"/>
+          </p:cNvSpPr>
           <p:nvPr>
-            <p:ph idx="1" type="body"/>
+            <p:ph type="body" idx="1"/>
           </p:nvPr>
         </p:nvSpPr>
         <p:spPr>
@@ -2640,11 +2706,11 @@
           </a:prstGeom>
         </p:spPr>
         <p:txBody>
-          <a:bodyPr anchorCtr="0" anchor="ctr" bIns="91425" lIns="91425" spcFirstLastPara="1" rIns="91425" wrap="square" tIns="91425">
+          <a:bodyPr spcFirstLastPara="1" wrap="square" lIns="91425" tIns="91425" rIns="91425" bIns="91425" anchor="ctr" anchorCtr="0">
             <a:normAutofit/>
           </a:bodyPr>
           <a:lstStyle>
-            <a:lvl1pPr indent="-228600" lvl="0" marL="457200">
+            <a:lvl1pPr marL="457200" lvl="0" indent="-228600">
               <a:lnSpc>
                 <a:spcPct val="100000"/>
               </a:lnSpc>
@@ -2659,15 +2725,19 @@
               <a:defRPr/>
             </a:lvl1pPr>
           </a:lstStyle>
-          <a:p/>
+          <a:p>
+            <a:endParaRPr/>
+          </a:p>
         </p:txBody>
       </p:sp>
       <p:sp>
         <p:nvSpPr>
           <p:cNvPr id="53" name="Google Shape;53;p11"/>
-          <p:cNvSpPr txBox="1"/>
+          <p:cNvSpPr txBox="1">
+            <a:spLocks noGrp="1"/>
+          </p:cNvSpPr>
           <p:nvPr>
-            <p:ph idx="12" type="sldNum"/>
+            <p:ph type="sldNum" idx="12"/>
           </p:nvPr>
         </p:nvSpPr>
         <p:spPr>
@@ -2681,18 +2751,18 @@
           <a:solidFill>
             <a:srgbClr val="3F5095"/>
           </a:solidFill>
-          <a:ln cap="flat" cmpd="sng" w="9525">
+          <a:ln w="9525" cap="flat" cmpd="sng">
             <a:solidFill>
               <a:srgbClr val="3F5095"/>
             </a:solidFill>
             <a:prstDash val="solid"/>
             <a:round/>
-            <a:headEnd len="sm" w="sm" type="none"/>
-            <a:tailEnd len="sm" w="sm" type="none"/>
+            <a:headEnd type="none" w="sm" len="sm"/>
+            <a:tailEnd type="none" w="sm" len="sm"/>
           </a:ln>
         </p:spPr>
         <p:txBody>
-          <a:bodyPr anchorCtr="0" anchor="ctr" bIns="91425" lIns="91425" spcFirstLastPara="1" rIns="91425" wrap="square" tIns="91425">
+          <a:bodyPr spcFirstLastPara="1" wrap="square" lIns="91425" tIns="91425" rIns="91425" bIns="91425" anchor="ctr" anchorCtr="0">
             <a:noAutofit/>
           </a:bodyPr>
           <a:lstStyle>
@@ -2770,7 +2840,7 @@
             </a:lvl9pPr>
           </a:lstStyle>
           <a:p>
-            <a:pPr indent="0" lvl="0" marL="0" rtl="0" algn="l">
+            <a:pPr marL="0" lvl="0" indent="0" algn="l" rtl="0">
               <a:spcBef>
                 <a:spcPts val="0"/>
               </a:spcBef>
@@ -2785,15 +2855,7 @@
             </a:fld>
             <a:r>
               <a:rPr lang="en"/>
-              <a:t>/</a:t>
-            </a:r>
-            <a:r>
-              <a:rPr lang="en"/>
-              <a:t>!!</a:t>
-            </a:r>
-            <a:r>
-              <a:rPr lang="en"/>
-              <a:t> </a:t>
+              <a:t>/!! </a:t>
             </a:r>
             <a:endParaRPr/>
           </a:p>
@@ -2808,11 +2870,11 @@
 </file>
 
 <file path=ppt/slideLayouts/slideLayout2.xml><?xml version="1.0" encoding="utf-8"?>
-<p:sldLayout xmlns:a="http://schemas.openxmlformats.org/drawingml/2006/main" xmlns:r="http://schemas.openxmlformats.org/officeDocument/2006/relationships" xmlns:mc="http://schemas.openxmlformats.org/markup-compatibility/2006" xmlns:mv="urn:schemas-microsoft-com:mac:vml" xmlns:p="http://schemas.openxmlformats.org/presentationml/2006/main" xmlns:c="http://schemas.openxmlformats.org/drawingml/2006/chart" xmlns:dgm="http://schemas.openxmlformats.org/drawingml/2006/diagram" xmlns:o="urn:schemas-microsoft-com:office:office" xmlns:v="urn:schemas-microsoft-com:vml" xmlns:pvml="urn:schemas-microsoft-com:office:powerpoint" xmlns:com="http://schemas.openxmlformats.org/drawingml/2006/compatibility" xmlns:p14="http://schemas.microsoft.com/office/powerpoint/2010/main" xmlns:p15="http://schemas.microsoft.com/office/powerpoint/2012/main" xmlns:ahyp="http://schemas.microsoft.com/office/drawing/2018/hyperlinkcolor" matchingName="Custom Layout 1">
+<p:sldLayout xmlns:a="http://schemas.openxmlformats.org/drawingml/2006/main" xmlns:r="http://schemas.openxmlformats.org/officeDocument/2006/relationships" xmlns:p="http://schemas.openxmlformats.org/presentationml/2006/main" matchingName="Custom Layout 1">
   <p:cSld name="CUSTOM">
     <p:spTree>
       <p:nvGrpSpPr>
-        <p:cNvPr id="20" name="Shape 20"/>
+        <p:cNvPr id="1" name="Shape 20"/>
         <p:cNvGrpSpPr/>
         <p:nvPr/>
       </p:nvGrpSpPr>
@@ -2827,7 +2889,9 @@
       <p:sp>
         <p:nvSpPr>
           <p:cNvPr id="21" name="Google Shape;21;p3"/>
-          <p:cNvSpPr txBox="1"/>
+          <p:cNvSpPr txBox="1">
+            <a:spLocks noGrp="1"/>
+          </p:cNvSpPr>
           <p:nvPr>
             <p:ph type="title"/>
           </p:nvPr>
@@ -2842,7 +2906,7 @@
           </a:prstGeom>
         </p:spPr>
         <p:txBody>
-          <a:bodyPr anchorCtr="0" anchor="t" bIns="91425" lIns="91425" spcFirstLastPara="1" rIns="91425" wrap="square" tIns="91425">
+          <a:bodyPr spcFirstLastPara="1" wrap="square" lIns="91425" tIns="91425" rIns="91425" bIns="91425" anchor="t" anchorCtr="0">
             <a:normAutofit/>
           </a:bodyPr>
           <a:lstStyle>
@@ -2946,15 +3010,19 @@
               <a:defRPr/>
             </a:lvl9pPr>
           </a:lstStyle>
-          <a:p/>
+          <a:p>
+            <a:endParaRPr/>
+          </a:p>
         </p:txBody>
       </p:sp>
       <p:sp>
         <p:nvSpPr>
           <p:cNvPr id="22" name="Google Shape;22;p3"/>
-          <p:cNvSpPr txBox="1"/>
+          <p:cNvSpPr txBox="1">
+            <a:spLocks noGrp="1"/>
+          </p:cNvSpPr>
           <p:nvPr>
-            <p:ph idx="12" type="sldNum"/>
+            <p:ph type="sldNum" idx="12"/>
           </p:nvPr>
         </p:nvSpPr>
         <p:spPr>
@@ -2967,7 +3035,7 @@
           </a:prstGeom>
         </p:spPr>
         <p:txBody>
-          <a:bodyPr anchorCtr="0" anchor="ctr" bIns="91425" lIns="91425" spcFirstLastPara="1" rIns="91425" wrap="square" tIns="91425">
+          <a:bodyPr spcFirstLastPara="1" wrap="square" lIns="91425" tIns="91425" rIns="91425" bIns="91425" anchor="ctr" anchorCtr="0">
             <a:noAutofit/>
           </a:bodyPr>
           <a:lstStyle>
@@ -3009,7 +3077,7 @@
             </a:lvl9pPr>
           </a:lstStyle>
           <a:p>
-            <a:pPr indent="0" lvl="0" marL="0" rtl="0" algn="l">
+            <a:pPr marL="0" lvl="0" indent="0" algn="l" rtl="0">
               <a:spcBef>
                 <a:spcPts val="0"/>
               </a:spcBef>
@@ -3039,11 +3107,11 @@
 </file>
 
 <file path=ppt/slideLayouts/slideLayout3.xml><?xml version="1.0" encoding="utf-8"?>
-<p:sldLayout xmlns:a="http://schemas.openxmlformats.org/drawingml/2006/main" xmlns:r="http://schemas.openxmlformats.org/officeDocument/2006/relationships" xmlns:mc="http://schemas.openxmlformats.org/markup-compatibility/2006" xmlns:mv="urn:schemas-microsoft-com:mac:vml" xmlns:p="http://schemas.openxmlformats.org/presentationml/2006/main" xmlns:c="http://schemas.openxmlformats.org/drawingml/2006/chart" xmlns:dgm="http://schemas.openxmlformats.org/drawingml/2006/diagram" xmlns:o="urn:schemas-microsoft-com:office:office" xmlns:v="urn:schemas-microsoft-com:vml" xmlns:pvml="urn:schemas-microsoft-com:office:powerpoint" xmlns:com="http://schemas.openxmlformats.org/drawingml/2006/compatibility" xmlns:p14="http://schemas.microsoft.com/office/powerpoint/2010/main" xmlns:p15="http://schemas.microsoft.com/office/powerpoint/2012/main" xmlns:ahyp="http://schemas.microsoft.com/office/drawing/2018/hyperlinkcolor" matchingName="Section header" type="secHead">
+<p:sldLayout xmlns:a="http://schemas.openxmlformats.org/drawingml/2006/main" xmlns:r="http://schemas.openxmlformats.org/officeDocument/2006/relationships" xmlns:p="http://schemas.openxmlformats.org/presentationml/2006/main" matchingName="Section header" type="secHead">
   <p:cSld name="SECTION_HEADER">
     <p:spTree>
       <p:nvGrpSpPr>
-        <p:cNvPr id="23" name="Shape 23"/>
+        <p:cNvPr id="1" name="Shape 23"/>
         <p:cNvGrpSpPr/>
         <p:nvPr/>
       </p:nvGrpSpPr>
@@ -3058,7 +3126,9 @@
       <p:sp>
         <p:nvSpPr>
           <p:cNvPr id="24" name="Google Shape;24;p4"/>
-          <p:cNvSpPr txBox="1"/>
+          <p:cNvSpPr txBox="1">
+            <a:spLocks noGrp="1"/>
+          </p:cNvSpPr>
           <p:nvPr>
             <p:ph type="title"/>
           </p:nvPr>
@@ -3073,7 +3143,7 @@
           </a:prstGeom>
         </p:spPr>
         <p:txBody>
-          <a:bodyPr anchorCtr="0" anchor="ctr" bIns="91425" lIns="91425" spcFirstLastPara="1" rIns="91425" wrap="square" tIns="91425">
+          <a:bodyPr spcFirstLastPara="1" wrap="square" lIns="91425" tIns="91425" rIns="91425" bIns="91425" anchor="ctr" anchorCtr="0">
             <a:normAutofit/>
           </a:bodyPr>
           <a:lstStyle>
@@ -3177,15 +3247,19 @@
               <a:defRPr sz="3600"/>
             </a:lvl9pPr>
           </a:lstStyle>
-          <a:p/>
+          <a:p>
+            <a:endParaRPr/>
+          </a:p>
         </p:txBody>
       </p:sp>
       <p:sp>
         <p:nvSpPr>
           <p:cNvPr id="25" name="Google Shape;25;p4"/>
-          <p:cNvSpPr txBox="1"/>
+          <p:cNvSpPr txBox="1">
+            <a:spLocks noGrp="1"/>
+          </p:cNvSpPr>
           <p:nvPr>
-            <p:ph idx="12" type="sldNum"/>
+            <p:ph type="sldNum" idx="12"/>
           </p:nvPr>
         </p:nvSpPr>
         <p:spPr>
@@ -3199,18 +3273,18 @@
           <a:solidFill>
             <a:srgbClr val="3F5095"/>
           </a:solidFill>
-          <a:ln cap="flat" cmpd="sng" w="9525">
+          <a:ln w="9525" cap="flat" cmpd="sng">
             <a:solidFill>
               <a:srgbClr val="3F5095"/>
             </a:solidFill>
             <a:prstDash val="solid"/>
             <a:round/>
-            <a:headEnd len="sm" w="sm" type="none"/>
-            <a:tailEnd len="sm" w="sm" type="none"/>
+            <a:headEnd type="none" w="sm" len="sm"/>
+            <a:tailEnd type="none" w="sm" len="sm"/>
           </a:ln>
         </p:spPr>
         <p:txBody>
-          <a:bodyPr anchorCtr="0" anchor="ctr" bIns="91425" lIns="91425" spcFirstLastPara="1" rIns="91425" wrap="square" tIns="91425">
+          <a:bodyPr spcFirstLastPara="1" wrap="square" lIns="91425" tIns="91425" rIns="91425" bIns="91425" anchor="ctr" anchorCtr="0">
             <a:noAutofit/>
           </a:bodyPr>
           <a:lstStyle>
@@ -3288,7 +3362,7 @@
             </a:lvl9pPr>
           </a:lstStyle>
           <a:p>
-            <a:pPr indent="0" lvl="0" marL="0" rtl="0" algn="l">
+            <a:pPr marL="0" lvl="0" indent="0" algn="l" rtl="0">
               <a:spcBef>
                 <a:spcPts val="0"/>
               </a:spcBef>
@@ -3303,15 +3377,7 @@
             </a:fld>
             <a:r>
               <a:rPr lang="en"/>
-              <a:t>/</a:t>
-            </a:r>
-            <a:r>
-              <a:rPr lang="en"/>
-              <a:t>11</a:t>
-            </a:r>
-            <a:r>
-              <a:rPr lang="en"/>
-              <a:t> </a:t>
+              <a:t>/11 </a:t>
             </a:r>
             <a:endParaRPr/>
           </a:p>
@@ -3326,11 +3392,11 @@
 </file>
 
 <file path=ppt/slideLayouts/slideLayout4.xml><?xml version="1.0" encoding="utf-8"?>
-<p:sldLayout xmlns:a="http://schemas.openxmlformats.org/drawingml/2006/main" xmlns:r="http://schemas.openxmlformats.org/officeDocument/2006/relationships" xmlns:mc="http://schemas.openxmlformats.org/markup-compatibility/2006" xmlns:mv="urn:schemas-microsoft-com:mac:vml" xmlns:p="http://schemas.openxmlformats.org/presentationml/2006/main" xmlns:c="http://schemas.openxmlformats.org/drawingml/2006/chart" xmlns:dgm="http://schemas.openxmlformats.org/drawingml/2006/diagram" xmlns:o="urn:schemas-microsoft-com:office:office" xmlns:v="urn:schemas-microsoft-com:vml" xmlns:pvml="urn:schemas-microsoft-com:office:powerpoint" xmlns:com="http://schemas.openxmlformats.org/drawingml/2006/compatibility" xmlns:p14="http://schemas.microsoft.com/office/powerpoint/2010/main" xmlns:p15="http://schemas.microsoft.com/office/powerpoint/2012/main" xmlns:ahyp="http://schemas.microsoft.com/office/drawing/2018/hyperlinkcolor" matchingName="Title and body" type="tx">
+<p:sldLayout xmlns:a="http://schemas.openxmlformats.org/drawingml/2006/main" xmlns:r="http://schemas.openxmlformats.org/officeDocument/2006/relationships" xmlns:p="http://schemas.openxmlformats.org/presentationml/2006/main" matchingName="Title and body" type="tx">
   <p:cSld name="TITLE_AND_BODY">
     <p:spTree>
       <p:nvGrpSpPr>
-        <p:cNvPr id="26" name="Shape 26"/>
+        <p:cNvPr id="1" name="Shape 26"/>
         <p:cNvGrpSpPr/>
         <p:nvPr/>
       </p:nvGrpSpPr>
@@ -3345,7 +3411,9 @@
       <p:sp>
         <p:nvSpPr>
           <p:cNvPr id="27" name="Google Shape;27;p5"/>
-          <p:cNvSpPr txBox="1"/>
+          <p:cNvSpPr txBox="1">
+            <a:spLocks noGrp="1"/>
+          </p:cNvSpPr>
           <p:nvPr>
             <p:ph type="title"/>
           </p:nvPr>
@@ -3360,7 +3428,7 @@
           </a:prstGeom>
         </p:spPr>
         <p:txBody>
-          <a:bodyPr anchorCtr="0" anchor="t" bIns="91425" lIns="91425" spcFirstLastPara="1" rIns="91425" wrap="square" tIns="91425">
+          <a:bodyPr spcFirstLastPara="1" wrap="square" lIns="91425" tIns="91425" rIns="91425" bIns="91425" anchor="t" anchorCtr="0">
             <a:normAutofit/>
           </a:bodyPr>
           <a:lstStyle>
@@ -3464,15 +3532,19 @@
               <a:defRPr/>
             </a:lvl9pPr>
           </a:lstStyle>
-          <a:p/>
+          <a:p>
+            <a:endParaRPr/>
+          </a:p>
         </p:txBody>
       </p:sp>
       <p:sp>
         <p:nvSpPr>
           <p:cNvPr id="28" name="Google Shape;28;p5"/>
-          <p:cNvSpPr txBox="1"/>
+          <p:cNvSpPr txBox="1">
+            <a:spLocks noGrp="1"/>
+          </p:cNvSpPr>
           <p:nvPr>
-            <p:ph idx="1" type="body"/>
+            <p:ph type="body" idx="1"/>
           </p:nvPr>
         </p:nvSpPr>
         <p:spPr>
@@ -3485,11 +3557,11 @@
           </a:prstGeom>
         </p:spPr>
         <p:txBody>
-          <a:bodyPr anchorCtr="0" anchor="t" bIns="91425" lIns="91425" spcFirstLastPara="1" rIns="91425" wrap="square" tIns="91425">
+          <a:bodyPr spcFirstLastPara="1" wrap="square" lIns="91425" tIns="91425" rIns="91425" bIns="91425" anchor="t" anchorCtr="0">
             <a:normAutofit/>
           </a:bodyPr>
           <a:lstStyle>
-            <a:lvl1pPr indent="-342900" lvl="0" marL="457200">
+            <a:lvl1pPr marL="457200" lvl="0" indent="-342900">
               <a:spcBef>
                 <a:spcPts val="0"/>
               </a:spcBef>
@@ -3500,7 +3572,7 @@
               <a:buChar char="●"/>
               <a:defRPr/>
             </a:lvl1pPr>
-            <a:lvl2pPr indent="-317500" lvl="1" marL="914400">
+            <a:lvl2pPr marL="914400" lvl="1" indent="-317500">
               <a:spcBef>
                 <a:spcPts val="0"/>
               </a:spcBef>
@@ -3511,7 +3583,7 @@
               <a:buChar char="○"/>
               <a:defRPr/>
             </a:lvl2pPr>
-            <a:lvl3pPr indent="-317500" lvl="2" marL="1371600">
+            <a:lvl3pPr marL="1371600" lvl="2" indent="-317500">
               <a:spcBef>
                 <a:spcPts val="0"/>
               </a:spcBef>
@@ -3522,7 +3594,7 @@
               <a:buChar char="■"/>
               <a:defRPr/>
             </a:lvl3pPr>
-            <a:lvl4pPr indent="-317500" lvl="3" marL="1828800">
+            <a:lvl4pPr marL="1828800" lvl="3" indent="-317500">
               <a:spcBef>
                 <a:spcPts val="0"/>
               </a:spcBef>
@@ -3533,7 +3605,7 @@
               <a:buChar char="●"/>
               <a:defRPr/>
             </a:lvl4pPr>
-            <a:lvl5pPr indent="-317500" lvl="4" marL="2286000">
+            <a:lvl5pPr marL="2286000" lvl="4" indent="-317500">
               <a:spcBef>
                 <a:spcPts val="0"/>
               </a:spcBef>
@@ -3544,7 +3616,7 @@
               <a:buChar char="○"/>
               <a:defRPr/>
             </a:lvl5pPr>
-            <a:lvl6pPr indent="-317500" lvl="5" marL="2743200">
+            <a:lvl6pPr marL="2743200" lvl="5" indent="-317500">
               <a:spcBef>
                 <a:spcPts val="0"/>
               </a:spcBef>
@@ -3555,7 +3627,7 @@
               <a:buChar char="■"/>
               <a:defRPr/>
             </a:lvl6pPr>
-            <a:lvl7pPr indent="-317500" lvl="6" marL="3200400">
+            <a:lvl7pPr marL="3200400" lvl="6" indent="-317500">
               <a:spcBef>
                 <a:spcPts val="0"/>
               </a:spcBef>
@@ -3566,7 +3638,7 @@
               <a:buChar char="●"/>
               <a:defRPr/>
             </a:lvl7pPr>
-            <a:lvl8pPr indent="-317500" lvl="7" marL="3657600">
+            <a:lvl8pPr marL="3657600" lvl="7" indent="-317500">
               <a:spcBef>
                 <a:spcPts val="0"/>
               </a:spcBef>
@@ -3577,7 +3649,7 @@
               <a:buChar char="○"/>
               <a:defRPr/>
             </a:lvl8pPr>
-            <a:lvl9pPr indent="-317500" lvl="8" marL="4114800">
+            <a:lvl9pPr marL="4114800" lvl="8" indent="-317500">
               <a:spcBef>
                 <a:spcPts val="0"/>
               </a:spcBef>
@@ -3589,15 +3661,19 @@
               <a:defRPr/>
             </a:lvl9pPr>
           </a:lstStyle>
-          <a:p/>
+          <a:p>
+            <a:endParaRPr/>
+          </a:p>
         </p:txBody>
       </p:sp>
       <p:sp>
         <p:nvSpPr>
           <p:cNvPr id="29" name="Google Shape;29;p5"/>
-          <p:cNvSpPr txBox="1"/>
+          <p:cNvSpPr txBox="1">
+            <a:spLocks noGrp="1"/>
+          </p:cNvSpPr>
           <p:nvPr>
-            <p:ph idx="12" type="sldNum"/>
+            <p:ph type="sldNum" idx="12"/>
           </p:nvPr>
         </p:nvSpPr>
         <p:spPr>
@@ -3611,18 +3687,18 @@
           <a:solidFill>
             <a:srgbClr val="3F5095"/>
           </a:solidFill>
-          <a:ln cap="flat" cmpd="sng" w="9525">
+          <a:ln w="9525" cap="flat" cmpd="sng">
             <a:solidFill>
               <a:srgbClr val="3F5095"/>
             </a:solidFill>
             <a:prstDash val="solid"/>
             <a:round/>
-            <a:headEnd len="sm" w="sm" type="none"/>
-            <a:tailEnd len="sm" w="sm" type="none"/>
+            <a:headEnd type="none" w="sm" len="sm"/>
+            <a:tailEnd type="none" w="sm" len="sm"/>
           </a:ln>
         </p:spPr>
         <p:txBody>
-          <a:bodyPr anchorCtr="0" anchor="ctr" bIns="91425" lIns="91425" spcFirstLastPara="1" rIns="91425" wrap="square" tIns="91425">
+          <a:bodyPr spcFirstLastPara="1" wrap="square" lIns="91425" tIns="91425" rIns="91425" bIns="91425" anchor="ctr" anchorCtr="0">
             <a:noAutofit/>
           </a:bodyPr>
           <a:lstStyle>
@@ -3700,7 +3776,7 @@
             </a:lvl9pPr>
           </a:lstStyle>
           <a:p>
-            <a:pPr indent="0" lvl="0" marL="0" rtl="0" algn="l">
+            <a:pPr marL="0" lvl="0" indent="0" algn="l" rtl="0">
               <a:spcBef>
                 <a:spcPts val="0"/>
               </a:spcBef>
@@ -3715,11 +3791,7 @@
             </a:fld>
             <a:r>
               <a:rPr lang="en"/>
-              <a:t>/</a:t>
-            </a:r>
-            <a:r>
-              <a:rPr lang="en"/>
-              <a:t>11</a:t>
+              <a:t>/11</a:t>
             </a:r>
             <a:endParaRPr/>
           </a:p>
@@ -3734,11 +3806,11 @@
 </file>
 
 <file path=ppt/slideLayouts/slideLayout5.xml><?xml version="1.0" encoding="utf-8"?>
-<p:sldLayout xmlns:a="http://schemas.openxmlformats.org/drawingml/2006/main" xmlns:r="http://schemas.openxmlformats.org/officeDocument/2006/relationships" xmlns:mc="http://schemas.openxmlformats.org/markup-compatibility/2006" xmlns:mv="urn:schemas-microsoft-com:mac:vml" xmlns:p="http://schemas.openxmlformats.org/presentationml/2006/main" xmlns:c="http://schemas.openxmlformats.org/drawingml/2006/chart" xmlns:dgm="http://schemas.openxmlformats.org/drawingml/2006/diagram" xmlns:o="urn:schemas-microsoft-com:office:office" xmlns:v="urn:schemas-microsoft-com:vml" xmlns:pvml="urn:schemas-microsoft-com:office:powerpoint" xmlns:com="http://schemas.openxmlformats.org/drawingml/2006/compatibility" xmlns:p14="http://schemas.microsoft.com/office/powerpoint/2010/main" xmlns:p15="http://schemas.microsoft.com/office/powerpoint/2012/main" xmlns:ahyp="http://schemas.microsoft.com/office/drawing/2018/hyperlinkcolor" matchingName="Title and two columns" type="twoColTx">
+<p:sldLayout xmlns:a="http://schemas.openxmlformats.org/drawingml/2006/main" xmlns:r="http://schemas.openxmlformats.org/officeDocument/2006/relationships" xmlns:p="http://schemas.openxmlformats.org/presentationml/2006/main" matchingName="Title and two columns" type="twoColTx">
   <p:cSld name="TITLE_AND_TWO_COLUMNS">
     <p:spTree>
       <p:nvGrpSpPr>
-        <p:cNvPr id="30" name="Shape 30"/>
+        <p:cNvPr id="1" name="Shape 30"/>
         <p:cNvGrpSpPr/>
         <p:nvPr/>
       </p:nvGrpSpPr>
@@ -3753,7 +3825,9 @@
       <p:sp>
         <p:nvSpPr>
           <p:cNvPr id="31" name="Google Shape;31;p6"/>
-          <p:cNvSpPr txBox="1"/>
+          <p:cNvSpPr txBox="1">
+            <a:spLocks noGrp="1"/>
+          </p:cNvSpPr>
           <p:nvPr>
             <p:ph type="title"/>
           </p:nvPr>
@@ -3768,7 +3842,7 @@
           </a:prstGeom>
         </p:spPr>
         <p:txBody>
-          <a:bodyPr anchorCtr="0" anchor="t" bIns="91425" lIns="91425" spcFirstLastPara="1" rIns="91425" wrap="square" tIns="91425">
+          <a:bodyPr spcFirstLastPara="1" wrap="square" lIns="91425" tIns="91425" rIns="91425" bIns="91425" anchor="t" anchorCtr="0">
             <a:normAutofit/>
           </a:bodyPr>
           <a:lstStyle>
@@ -3872,15 +3946,19 @@
               <a:defRPr/>
             </a:lvl9pPr>
           </a:lstStyle>
-          <a:p/>
+          <a:p>
+            <a:endParaRPr/>
+          </a:p>
         </p:txBody>
       </p:sp>
       <p:sp>
         <p:nvSpPr>
           <p:cNvPr id="32" name="Google Shape;32;p6"/>
-          <p:cNvSpPr txBox="1"/>
+          <p:cNvSpPr txBox="1">
+            <a:spLocks noGrp="1"/>
+          </p:cNvSpPr>
           <p:nvPr>
-            <p:ph idx="1" type="body"/>
+            <p:ph type="body" idx="1"/>
           </p:nvPr>
         </p:nvSpPr>
         <p:spPr>
@@ -3893,11 +3971,11 @@
           </a:prstGeom>
         </p:spPr>
         <p:txBody>
-          <a:bodyPr anchorCtr="0" anchor="t" bIns="91425" lIns="91425" spcFirstLastPara="1" rIns="91425" wrap="square" tIns="91425">
+          <a:bodyPr spcFirstLastPara="1" wrap="square" lIns="91425" tIns="91425" rIns="91425" bIns="91425" anchor="t" anchorCtr="0">
             <a:normAutofit/>
           </a:bodyPr>
           <a:lstStyle>
-            <a:lvl1pPr indent="-317500" lvl="0" marL="457200">
+            <a:lvl1pPr marL="457200" lvl="0" indent="-317500">
               <a:spcBef>
                 <a:spcPts val="0"/>
               </a:spcBef>
@@ -3908,7 +3986,7 @@
               <a:buChar char="●"/>
               <a:defRPr sz="1400"/>
             </a:lvl1pPr>
-            <a:lvl2pPr indent="-304800" lvl="1" marL="914400">
+            <a:lvl2pPr marL="914400" lvl="1" indent="-304800">
               <a:spcBef>
                 <a:spcPts val="0"/>
               </a:spcBef>
@@ -3919,7 +3997,7 @@
               <a:buChar char="○"/>
               <a:defRPr sz="1200"/>
             </a:lvl2pPr>
-            <a:lvl3pPr indent="-304800" lvl="2" marL="1371600">
+            <a:lvl3pPr marL="1371600" lvl="2" indent="-304800">
               <a:spcBef>
                 <a:spcPts val="0"/>
               </a:spcBef>
@@ -3930,7 +4008,7 @@
               <a:buChar char="■"/>
               <a:defRPr sz="1200"/>
             </a:lvl3pPr>
-            <a:lvl4pPr indent="-304800" lvl="3" marL="1828800">
+            <a:lvl4pPr marL="1828800" lvl="3" indent="-304800">
               <a:spcBef>
                 <a:spcPts val="0"/>
               </a:spcBef>
@@ -3941,7 +4019,7 @@
               <a:buChar char="●"/>
               <a:defRPr sz="1200"/>
             </a:lvl4pPr>
-            <a:lvl5pPr indent="-304800" lvl="4" marL="2286000">
+            <a:lvl5pPr marL="2286000" lvl="4" indent="-304800">
               <a:spcBef>
                 <a:spcPts val="0"/>
               </a:spcBef>
@@ -3952,7 +4030,7 @@
               <a:buChar char="○"/>
               <a:defRPr sz="1200"/>
             </a:lvl5pPr>
-            <a:lvl6pPr indent="-304800" lvl="5" marL="2743200">
+            <a:lvl6pPr marL="2743200" lvl="5" indent="-304800">
               <a:spcBef>
                 <a:spcPts val="0"/>
               </a:spcBef>
@@ -3963,7 +4041,7 @@
               <a:buChar char="■"/>
               <a:defRPr sz="1200"/>
             </a:lvl6pPr>
-            <a:lvl7pPr indent="-304800" lvl="6" marL="3200400">
+            <a:lvl7pPr marL="3200400" lvl="6" indent="-304800">
               <a:spcBef>
                 <a:spcPts val="0"/>
               </a:spcBef>
@@ -3974,7 +4052,7 @@
               <a:buChar char="●"/>
               <a:defRPr sz="1200"/>
             </a:lvl7pPr>
-            <a:lvl8pPr indent="-304800" lvl="7" marL="3657600">
+            <a:lvl8pPr marL="3657600" lvl="7" indent="-304800">
               <a:spcBef>
                 <a:spcPts val="0"/>
               </a:spcBef>
@@ -3985,7 +4063,7 @@
               <a:buChar char="○"/>
               <a:defRPr sz="1200"/>
             </a:lvl8pPr>
-            <a:lvl9pPr indent="-304800" lvl="8" marL="4114800">
+            <a:lvl9pPr marL="4114800" lvl="8" indent="-304800">
               <a:spcBef>
                 <a:spcPts val="0"/>
               </a:spcBef>
@@ -3997,15 +4075,19 @@
               <a:defRPr sz="1200"/>
             </a:lvl9pPr>
           </a:lstStyle>
-          <a:p/>
+          <a:p>
+            <a:endParaRPr/>
+          </a:p>
         </p:txBody>
       </p:sp>
       <p:sp>
         <p:nvSpPr>
           <p:cNvPr id="33" name="Google Shape;33;p6"/>
-          <p:cNvSpPr txBox="1"/>
+          <p:cNvSpPr txBox="1">
+            <a:spLocks noGrp="1"/>
+          </p:cNvSpPr>
           <p:nvPr>
-            <p:ph idx="2" type="body"/>
+            <p:ph type="body" idx="2"/>
           </p:nvPr>
         </p:nvSpPr>
         <p:spPr>
@@ -4018,11 +4100,11 @@
           </a:prstGeom>
         </p:spPr>
         <p:txBody>
-          <a:bodyPr anchorCtr="0" anchor="t" bIns="91425" lIns="91425" spcFirstLastPara="1" rIns="91425" wrap="square" tIns="91425">
+          <a:bodyPr spcFirstLastPara="1" wrap="square" lIns="91425" tIns="91425" rIns="91425" bIns="91425" anchor="t" anchorCtr="0">
             <a:normAutofit/>
           </a:bodyPr>
           <a:lstStyle>
-            <a:lvl1pPr indent="-317500" lvl="0" marL="457200">
+            <a:lvl1pPr marL="457200" lvl="0" indent="-317500">
               <a:spcBef>
                 <a:spcPts val="0"/>
               </a:spcBef>
@@ -4033,7 +4115,7 @@
               <a:buChar char="●"/>
               <a:defRPr sz="1400"/>
             </a:lvl1pPr>
-            <a:lvl2pPr indent="-304800" lvl="1" marL="914400">
+            <a:lvl2pPr marL="914400" lvl="1" indent="-304800">
               <a:spcBef>
                 <a:spcPts val="0"/>
               </a:spcBef>
@@ -4044,7 +4126,7 @@
               <a:buChar char="○"/>
               <a:defRPr sz="1200"/>
             </a:lvl2pPr>
-            <a:lvl3pPr indent="-304800" lvl="2" marL="1371600">
+            <a:lvl3pPr marL="1371600" lvl="2" indent="-304800">
               <a:spcBef>
                 <a:spcPts val="0"/>
               </a:spcBef>
@@ -4055,7 +4137,7 @@
               <a:buChar char="■"/>
               <a:defRPr sz="1200"/>
             </a:lvl3pPr>
-            <a:lvl4pPr indent="-304800" lvl="3" marL="1828800">
+            <a:lvl4pPr marL="1828800" lvl="3" indent="-304800">
               <a:spcBef>
                 <a:spcPts val="0"/>
               </a:spcBef>
@@ -4066,7 +4148,7 @@
               <a:buChar char="●"/>
               <a:defRPr sz="1200"/>
             </a:lvl4pPr>
-            <a:lvl5pPr indent="-304800" lvl="4" marL="2286000">
+            <a:lvl5pPr marL="2286000" lvl="4" indent="-304800">
               <a:spcBef>
                 <a:spcPts val="0"/>
               </a:spcBef>
@@ -4077,7 +4159,7 @@
               <a:buChar char="○"/>
               <a:defRPr sz="1200"/>
             </a:lvl5pPr>
-            <a:lvl6pPr indent="-304800" lvl="5" marL="2743200">
+            <a:lvl6pPr marL="2743200" lvl="5" indent="-304800">
               <a:spcBef>
                 <a:spcPts val="0"/>
               </a:spcBef>
@@ -4088,7 +4170,7 @@
               <a:buChar char="■"/>
               <a:defRPr sz="1200"/>
             </a:lvl6pPr>
-            <a:lvl7pPr indent="-304800" lvl="6" marL="3200400">
+            <a:lvl7pPr marL="3200400" lvl="6" indent="-304800">
               <a:spcBef>
                 <a:spcPts val="0"/>
               </a:spcBef>
@@ -4099,7 +4181,7 @@
               <a:buChar char="●"/>
               <a:defRPr sz="1200"/>
             </a:lvl7pPr>
-            <a:lvl8pPr indent="-304800" lvl="7" marL="3657600">
+            <a:lvl8pPr marL="3657600" lvl="7" indent="-304800">
               <a:spcBef>
                 <a:spcPts val="0"/>
               </a:spcBef>
@@ -4110,7 +4192,7 @@
               <a:buChar char="○"/>
               <a:defRPr sz="1200"/>
             </a:lvl8pPr>
-            <a:lvl9pPr indent="-304800" lvl="8" marL="4114800">
+            <a:lvl9pPr marL="4114800" lvl="8" indent="-304800">
               <a:spcBef>
                 <a:spcPts val="0"/>
               </a:spcBef>
@@ -4122,15 +4204,19 @@
               <a:defRPr sz="1200"/>
             </a:lvl9pPr>
           </a:lstStyle>
-          <a:p/>
+          <a:p>
+            <a:endParaRPr/>
+          </a:p>
         </p:txBody>
       </p:sp>
       <p:sp>
         <p:nvSpPr>
           <p:cNvPr id="34" name="Google Shape;34;p6"/>
-          <p:cNvSpPr txBox="1"/>
+          <p:cNvSpPr txBox="1">
+            <a:spLocks noGrp="1"/>
+          </p:cNvSpPr>
           <p:nvPr>
-            <p:ph idx="12" type="sldNum"/>
+            <p:ph type="sldNum" idx="12"/>
           </p:nvPr>
         </p:nvSpPr>
         <p:spPr>
@@ -4144,18 +4230,18 @@
           <a:solidFill>
             <a:srgbClr val="3F5095"/>
           </a:solidFill>
-          <a:ln cap="flat" cmpd="sng" w="9525">
+          <a:ln w="9525" cap="flat" cmpd="sng">
             <a:solidFill>
               <a:srgbClr val="3F5095"/>
             </a:solidFill>
             <a:prstDash val="solid"/>
             <a:round/>
-            <a:headEnd len="sm" w="sm" type="none"/>
-            <a:tailEnd len="sm" w="sm" type="none"/>
+            <a:headEnd type="none" w="sm" len="sm"/>
+            <a:tailEnd type="none" w="sm" len="sm"/>
           </a:ln>
         </p:spPr>
         <p:txBody>
-          <a:bodyPr anchorCtr="0" anchor="ctr" bIns="91425" lIns="91425" spcFirstLastPara="1" rIns="91425" wrap="square" tIns="91425">
+          <a:bodyPr spcFirstLastPara="1" wrap="square" lIns="91425" tIns="91425" rIns="91425" bIns="91425" anchor="ctr" anchorCtr="0">
             <a:noAutofit/>
           </a:bodyPr>
           <a:lstStyle>
@@ -4233,7 +4319,7 @@
             </a:lvl9pPr>
           </a:lstStyle>
           <a:p>
-            <a:pPr indent="0" lvl="0" marL="0" rtl="0" algn="l">
+            <a:pPr marL="0" lvl="0" indent="0" algn="l" rtl="0">
               <a:spcBef>
                 <a:spcPts val="0"/>
               </a:spcBef>
@@ -4248,15 +4334,7 @@
             </a:fld>
             <a:r>
               <a:rPr lang="en"/>
-              <a:t>/</a:t>
-            </a:r>
-            <a:r>
-              <a:rPr lang="en"/>
-              <a:t>!!</a:t>
-            </a:r>
-            <a:r>
-              <a:rPr lang="en"/>
-              <a:t> </a:t>
+              <a:t>/!! </a:t>
             </a:r>
             <a:endParaRPr/>
           </a:p>
@@ -4271,11 +4349,11 @@
 </file>
 
 <file path=ppt/slideLayouts/slideLayout6.xml><?xml version="1.0" encoding="utf-8"?>
-<p:sldLayout xmlns:a="http://schemas.openxmlformats.org/drawingml/2006/main" xmlns:r="http://schemas.openxmlformats.org/officeDocument/2006/relationships" xmlns:mc="http://schemas.openxmlformats.org/markup-compatibility/2006" xmlns:mv="urn:schemas-microsoft-com:mac:vml" xmlns:p="http://schemas.openxmlformats.org/presentationml/2006/main" xmlns:c="http://schemas.openxmlformats.org/drawingml/2006/chart" xmlns:dgm="http://schemas.openxmlformats.org/drawingml/2006/diagram" xmlns:o="urn:schemas-microsoft-com:office:office" xmlns:v="urn:schemas-microsoft-com:vml" xmlns:pvml="urn:schemas-microsoft-com:office:powerpoint" xmlns:com="http://schemas.openxmlformats.org/drawingml/2006/compatibility" xmlns:p14="http://schemas.microsoft.com/office/powerpoint/2010/main" xmlns:p15="http://schemas.microsoft.com/office/powerpoint/2012/main" xmlns:ahyp="http://schemas.microsoft.com/office/drawing/2018/hyperlinkcolor" matchingName="Title only" type="titleOnly">
+<p:sldLayout xmlns:a="http://schemas.openxmlformats.org/drawingml/2006/main" xmlns:r="http://schemas.openxmlformats.org/officeDocument/2006/relationships" xmlns:p="http://schemas.openxmlformats.org/presentationml/2006/main" matchingName="Title only" type="titleOnly">
   <p:cSld name="TITLE_ONLY">
     <p:spTree>
       <p:nvGrpSpPr>
-        <p:cNvPr id="35" name="Shape 35"/>
+        <p:cNvPr id="1" name="Shape 35"/>
         <p:cNvGrpSpPr/>
         <p:nvPr/>
       </p:nvGrpSpPr>
@@ -4290,7 +4368,9 @@
       <p:sp>
         <p:nvSpPr>
           <p:cNvPr id="36" name="Google Shape;36;p7"/>
-          <p:cNvSpPr txBox="1"/>
+          <p:cNvSpPr txBox="1">
+            <a:spLocks noGrp="1"/>
+          </p:cNvSpPr>
           <p:nvPr>
             <p:ph type="title"/>
           </p:nvPr>
@@ -4305,7 +4385,7 @@
           </a:prstGeom>
         </p:spPr>
         <p:txBody>
-          <a:bodyPr anchorCtr="0" anchor="t" bIns="91425" lIns="91425" spcFirstLastPara="1" rIns="91425" wrap="square" tIns="91425">
+          <a:bodyPr spcFirstLastPara="1" wrap="square" lIns="91425" tIns="91425" rIns="91425" bIns="91425" anchor="t" anchorCtr="0">
             <a:normAutofit/>
           </a:bodyPr>
           <a:lstStyle>
@@ -4409,15 +4489,19 @@
               <a:defRPr/>
             </a:lvl9pPr>
           </a:lstStyle>
-          <a:p/>
+          <a:p>
+            <a:endParaRPr/>
+          </a:p>
         </p:txBody>
       </p:sp>
       <p:sp>
         <p:nvSpPr>
           <p:cNvPr id="37" name="Google Shape;37;p7"/>
-          <p:cNvSpPr txBox="1"/>
+          <p:cNvSpPr txBox="1">
+            <a:spLocks noGrp="1"/>
+          </p:cNvSpPr>
           <p:nvPr>
-            <p:ph idx="12" type="sldNum"/>
+            <p:ph type="sldNum" idx="12"/>
           </p:nvPr>
         </p:nvSpPr>
         <p:spPr>
@@ -4431,18 +4515,18 @@
           <a:solidFill>
             <a:srgbClr val="3F5095"/>
           </a:solidFill>
-          <a:ln cap="flat" cmpd="sng" w="9525">
+          <a:ln w="9525" cap="flat" cmpd="sng">
             <a:solidFill>
               <a:srgbClr val="3F5095"/>
             </a:solidFill>
             <a:prstDash val="solid"/>
             <a:round/>
-            <a:headEnd len="sm" w="sm" type="none"/>
-            <a:tailEnd len="sm" w="sm" type="none"/>
+            <a:headEnd type="none" w="sm" len="sm"/>
+            <a:tailEnd type="none" w="sm" len="sm"/>
           </a:ln>
         </p:spPr>
         <p:txBody>
-          <a:bodyPr anchorCtr="0" anchor="ctr" bIns="91425" lIns="91425" spcFirstLastPara="1" rIns="91425" wrap="square" tIns="91425">
+          <a:bodyPr spcFirstLastPara="1" wrap="square" lIns="91425" tIns="91425" rIns="91425" bIns="91425" anchor="ctr" anchorCtr="0">
             <a:noAutofit/>
           </a:bodyPr>
           <a:lstStyle>
@@ -4520,7 +4604,7 @@
             </a:lvl9pPr>
           </a:lstStyle>
           <a:p>
-            <a:pPr indent="0" lvl="0" marL="0" rtl="0" algn="l">
+            <a:pPr marL="0" lvl="0" indent="0" algn="l" rtl="0">
               <a:spcBef>
                 <a:spcPts val="0"/>
               </a:spcBef>
@@ -4535,15 +4619,7 @@
             </a:fld>
             <a:r>
               <a:rPr lang="en"/>
-              <a:t>/</a:t>
-            </a:r>
-            <a:r>
-              <a:rPr lang="en"/>
-              <a:t>!!</a:t>
-            </a:r>
-            <a:r>
-              <a:rPr lang="en"/>
-              <a:t> </a:t>
+              <a:t>/!! </a:t>
             </a:r>
             <a:endParaRPr/>
           </a:p>
@@ -4558,11 +4634,11 @@
 </file>
 
 <file path=ppt/slideLayouts/slideLayout7.xml><?xml version="1.0" encoding="utf-8"?>
-<p:sldLayout xmlns:a="http://schemas.openxmlformats.org/drawingml/2006/main" xmlns:r="http://schemas.openxmlformats.org/officeDocument/2006/relationships" xmlns:mc="http://schemas.openxmlformats.org/markup-compatibility/2006" xmlns:mv="urn:schemas-microsoft-com:mac:vml" xmlns:p="http://schemas.openxmlformats.org/presentationml/2006/main" xmlns:c="http://schemas.openxmlformats.org/drawingml/2006/chart" xmlns:dgm="http://schemas.openxmlformats.org/drawingml/2006/diagram" xmlns:o="urn:schemas-microsoft-com:office:office" xmlns:v="urn:schemas-microsoft-com:vml" xmlns:pvml="urn:schemas-microsoft-com:office:powerpoint" xmlns:com="http://schemas.openxmlformats.org/drawingml/2006/compatibility" xmlns:p14="http://schemas.microsoft.com/office/powerpoint/2010/main" xmlns:p15="http://schemas.microsoft.com/office/powerpoint/2012/main" xmlns:ahyp="http://schemas.microsoft.com/office/drawing/2018/hyperlinkcolor" matchingName="One column text">
+<p:sldLayout xmlns:a="http://schemas.openxmlformats.org/drawingml/2006/main" xmlns:r="http://schemas.openxmlformats.org/officeDocument/2006/relationships" xmlns:p="http://schemas.openxmlformats.org/presentationml/2006/main" matchingName="One column text">
   <p:cSld name="ONE_COLUMN_TEXT">
     <p:spTree>
       <p:nvGrpSpPr>
-        <p:cNvPr id="38" name="Shape 38"/>
+        <p:cNvPr id="1" name="Shape 38"/>
         <p:cNvGrpSpPr/>
         <p:nvPr/>
       </p:nvGrpSpPr>
@@ -4577,7 +4653,9 @@
       <p:sp>
         <p:nvSpPr>
           <p:cNvPr id="39" name="Google Shape;39;p8"/>
-          <p:cNvSpPr txBox="1"/>
+          <p:cNvSpPr txBox="1">
+            <a:spLocks noGrp="1"/>
+          </p:cNvSpPr>
           <p:nvPr>
             <p:ph type="title"/>
           </p:nvPr>
@@ -4592,7 +4670,7 @@
           </a:prstGeom>
         </p:spPr>
         <p:txBody>
-          <a:bodyPr anchorCtr="0" anchor="b" bIns="91425" lIns="91425" spcFirstLastPara="1" rIns="91425" wrap="square" tIns="91425">
+          <a:bodyPr spcFirstLastPara="1" wrap="square" lIns="91425" tIns="91425" rIns="91425" bIns="91425" anchor="b" anchorCtr="0">
             <a:normAutofit/>
           </a:bodyPr>
           <a:lstStyle>
@@ -4696,15 +4774,19 @@
               <a:defRPr sz="2400"/>
             </a:lvl9pPr>
           </a:lstStyle>
-          <a:p/>
+          <a:p>
+            <a:endParaRPr/>
+          </a:p>
         </p:txBody>
       </p:sp>
       <p:sp>
         <p:nvSpPr>
           <p:cNvPr id="40" name="Google Shape;40;p8"/>
-          <p:cNvSpPr txBox="1"/>
+          <p:cNvSpPr txBox="1">
+            <a:spLocks noGrp="1"/>
+          </p:cNvSpPr>
           <p:nvPr>
-            <p:ph idx="1" type="body"/>
+            <p:ph type="body" idx="1"/>
           </p:nvPr>
         </p:nvSpPr>
         <p:spPr>
@@ -4717,11 +4799,11 @@
           </a:prstGeom>
         </p:spPr>
         <p:txBody>
-          <a:bodyPr anchorCtr="0" anchor="t" bIns="91425" lIns="91425" spcFirstLastPara="1" rIns="91425" wrap="square" tIns="91425">
+          <a:bodyPr spcFirstLastPara="1" wrap="square" lIns="91425" tIns="91425" rIns="91425" bIns="91425" anchor="t" anchorCtr="0">
             <a:normAutofit/>
           </a:bodyPr>
           <a:lstStyle>
-            <a:lvl1pPr indent="-304800" lvl="0" marL="457200">
+            <a:lvl1pPr marL="457200" lvl="0" indent="-304800">
               <a:spcBef>
                 <a:spcPts val="0"/>
               </a:spcBef>
@@ -4732,7 +4814,7 @@
               <a:buChar char="●"/>
               <a:defRPr sz="1200"/>
             </a:lvl1pPr>
-            <a:lvl2pPr indent="-304800" lvl="1" marL="914400">
+            <a:lvl2pPr marL="914400" lvl="1" indent="-304800">
               <a:spcBef>
                 <a:spcPts val="0"/>
               </a:spcBef>
@@ -4743,7 +4825,7 @@
               <a:buChar char="○"/>
               <a:defRPr sz="1200"/>
             </a:lvl2pPr>
-            <a:lvl3pPr indent="-304800" lvl="2" marL="1371600">
+            <a:lvl3pPr marL="1371600" lvl="2" indent="-304800">
               <a:spcBef>
                 <a:spcPts val="0"/>
               </a:spcBef>
@@ -4754,7 +4836,7 @@
               <a:buChar char="■"/>
               <a:defRPr sz="1200"/>
             </a:lvl3pPr>
-            <a:lvl4pPr indent="-304800" lvl="3" marL="1828800">
+            <a:lvl4pPr marL="1828800" lvl="3" indent="-304800">
               <a:spcBef>
                 <a:spcPts val="0"/>
               </a:spcBef>
@@ -4765,7 +4847,7 @@
               <a:buChar char="●"/>
               <a:defRPr sz="1200"/>
             </a:lvl4pPr>
-            <a:lvl5pPr indent="-304800" lvl="4" marL="2286000">
+            <a:lvl5pPr marL="2286000" lvl="4" indent="-304800">
               <a:spcBef>
                 <a:spcPts val="0"/>
               </a:spcBef>
@@ -4776,7 +4858,7 @@
               <a:buChar char="○"/>
               <a:defRPr sz="1200"/>
             </a:lvl5pPr>
-            <a:lvl6pPr indent="-304800" lvl="5" marL="2743200">
+            <a:lvl6pPr marL="2743200" lvl="5" indent="-304800">
               <a:spcBef>
                 <a:spcPts val="0"/>
               </a:spcBef>
@@ -4787,7 +4869,7 @@
               <a:buChar char="■"/>
               <a:defRPr sz="1200"/>
             </a:lvl6pPr>
-            <a:lvl7pPr indent="-304800" lvl="6" marL="3200400">
+            <a:lvl7pPr marL="3200400" lvl="6" indent="-304800">
               <a:spcBef>
                 <a:spcPts val="0"/>
               </a:spcBef>
@@ -4798,7 +4880,7 @@
               <a:buChar char="●"/>
               <a:defRPr sz="1200"/>
             </a:lvl7pPr>
-            <a:lvl8pPr indent="-304800" lvl="7" marL="3657600">
+            <a:lvl8pPr marL="3657600" lvl="7" indent="-304800">
               <a:spcBef>
                 <a:spcPts val="0"/>
               </a:spcBef>
@@ -4809,7 +4891,7 @@
               <a:buChar char="○"/>
               <a:defRPr sz="1200"/>
             </a:lvl8pPr>
-            <a:lvl9pPr indent="-304800" lvl="8" marL="4114800">
+            <a:lvl9pPr marL="4114800" lvl="8" indent="-304800">
               <a:spcBef>
                 <a:spcPts val="0"/>
               </a:spcBef>
@@ -4821,15 +4903,19 @@
               <a:defRPr sz="1200"/>
             </a:lvl9pPr>
           </a:lstStyle>
-          <a:p/>
+          <a:p>
+            <a:endParaRPr/>
+          </a:p>
         </p:txBody>
       </p:sp>
       <p:sp>
         <p:nvSpPr>
           <p:cNvPr id="41" name="Google Shape;41;p8"/>
-          <p:cNvSpPr txBox="1"/>
+          <p:cNvSpPr txBox="1">
+            <a:spLocks noGrp="1"/>
+          </p:cNvSpPr>
           <p:nvPr>
-            <p:ph idx="12" type="sldNum"/>
+            <p:ph type="sldNum" idx="12"/>
           </p:nvPr>
         </p:nvSpPr>
         <p:spPr>
@@ -4843,18 +4929,18 @@
           <a:solidFill>
             <a:srgbClr val="3F5095"/>
           </a:solidFill>
-          <a:ln cap="flat" cmpd="sng" w="9525">
+          <a:ln w="9525" cap="flat" cmpd="sng">
             <a:solidFill>
               <a:srgbClr val="3F5095"/>
             </a:solidFill>
             <a:prstDash val="solid"/>
             <a:round/>
-            <a:headEnd len="sm" w="sm" type="none"/>
-            <a:tailEnd len="sm" w="sm" type="none"/>
+            <a:headEnd type="none" w="sm" len="sm"/>
+            <a:tailEnd type="none" w="sm" len="sm"/>
           </a:ln>
         </p:spPr>
         <p:txBody>
-          <a:bodyPr anchorCtr="0" anchor="ctr" bIns="91425" lIns="91425" spcFirstLastPara="1" rIns="91425" wrap="square" tIns="91425">
+          <a:bodyPr spcFirstLastPara="1" wrap="square" lIns="91425" tIns="91425" rIns="91425" bIns="91425" anchor="ctr" anchorCtr="0">
             <a:noAutofit/>
           </a:bodyPr>
           <a:lstStyle>
@@ -4932,7 +5018,7 @@
             </a:lvl9pPr>
           </a:lstStyle>
           <a:p>
-            <a:pPr indent="0" lvl="0" marL="0" rtl="0" algn="l">
+            <a:pPr marL="0" lvl="0" indent="0" algn="l" rtl="0">
               <a:spcBef>
                 <a:spcPts val="0"/>
               </a:spcBef>
@@ -4947,15 +5033,7 @@
             </a:fld>
             <a:r>
               <a:rPr lang="en"/>
-              <a:t>/</a:t>
-            </a:r>
-            <a:r>
-              <a:rPr lang="en"/>
-              <a:t>!!</a:t>
-            </a:r>
-            <a:r>
-              <a:rPr lang="en"/>
-              <a:t> </a:t>
+              <a:t>/!! </a:t>
             </a:r>
             <a:endParaRPr/>
           </a:p>
@@ -4970,11 +5048,11 @@
 </file>
 
 <file path=ppt/slideLayouts/slideLayout8.xml><?xml version="1.0" encoding="utf-8"?>
-<p:sldLayout xmlns:a="http://schemas.openxmlformats.org/drawingml/2006/main" xmlns:r="http://schemas.openxmlformats.org/officeDocument/2006/relationships" xmlns:mc="http://schemas.openxmlformats.org/markup-compatibility/2006" xmlns:mv="urn:schemas-microsoft-com:mac:vml" xmlns:p="http://schemas.openxmlformats.org/presentationml/2006/main" xmlns:c="http://schemas.openxmlformats.org/drawingml/2006/chart" xmlns:dgm="http://schemas.openxmlformats.org/drawingml/2006/diagram" xmlns:o="urn:schemas-microsoft-com:office:office" xmlns:v="urn:schemas-microsoft-com:vml" xmlns:pvml="urn:schemas-microsoft-com:office:powerpoint" xmlns:com="http://schemas.openxmlformats.org/drawingml/2006/compatibility" xmlns:p14="http://schemas.microsoft.com/office/powerpoint/2010/main" xmlns:p15="http://schemas.microsoft.com/office/powerpoint/2012/main" xmlns:ahyp="http://schemas.microsoft.com/office/drawing/2018/hyperlinkcolor" matchingName="Main point">
+<p:sldLayout xmlns:a="http://schemas.openxmlformats.org/drawingml/2006/main" xmlns:r="http://schemas.openxmlformats.org/officeDocument/2006/relationships" xmlns:p="http://schemas.openxmlformats.org/presentationml/2006/main" matchingName="Main point">
   <p:cSld name="MAIN_POINT">
     <p:spTree>
       <p:nvGrpSpPr>
-        <p:cNvPr id="42" name="Shape 42"/>
+        <p:cNvPr id="1" name="Shape 42"/>
         <p:cNvGrpSpPr/>
         <p:nvPr/>
       </p:nvGrpSpPr>
@@ -4989,7 +5067,9 @@
       <p:sp>
         <p:nvSpPr>
           <p:cNvPr id="43" name="Google Shape;43;p9"/>
-          <p:cNvSpPr txBox="1"/>
+          <p:cNvSpPr txBox="1">
+            <a:spLocks noGrp="1"/>
+          </p:cNvSpPr>
           <p:nvPr>
             <p:ph type="title"/>
           </p:nvPr>
@@ -5004,7 +5084,7 @@
           </a:prstGeom>
         </p:spPr>
         <p:txBody>
-          <a:bodyPr anchorCtr="0" anchor="ctr" bIns="91425" lIns="91425" spcFirstLastPara="1" rIns="91425" wrap="square" tIns="91425">
+          <a:bodyPr spcFirstLastPara="1" wrap="square" lIns="91425" tIns="91425" rIns="91425" bIns="91425" anchor="ctr" anchorCtr="0">
             <a:normAutofit/>
           </a:bodyPr>
           <a:lstStyle>
@@ -5108,15 +5188,19 @@
               <a:defRPr sz="4800"/>
             </a:lvl9pPr>
           </a:lstStyle>
-          <a:p/>
+          <a:p>
+            <a:endParaRPr/>
+          </a:p>
         </p:txBody>
       </p:sp>
       <p:sp>
         <p:nvSpPr>
           <p:cNvPr id="44" name="Google Shape;44;p9"/>
-          <p:cNvSpPr txBox="1"/>
+          <p:cNvSpPr txBox="1">
+            <a:spLocks noGrp="1"/>
+          </p:cNvSpPr>
           <p:nvPr>
-            <p:ph idx="12" type="sldNum"/>
+            <p:ph type="sldNum" idx="12"/>
           </p:nvPr>
         </p:nvSpPr>
         <p:spPr>
@@ -5130,18 +5214,18 @@
           <a:solidFill>
             <a:srgbClr val="3F5095"/>
           </a:solidFill>
-          <a:ln cap="flat" cmpd="sng" w="9525">
+          <a:ln w="9525" cap="flat" cmpd="sng">
             <a:solidFill>
               <a:srgbClr val="3F5095"/>
             </a:solidFill>
             <a:prstDash val="solid"/>
             <a:round/>
-            <a:headEnd len="sm" w="sm" type="none"/>
-            <a:tailEnd len="sm" w="sm" type="none"/>
+            <a:headEnd type="none" w="sm" len="sm"/>
+            <a:tailEnd type="none" w="sm" len="sm"/>
           </a:ln>
         </p:spPr>
         <p:txBody>
-          <a:bodyPr anchorCtr="0" anchor="ctr" bIns="91425" lIns="91425" spcFirstLastPara="1" rIns="91425" wrap="square" tIns="91425">
+          <a:bodyPr spcFirstLastPara="1" wrap="square" lIns="91425" tIns="91425" rIns="91425" bIns="91425" anchor="ctr" anchorCtr="0">
             <a:noAutofit/>
           </a:bodyPr>
           <a:lstStyle>
@@ -5219,7 +5303,7 @@
             </a:lvl9pPr>
           </a:lstStyle>
           <a:p>
-            <a:pPr indent="0" lvl="0" marL="0" rtl="0" algn="l">
+            <a:pPr marL="0" lvl="0" indent="0" algn="l" rtl="0">
               <a:spcBef>
                 <a:spcPts val="0"/>
               </a:spcBef>
@@ -5234,15 +5318,7 @@
             </a:fld>
             <a:r>
               <a:rPr lang="en"/>
-              <a:t>/</a:t>
-            </a:r>
-            <a:r>
-              <a:rPr lang="en"/>
-              <a:t>!!</a:t>
-            </a:r>
-            <a:r>
-              <a:rPr lang="en"/>
-              <a:t> </a:t>
+              <a:t>/!! </a:t>
             </a:r>
             <a:endParaRPr/>
           </a:p>
@@ -5257,11 +5333,11 @@
 </file>
 
 <file path=ppt/slideLayouts/slideLayout9.xml><?xml version="1.0" encoding="utf-8"?>
-<p:sldLayout xmlns:a="http://schemas.openxmlformats.org/drawingml/2006/main" xmlns:r="http://schemas.openxmlformats.org/officeDocument/2006/relationships" xmlns:mc="http://schemas.openxmlformats.org/markup-compatibility/2006" xmlns:mv="urn:schemas-microsoft-com:mac:vml" xmlns:p="http://schemas.openxmlformats.org/presentationml/2006/main" xmlns:c="http://schemas.openxmlformats.org/drawingml/2006/chart" xmlns:dgm="http://schemas.openxmlformats.org/drawingml/2006/diagram" xmlns:o="urn:schemas-microsoft-com:office:office" xmlns:v="urn:schemas-microsoft-com:vml" xmlns:pvml="urn:schemas-microsoft-com:office:powerpoint" xmlns:com="http://schemas.openxmlformats.org/drawingml/2006/compatibility" xmlns:p14="http://schemas.microsoft.com/office/powerpoint/2010/main" xmlns:p15="http://schemas.microsoft.com/office/powerpoint/2012/main" xmlns:ahyp="http://schemas.microsoft.com/office/drawing/2018/hyperlinkcolor" matchingName="Section title and description">
+<p:sldLayout xmlns:a="http://schemas.openxmlformats.org/drawingml/2006/main" xmlns:r="http://schemas.openxmlformats.org/officeDocument/2006/relationships" xmlns:p="http://schemas.openxmlformats.org/presentationml/2006/main" matchingName="Section title and description">
   <p:cSld name="SECTION_TITLE_AND_DESCRIPTION">
     <p:spTree>
       <p:nvGrpSpPr>
-        <p:cNvPr id="45" name="Shape 45"/>
+        <p:cNvPr id="1" name="Shape 45"/>
         <p:cNvGrpSpPr/>
         <p:nvPr/>
       </p:nvGrpSpPr>
@@ -5290,23 +5366,23 @@
           <a:solidFill>
             <a:schemeClr val="lt2"/>
           </a:solidFill>
-          <a:ln cap="flat" cmpd="sng" w="9525">
+          <a:ln w="9525" cap="flat" cmpd="sng">
             <a:solidFill>
               <a:schemeClr val="lt2"/>
             </a:solidFill>
             <a:prstDash val="solid"/>
             <a:round/>
-            <a:headEnd len="sm" w="sm" type="none"/>
-            <a:tailEnd len="sm" w="sm" type="none"/>
+            <a:headEnd type="none" w="sm" len="sm"/>
+            <a:tailEnd type="none" w="sm" len="sm"/>
           </a:ln>
         </p:spPr>
         <p:txBody>
-          <a:bodyPr anchorCtr="0" anchor="ctr" bIns="91425" lIns="91425" spcFirstLastPara="1" rIns="91425" wrap="square" tIns="91425">
+          <a:bodyPr spcFirstLastPara="1" wrap="square" lIns="91425" tIns="91425" rIns="91425" bIns="91425" anchor="ctr" anchorCtr="0">
             <a:noAutofit/>
           </a:bodyPr>
           <a:lstStyle/>
           <a:p>
-            <a:pPr indent="0" lvl="0" marL="0" rtl="0" algn="l">
+            <a:pPr marL="0" lvl="0" indent="0" algn="l" rtl="0">
               <a:spcBef>
                 <a:spcPts val="0"/>
               </a:spcBef>
@@ -5315,9 +5391,6 @@
               </a:spcAft>
               <a:buNone/>
             </a:pPr>
-            <a:r>
-              <a:t/>
-            </a:r>
             <a:endParaRPr/>
           </a:p>
         </p:txBody>
@@ -5325,7 +5398,9 @@
       <p:sp>
         <p:nvSpPr>
           <p:cNvPr id="47" name="Google Shape;47;p10"/>
-          <p:cNvSpPr txBox="1"/>
+          <p:cNvSpPr txBox="1">
+            <a:spLocks noGrp="1"/>
+          </p:cNvSpPr>
           <p:nvPr>
             <p:ph type="title"/>
           </p:nvPr>
@@ -5340,7 +5415,7 @@
           </a:prstGeom>
         </p:spPr>
         <p:txBody>
-          <a:bodyPr anchorCtr="0" anchor="b" bIns="91425" lIns="91425" spcFirstLastPara="1" rIns="91425" wrap="square" tIns="91425">
+          <a:bodyPr spcFirstLastPara="1" wrap="square" lIns="91425" tIns="91425" rIns="91425" bIns="91425" anchor="b" anchorCtr="0">
             <a:normAutofit/>
           </a:bodyPr>
           <a:lstStyle>
@@ -5444,15 +5519,19 @@
               <a:defRPr sz="4200"/>
             </a:lvl9pPr>
           </a:lstStyle>
-          <a:p/>
+          <a:p>
+            <a:endParaRPr/>
+          </a:p>
         </p:txBody>
       </p:sp>
       <p:sp>
         <p:nvSpPr>
           <p:cNvPr id="48" name="Google Shape;48;p10"/>
-          <p:cNvSpPr txBox="1"/>
+          <p:cNvSpPr txBox="1">
+            <a:spLocks noGrp="1"/>
+          </p:cNvSpPr>
           <p:nvPr>
-            <p:ph idx="1" type="subTitle"/>
+            <p:ph type="subTitle" idx="1"/>
           </p:nvPr>
         </p:nvSpPr>
         <p:spPr>
@@ -5465,7 +5544,7 @@
           </a:prstGeom>
         </p:spPr>
         <p:txBody>
-          <a:bodyPr anchorCtr="0" anchor="t" bIns="91425" lIns="91425" spcFirstLastPara="1" rIns="91425" wrap="square" tIns="91425">
+          <a:bodyPr spcFirstLastPara="1" wrap="square" lIns="91425" tIns="91425" rIns="91425" bIns="91425" anchor="t" anchorCtr="0">
             <a:normAutofit/>
           </a:bodyPr>
           <a:lstStyle>
@@ -5596,15 +5675,19 @@
               <a:defRPr sz="2100"/>
             </a:lvl9pPr>
           </a:lstStyle>
-          <a:p/>
+          <a:p>
+            <a:endParaRPr/>
+          </a:p>
         </p:txBody>
       </p:sp>
       <p:sp>
         <p:nvSpPr>
           <p:cNvPr id="49" name="Google Shape;49;p10"/>
-          <p:cNvSpPr txBox="1"/>
+          <p:cNvSpPr txBox="1">
+            <a:spLocks noGrp="1"/>
+          </p:cNvSpPr>
           <p:nvPr>
-            <p:ph idx="2" type="body"/>
+            <p:ph type="body" idx="2"/>
           </p:nvPr>
         </p:nvSpPr>
         <p:spPr>
@@ -5617,11 +5700,11 @@
           </a:prstGeom>
         </p:spPr>
         <p:txBody>
-          <a:bodyPr anchorCtr="0" anchor="ctr" bIns="91425" lIns="91425" spcFirstLastPara="1" rIns="91425" wrap="square" tIns="91425">
+          <a:bodyPr spcFirstLastPara="1" wrap="square" lIns="91425" tIns="91425" rIns="91425" bIns="91425" anchor="ctr" anchorCtr="0">
             <a:normAutofit/>
           </a:bodyPr>
           <a:lstStyle>
-            <a:lvl1pPr indent="-342900" lvl="0" marL="457200">
+            <a:lvl1pPr marL="457200" lvl="0" indent="-342900">
               <a:spcBef>
                 <a:spcPts val="0"/>
               </a:spcBef>
@@ -5632,7 +5715,7 @@
               <a:buChar char="●"/>
               <a:defRPr/>
             </a:lvl1pPr>
-            <a:lvl2pPr indent="-317500" lvl="1" marL="914400">
+            <a:lvl2pPr marL="914400" lvl="1" indent="-317500">
               <a:spcBef>
                 <a:spcPts val="0"/>
               </a:spcBef>
@@ -5643,7 +5726,7 @@
               <a:buChar char="○"/>
               <a:defRPr/>
             </a:lvl2pPr>
-            <a:lvl3pPr indent="-317500" lvl="2" marL="1371600">
+            <a:lvl3pPr marL="1371600" lvl="2" indent="-317500">
               <a:spcBef>
                 <a:spcPts val="0"/>
               </a:spcBef>
@@ -5654,7 +5737,7 @@
               <a:buChar char="■"/>
               <a:defRPr/>
             </a:lvl3pPr>
-            <a:lvl4pPr indent="-317500" lvl="3" marL="1828800">
+            <a:lvl4pPr marL="1828800" lvl="3" indent="-317500">
               <a:spcBef>
                 <a:spcPts val="0"/>
               </a:spcBef>
@@ -5665,7 +5748,7 @@
               <a:buChar char="●"/>
               <a:defRPr/>
             </a:lvl4pPr>
-            <a:lvl5pPr indent="-317500" lvl="4" marL="2286000">
+            <a:lvl5pPr marL="2286000" lvl="4" indent="-317500">
               <a:spcBef>
                 <a:spcPts val="0"/>
               </a:spcBef>
@@ -5676,7 +5759,7 @@
               <a:buChar char="○"/>
               <a:defRPr/>
             </a:lvl5pPr>
-            <a:lvl6pPr indent="-317500" lvl="5" marL="2743200">
+            <a:lvl6pPr marL="2743200" lvl="5" indent="-317500">
               <a:spcBef>
                 <a:spcPts val="0"/>
               </a:spcBef>
@@ -5687,7 +5770,7 @@
               <a:buChar char="■"/>
               <a:defRPr/>
             </a:lvl6pPr>
-            <a:lvl7pPr indent="-317500" lvl="6" marL="3200400">
+            <a:lvl7pPr marL="3200400" lvl="6" indent="-317500">
               <a:spcBef>
                 <a:spcPts val="0"/>
               </a:spcBef>
@@ -5698,7 +5781,7 @@
               <a:buChar char="●"/>
               <a:defRPr/>
             </a:lvl7pPr>
-            <a:lvl8pPr indent="-317500" lvl="7" marL="3657600">
+            <a:lvl8pPr marL="3657600" lvl="7" indent="-317500">
               <a:spcBef>
                 <a:spcPts val="0"/>
               </a:spcBef>
@@ -5709,7 +5792,7 @@
               <a:buChar char="○"/>
               <a:defRPr/>
             </a:lvl8pPr>
-            <a:lvl9pPr indent="-317500" lvl="8" marL="4114800">
+            <a:lvl9pPr marL="4114800" lvl="8" indent="-317500">
               <a:spcBef>
                 <a:spcPts val="0"/>
               </a:spcBef>
@@ -5721,15 +5804,19 @@
               <a:defRPr/>
             </a:lvl9pPr>
           </a:lstStyle>
-          <a:p/>
+          <a:p>
+            <a:endParaRPr/>
+          </a:p>
         </p:txBody>
       </p:sp>
       <p:sp>
         <p:nvSpPr>
           <p:cNvPr id="50" name="Google Shape;50;p10"/>
-          <p:cNvSpPr txBox="1"/>
+          <p:cNvSpPr txBox="1">
+            <a:spLocks noGrp="1"/>
+          </p:cNvSpPr>
           <p:nvPr>
-            <p:ph idx="12" type="sldNum"/>
+            <p:ph type="sldNum" idx="12"/>
           </p:nvPr>
         </p:nvSpPr>
         <p:spPr>
@@ -5743,18 +5830,18 @@
           <a:solidFill>
             <a:srgbClr val="3F5095"/>
           </a:solidFill>
-          <a:ln cap="flat" cmpd="sng" w="9525">
+          <a:ln w="9525" cap="flat" cmpd="sng">
             <a:solidFill>
               <a:srgbClr val="3F5095"/>
             </a:solidFill>
             <a:prstDash val="solid"/>
             <a:round/>
-            <a:headEnd len="sm" w="sm" type="none"/>
-            <a:tailEnd len="sm" w="sm" type="none"/>
+            <a:headEnd type="none" w="sm" len="sm"/>
+            <a:tailEnd type="none" w="sm" len="sm"/>
           </a:ln>
         </p:spPr>
         <p:txBody>
-          <a:bodyPr anchorCtr="0" anchor="ctr" bIns="91425" lIns="91425" spcFirstLastPara="1" rIns="91425" wrap="square" tIns="91425">
+          <a:bodyPr spcFirstLastPara="1" wrap="square" lIns="91425" tIns="91425" rIns="91425" bIns="91425" anchor="ctr" anchorCtr="0">
             <a:noAutofit/>
           </a:bodyPr>
           <a:lstStyle>
@@ -5832,7 +5919,7 @@
             </a:lvl9pPr>
           </a:lstStyle>
           <a:p>
-            <a:pPr indent="0" lvl="0" marL="0" rtl="0" algn="l">
+            <a:pPr marL="0" lvl="0" indent="0" algn="l" rtl="0">
               <a:spcBef>
                 <a:spcPts val="0"/>
               </a:spcBef>
@@ -5847,15 +5934,7 @@
             </a:fld>
             <a:r>
               <a:rPr lang="en"/>
-              <a:t>/</a:t>
-            </a:r>
-            <a:r>
-              <a:rPr lang="en"/>
-              <a:t>!!</a:t>
-            </a:r>
-            <a:r>
-              <a:rPr lang="en"/>
-              <a:t> </a:t>
+              <a:t>/!! </a:t>
             </a:r>
             <a:endParaRPr/>
           </a:p>
@@ -5870,18 +5949,19 @@
 </file>
 
 <file path=ppt/slideMasters/slideMaster1.xml><?xml version="1.0" encoding="utf-8"?>
-<p:sldMaster xmlns:a="http://schemas.openxmlformats.org/drawingml/2006/main" xmlns:r="http://schemas.openxmlformats.org/officeDocument/2006/relationships" xmlns:mc="http://schemas.openxmlformats.org/markup-compatibility/2006" xmlns:mv="urn:schemas-microsoft-com:mac:vml" xmlns:p="http://schemas.openxmlformats.org/presentationml/2006/main" xmlns:c="http://schemas.openxmlformats.org/drawingml/2006/chart" xmlns:dgm="http://schemas.openxmlformats.org/drawingml/2006/diagram" xmlns:o="urn:schemas-microsoft-com:office:office" xmlns:v="urn:schemas-microsoft-com:vml" xmlns:pvml="urn:schemas-microsoft-com:office:powerpoint" xmlns:com="http://schemas.openxmlformats.org/drawingml/2006/compatibility" xmlns:p14="http://schemas.microsoft.com/office/powerpoint/2010/main" xmlns:p15="http://schemas.microsoft.com/office/powerpoint/2012/main" xmlns:ahyp="http://schemas.microsoft.com/office/drawing/2018/hyperlinkcolor">
+<p:sldMaster xmlns:a="http://schemas.openxmlformats.org/drawingml/2006/main" xmlns:r="http://schemas.openxmlformats.org/officeDocument/2006/relationships" xmlns:p="http://schemas.openxmlformats.org/presentationml/2006/main">
   <p:cSld name="simple-light-2">
     <p:bg>
       <p:bgPr>
         <a:solidFill>
           <a:schemeClr val="lt1"/>
         </a:solidFill>
+        <a:effectLst/>
       </p:bgPr>
     </p:bg>
     <p:spTree>
       <p:nvGrpSpPr>
-        <p:cNvPr id="5" name="Shape 5"/>
+        <p:cNvPr id="1" name="Shape 5"/>
         <p:cNvGrpSpPr/>
         <p:nvPr/>
       </p:nvGrpSpPr>
@@ -5896,7 +5976,9 @@
       <p:sp>
         <p:nvSpPr>
           <p:cNvPr id="6" name="Google Shape;6;p1"/>
-          <p:cNvSpPr txBox="1"/>
+          <p:cNvSpPr txBox="1">
+            <a:spLocks noGrp="1"/>
+          </p:cNvSpPr>
           <p:nvPr>
             <p:ph type="title"/>
           </p:nvPr>
@@ -5912,18 +5994,18 @@
           <a:solidFill>
             <a:srgbClr val="3F5095"/>
           </a:solidFill>
-          <a:ln cap="flat" cmpd="sng" w="9525">
+          <a:ln w="9525" cap="flat" cmpd="sng">
             <a:solidFill>
               <a:srgbClr val="3F5095"/>
             </a:solidFill>
             <a:prstDash val="solid"/>
             <a:round/>
-            <a:headEnd len="sm" w="sm" type="none"/>
-            <a:tailEnd len="sm" w="sm" type="none"/>
+            <a:headEnd type="none" w="sm" len="sm"/>
+            <a:tailEnd type="none" w="sm" len="sm"/>
           </a:ln>
         </p:spPr>
         <p:txBody>
-          <a:bodyPr anchorCtr="0" anchor="t" bIns="91425" lIns="91425" spcFirstLastPara="1" rIns="91425" wrap="square" tIns="91425">
+          <a:bodyPr spcFirstLastPara="1" wrap="square" lIns="91425" tIns="91425" rIns="91425" bIns="91425" anchor="t" anchorCtr="0">
             <a:normAutofit/>
           </a:bodyPr>
           <a:lstStyle>
@@ -6090,15 +6172,19 @@
               </a:defRPr>
             </a:lvl9pPr>
           </a:lstStyle>
-          <a:p/>
+          <a:p>
+            <a:endParaRPr/>
+          </a:p>
         </p:txBody>
       </p:sp>
       <p:sp>
         <p:nvSpPr>
           <p:cNvPr id="7" name="Google Shape;7;p1"/>
-          <p:cNvSpPr txBox="1"/>
+          <p:cNvSpPr txBox="1">
+            <a:spLocks noGrp="1"/>
+          </p:cNvSpPr>
           <p:nvPr>
-            <p:ph idx="1" type="body"/>
+            <p:ph type="body" idx="1"/>
           </p:nvPr>
         </p:nvSpPr>
         <p:spPr>
@@ -6115,11 +6201,11 @@
           </a:ln>
         </p:spPr>
         <p:txBody>
-          <a:bodyPr anchorCtr="0" anchor="t" bIns="91425" lIns="91425" spcFirstLastPara="1" rIns="91425" wrap="square" tIns="91425">
+          <a:bodyPr spcFirstLastPara="1" wrap="square" lIns="91425" tIns="91425" rIns="91425" bIns="91425" anchor="t" anchorCtr="0">
             <a:normAutofit/>
           </a:bodyPr>
           <a:lstStyle>
-            <a:lvl1pPr indent="-342900" lvl="0" marL="457200">
+            <a:lvl1pPr marL="457200" lvl="0" indent="-342900">
               <a:lnSpc>
                 <a:spcPct val="115000"/>
               </a:lnSpc>
@@ -6140,7 +6226,7 @@
                 </a:solidFill>
               </a:defRPr>
             </a:lvl1pPr>
-            <a:lvl2pPr indent="-317500" lvl="1" marL="914400">
+            <a:lvl2pPr marL="914400" lvl="1" indent="-317500">
               <a:lnSpc>
                 <a:spcPct val="115000"/>
               </a:lnSpc>
@@ -6161,7 +6247,7 @@
                 </a:solidFill>
               </a:defRPr>
             </a:lvl2pPr>
-            <a:lvl3pPr indent="-317500" lvl="2" marL="1371600">
+            <a:lvl3pPr marL="1371600" lvl="2" indent="-317500">
               <a:lnSpc>
                 <a:spcPct val="115000"/>
               </a:lnSpc>
@@ -6182,7 +6268,7 @@
                 </a:solidFill>
               </a:defRPr>
             </a:lvl3pPr>
-            <a:lvl4pPr indent="-317500" lvl="3" marL="1828800">
+            <a:lvl4pPr marL="1828800" lvl="3" indent="-317500">
               <a:lnSpc>
                 <a:spcPct val="115000"/>
               </a:lnSpc>
@@ -6203,7 +6289,7 @@
                 </a:solidFill>
               </a:defRPr>
             </a:lvl4pPr>
-            <a:lvl5pPr indent="-317500" lvl="4" marL="2286000">
+            <a:lvl5pPr marL="2286000" lvl="4" indent="-317500">
               <a:lnSpc>
                 <a:spcPct val="115000"/>
               </a:lnSpc>
@@ -6224,7 +6310,7 @@
                 </a:solidFill>
               </a:defRPr>
             </a:lvl5pPr>
-            <a:lvl6pPr indent="-317500" lvl="5" marL="2743200">
+            <a:lvl6pPr marL="2743200" lvl="5" indent="-317500">
               <a:lnSpc>
                 <a:spcPct val="115000"/>
               </a:lnSpc>
@@ -6245,7 +6331,7 @@
                 </a:solidFill>
               </a:defRPr>
             </a:lvl6pPr>
-            <a:lvl7pPr indent="-317500" lvl="6" marL="3200400">
+            <a:lvl7pPr marL="3200400" lvl="6" indent="-317500">
               <a:lnSpc>
                 <a:spcPct val="115000"/>
               </a:lnSpc>
@@ -6266,7 +6352,7 @@
                 </a:solidFill>
               </a:defRPr>
             </a:lvl7pPr>
-            <a:lvl8pPr indent="-317500" lvl="7" marL="3657600">
+            <a:lvl8pPr marL="3657600" lvl="7" indent="-317500">
               <a:lnSpc>
                 <a:spcPct val="115000"/>
               </a:lnSpc>
@@ -6287,7 +6373,7 @@
                 </a:solidFill>
               </a:defRPr>
             </a:lvl8pPr>
-            <a:lvl9pPr indent="-317500" lvl="8" marL="4114800">
+            <a:lvl9pPr marL="4114800" lvl="8" indent="-317500">
               <a:lnSpc>
                 <a:spcPct val="115000"/>
               </a:lnSpc>
@@ -6309,7 +6395,9 @@
               </a:defRPr>
             </a:lvl9pPr>
           </a:lstStyle>
-          <a:p/>
+          <a:p>
+            <a:endParaRPr/>
+          </a:p>
         </p:txBody>
       </p:sp>
       <p:sp>
@@ -6329,23 +6417,23 @@
           <a:solidFill>
             <a:srgbClr val="152A86"/>
           </a:solidFill>
-          <a:ln cap="flat" cmpd="sng" w="9525">
+          <a:ln w="9525" cap="flat" cmpd="sng">
             <a:solidFill>
               <a:srgbClr val="152A86"/>
             </a:solidFill>
             <a:prstDash val="solid"/>
             <a:round/>
-            <a:headEnd len="sm" w="sm" type="none"/>
-            <a:tailEnd len="sm" w="sm" type="none"/>
+            <a:headEnd type="none" w="sm" len="sm"/>
+            <a:tailEnd type="none" w="sm" len="sm"/>
           </a:ln>
         </p:spPr>
         <p:txBody>
-          <a:bodyPr anchorCtr="0" anchor="t" bIns="91425" lIns="91425" spcFirstLastPara="1" rIns="91425" wrap="square" tIns="91425">
+          <a:bodyPr spcFirstLastPara="1" wrap="square" lIns="91425" tIns="91425" rIns="91425" bIns="91425" anchor="t" anchorCtr="0">
             <a:spAutoFit/>
           </a:bodyPr>
           <a:lstStyle/>
           <a:p>
-            <a:pPr indent="0" lvl="0" marL="0" rtl="0" algn="r">
+            <a:pPr marL="0" lvl="0" indent="0" algn="r" rtl="0">
               <a:spcBef>
                 <a:spcPts val="0"/>
               </a:spcBef>
@@ -6387,23 +6475,23 @@
           <a:solidFill>
             <a:srgbClr val="3F5095"/>
           </a:solidFill>
-          <a:ln cap="flat" cmpd="sng" w="9525">
+          <a:ln w="9525" cap="flat" cmpd="sng">
             <a:solidFill>
               <a:srgbClr val="3F5095"/>
             </a:solidFill>
             <a:prstDash val="solid"/>
             <a:round/>
-            <a:headEnd len="sm" w="sm" type="none"/>
-            <a:tailEnd len="sm" w="sm" type="none"/>
+            <a:headEnd type="none" w="sm" len="sm"/>
+            <a:tailEnd type="none" w="sm" len="sm"/>
           </a:ln>
         </p:spPr>
         <p:txBody>
-          <a:bodyPr anchorCtr="0" anchor="t" bIns="91425" lIns="91425" spcFirstLastPara="1" rIns="91425" wrap="square" tIns="91425">
+          <a:bodyPr spcFirstLastPara="1" wrap="square" lIns="91425" tIns="91425" rIns="91425" bIns="91425" anchor="t" anchorCtr="0">
             <a:normAutofit lnSpcReduction="10000"/>
           </a:bodyPr>
           <a:lstStyle/>
           <a:p>
-            <a:pPr indent="0" lvl="0" marL="0" rtl="0" algn="l">
+            <a:pPr marL="0" lvl="0" indent="0" algn="l" rtl="0">
               <a:spcBef>
                 <a:spcPts val="0"/>
               </a:spcBef>
@@ -6445,23 +6533,23 @@
           <a:solidFill>
             <a:srgbClr val="152A86"/>
           </a:solidFill>
-          <a:ln cap="flat" cmpd="sng" w="9525">
+          <a:ln w="9525" cap="flat" cmpd="sng">
             <a:solidFill>
               <a:srgbClr val="152A86"/>
             </a:solidFill>
             <a:prstDash val="solid"/>
             <a:round/>
-            <a:headEnd len="sm" w="sm" type="none"/>
-            <a:tailEnd len="sm" w="sm" type="none"/>
+            <a:headEnd type="none" w="sm" len="sm"/>
+            <a:tailEnd type="none" w="sm" len="sm"/>
           </a:ln>
         </p:spPr>
         <p:txBody>
-          <a:bodyPr anchorCtr="0" anchor="t" bIns="91425" lIns="91425" spcFirstLastPara="1" rIns="91425" wrap="square" tIns="91425">
+          <a:bodyPr spcFirstLastPara="1" wrap="square" lIns="91425" tIns="91425" rIns="91425" bIns="91425" anchor="t" anchorCtr="0">
             <a:spAutoFit/>
           </a:bodyPr>
           <a:lstStyle/>
           <a:p>
-            <a:pPr indent="0" lvl="0" marL="0" rtl="0" algn="l">
+            <a:pPr marL="0" lvl="0" indent="0" algn="l" rtl="0">
               <a:spcBef>
                 <a:spcPts val="0"/>
               </a:spcBef>
@@ -6485,9 +6573,11 @@
       <p:sp>
         <p:nvSpPr>
           <p:cNvPr id="11" name="Google Shape;11;p1"/>
-          <p:cNvSpPr txBox="1"/>
+          <p:cNvSpPr txBox="1">
+            <a:spLocks noGrp="1"/>
+          </p:cNvSpPr>
           <p:nvPr>
-            <p:ph idx="12" type="sldNum"/>
+            <p:ph type="sldNum" idx="12"/>
           </p:nvPr>
         </p:nvSpPr>
         <p:spPr>
@@ -6501,18 +6591,18 @@
           <a:solidFill>
             <a:srgbClr val="3F5095"/>
           </a:solidFill>
-          <a:ln cap="flat" cmpd="sng" w="9525">
+          <a:ln w="9525" cap="flat" cmpd="sng">
             <a:solidFill>
               <a:srgbClr val="3F5095"/>
             </a:solidFill>
             <a:prstDash val="solid"/>
             <a:round/>
-            <a:headEnd len="sm" w="sm" type="none"/>
-            <a:tailEnd len="sm" w="sm" type="none"/>
+            <a:headEnd type="none" w="sm" len="sm"/>
+            <a:tailEnd type="none" w="sm" len="sm"/>
           </a:ln>
         </p:spPr>
         <p:txBody>
-          <a:bodyPr anchorCtr="0" anchor="ctr" bIns="91425" lIns="91425" spcFirstLastPara="1" rIns="91425" wrap="square" tIns="91425">
+          <a:bodyPr spcFirstLastPara="1" wrap="square" lIns="91425" tIns="91425" rIns="91425" bIns="91425" anchor="ctr" anchorCtr="0">
             <a:noAutofit/>
           </a:bodyPr>
           <a:lstStyle>
@@ -6590,7 +6680,7 @@
             </a:lvl9pPr>
           </a:lstStyle>
           <a:p>
-            <a:pPr indent="0" lvl="0" marL="0" rtl="0" algn="l">
+            <a:pPr marL="0" lvl="0" indent="0" algn="l" rtl="0">
               <a:spcBef>
                 <a:spcPts val="0"/>
               </a:spcBef>
@@ -6613,7 +6703,7 @@
       </p:sp>
     </p:spTree>
   </p:cSld>
-  <p:clrMap accent1="accent1" accent2="accent2" accent3="accent3" accent4="accent4" accent5="accent5" accent6="accent6" bg1="lt1" bg2="dk2" tx1="dk1" tx2="lt2" folHlink="folHlink" hlink="hlink"/>
+  <p:clrMap bg1="lt1" tx1="dk1" bg2="dk2" tx2="lt2" accent1="accent1" accent2="accent2" accent3="accent3" accent4="accent4" accent5="accent5" accent6="accent6" hlink="hlink" folHlink="folHlink"/>
   <p:sldLayoutIdLst>
     <p:sldLayoutId id="2147483648" r:id="rId1"/>
     <p:sldLayoutId id="2147483649" r:id="rId2"/>
@@ -6626,10 +6716,10 @@
     <p:sldLayoutId id="2147483656" r:id="rId9"/>
     <p:sldLayoutId id="2147483657" r:id="rId10"/>
   </p:sldLayoutIdLst>
-  <p:hf dt="0" ftr="0" hdr="0"/>
+  <p:hf hdr="0" ftr="0" dt="0"/>
   <p:txStyles>
     <p:titleStyle>
-      <a:defPPr lvl="0" marR="0" rtl="0" algn="l">
+      <a:defPPr marR="0" lvl="0" algn="l" rtl="0">
         <a:lnSpc>
           <a:spcPct val="100000"/>
         </a:lnSpc>
@@ -6640,7 +6730,7 @@
           <a:spcPts val="0"/>
         </a:spcAft>
       </a:defPPr>
-      <a:lvl1pPr lvl="0" marR="0" rtl="0" algn="l">
+      <a:lvl1pPr marR="0" lvl="0" algn="l" rtl="0">
         <a:lnSpc>
           <a:spcPct val="100000"/>
         </a:lnSpc>
@@ -6654,7 +6744,7 @@
           <a:srgbClr val="000000"/>
         </a:buClr>
         <a:buFont typeface="Arial"/>
-        <a:defRPr b="0" i="0" sz="1400" u="none" cap="none" strike="noStrike">
+        <a:defRPr sz="1400" b="0" i="0" u="none" strike="noStrike" cap="none">
           <a:solidFill>
             <a:srgbClr val="000000"/>
           </a:solidFill>
@@ -6664,7 +6754,7 @@
           <a:sym typeface="Arial"/>
         </a:defRPr>
       </a:lvl1pPr>
-      <a:lvl2pPr lvl="1" marR="0" rtl="0" algn="l">
+      <a:lvl2pPr marR="0" lvl="1" algn="l" rtl="0">
         <a:lnSpc>
           <a:spcPct val="100000"/>
         </a:lnSpc>
@@ -6678,7 +6768,7 @@
           <a:srgbClr val="000000"/>
         </a:buClr>
         <a:buFont typeface="Arial"/>
-        <a:defRPr b="0" i="0" sz="1400" u="none" cap="none" strike="noStrike">
+        <a:defRPr sz="1400" b="0" i="0" u="none" strike="noStrike" cap="none">
           <a:solidFill>
             <a:srgbClr val="000000"/>
           </a:solidFill>
@@ -6688,7 +6778,7 @@
           <a:sym typeface="Arial"/>
         </a:defRPr>
       </a:lvl2pPr>
-      <a:lvl3pPr lvl="2" marR="0" rtl="0" algn="l">
+      <a:lvl3pPr marR="0" lvl="2" algn="l" rtl="0">
         <a:lnSpc>
           <a:spcPct val="100000"/>
         </a:lnSpc>
@@ -6702,7 +6792,7 @@
           <a:srgbClr val="000000"/>
         </a:buClr>
         <a:buFont typeface="Arial"/>
-        <a:defRPr b="0" i="0" sz="1400" u="none" cap="none" strike="noStrike">
+        <a:defRPr sz="1400" b="0" i="0" u="none" strike="noStrike" cap="none">
           <a:solidFill>
             <a:srgbClr val="000000"/>
           </a:solidFill>
@@ -6712,7 +6802,7 @@
           <a:sym typeface="Arial"/>
         </a:defRPr>
       </a:lvl3pPr>
-      <a:lvl4pPr lvl="3" marR="0" rtl="0" algn="l">
+      <a:lvl4pPr marR="0" lvl="3" algn="l" rtl="0">
         <a:lnSpc>
           <a:spcPct val="100000"/>
         </a:lnSpc>
@@ -6726,7 +6816,7 @@
           <a:srgbClr val="000000"/>
         </a:buClr>
         <a:buFont typeface="Arial"/>
-        <a:defRPr b="0" i="0" sz="1400" u="none" cap="none" strike="noStrike">
+        <a:defRPr sz="1400" b="0" i="0" u="none" strike="noStrike" cap="none">
           <a:solidFill>
             <a:srgbClr val="000000"/>
           </a:solidFill>
@@ -6736,7 +6826,7 @@
           <a:sym typeface="Arial"/>
         </a:defRPr>
       </a:lvl4pPr>
-      <a:lvl5pPr lvl="4" marR="0" rtl="0" algn="l">
+      <a:lvl5pPr marR="0" lvl="4" algn="l" rtl="0">
         <a:lnSpc>
           <a:spcPct val="100000"/>
         </a:lnSpc>
@@ -6750,7 +6840,7 @@
           <a:srgbClr val="000000"/>
         </a:buClr>
         <a:buFont typeface="Arial"/>
-        <a:defRPr b="0" i="0" sz="1400" u="none" cap="none" strike="noStrike">
+        <a:defRPr sz="1400" b="0" i="0" u="none" strike="noStrike" cap="none">
           <a:solidFill>
             <a:srgbClr val="000000"/>
           </a:solidFill>
@@ -6760,7 +6850,7 @@
           <a:sym typeface="Arial"/>
         </a:defRPr>
       </a:lvl5pPr>
-      <a:lvl6pPr lvl="5" marR="0" rtl="0" algn="l">
+      <a:lvl6pPr marR="0" lvl="5" algn="l" rtl="0">
         <a:lnSpc>
           <a:spcPct val="100000"/>
         </a:lnSpc>
@@ -6774,7 +6864,7 @@
           <a:srgbClr val="000000"/>
         </a:buClr>
         <a:buFont typeface="Arial"/>
-        <a:defRPr b="0" i="0" sz="1400" u="none" cap="none" strike="noStrike">
+        <a:defRPr sz="1400" b="0" i="0" u="none" strike="noStrike" cap="none">
           <a:solidFill>
             <a:srgbClr val="000000"/>
           </a:solidFill>
@@ -6784,7 +6874,7 @@
           <a:sym typeface="Arial"/>
         </a:defRPr>
       </a:lvl6pPr>
-      <a:lvl7pPr lvl="6" marR="0" rtl="0" algn="l">
+      <a:lvl7pPr marR="0" lvl="6" algn="l" rtl="0">
         <a:lnSpc>
           <a:spcPct val="100000"/>
         </a:lnSpc>
@@ -6798,7 +6888,7 @@
           <a:srgbClr val="000000"/>
         </a:buClr>
         <a:buFont typeface="Arial"/>
-        <a:defRPr b="0" i="0" sz="1400" u="none" cap="none" strike="noStrike">
+        <a:defRPr sz="1400" b="0" i="0" u="none" strike="noStrike" cap="none">
           <a:solidFill>
             <a:srgbClr val="000000"/>
           </a:solidFill>
@@ -6808,7 +6898,7 @@
           <a:sym typeface="Arial"/>
         </a:defRPr>
       </a:lvl7pPr>
-      <a:lvl8pPr lvl="7" marR="0" rtl="0" algn="l">
+      <a:lvl8pPr marR="0" lvl="7" algn="l" rtl="0">
         <a:lnSpc>
           <a:spcPct val="100000"/>
         </a:lnSpc>
@@ -6822,7 +6912,7 @@
           <a:srgbClr val="000000"/>
         </a:buClr>
         <a:buFont typeface="Arial"/>
-        <a:defRPr b="0" i="0" sz="1400" u="none" cap="none" strike="noStrike">
+        <a:defRPr sz="1400" b="0" i="0" u="none" strike="noStrike" cap="none">
           <a:solidFill>
             <a:srgbClr val="000000"/>
           </a:solidFill>
@@ -6832,7 +6922,7 @@
           <a:sym typeface="Arial"/>
         </a:defRPr>
       </a:lvl8pPr>
-      <a:lvl9pPr lvl="8" marR="0" rtl="0" algn="l">
+      <a:lvl9pPr marR="0" lvl="8" algn="l" rtl="0">
         <a:lnSpc>
           <a:spcPct val="100000"/>
         </a:lnSpc>
@@ -6846,7 +6936,7 @@
           <a:srgbClr val="000000"/>
         </a:buClr>
         <a:buFont typeface="Arial"/>
-        <a:defRPr b="0" i="0" sz="1400" u="none" cap="none" strike="noStrike">
+        <a:defRPr sz="1400" b="0" i="0" u="none" strike="noStrike" cap="none">
           <a:solidFill>
             <a:srgbClr val="000000"/>
           </a:solidFill>
@@ -6858,7 +6948,7 @@
       </a:lvl9pPr>
     </p:titleStyle>
     <p:bodyStyle>
-      <a:defPPr lvl="0" marR="0" rtl="0" algn="l">
+      <a:defPPr marR="0" lvl="0" algn="l" rtl="0">
         <a:lnSpc>
           <a:spcPct val="100000"/>
         </a:lnSpc>
@@ -6869,7 +6959,7 @@
           <a:spcPts val="0"/>
         </a:spcAft>
       </a:defPPr>
-      <a:lvl1pPr lvl="0" marR="0" rtl="0" algn="l">
+      <a:lvl1pPr marR="0" lvl="0" algn="l" rtl="0">
         <a:lnSpc>
           <a:spcPct val="100000"/>
         </a:lnSpc>
@@ -6883,7 +6973,7 @@
           <a:srgbClr val="000000"/>
         </a:buClr>
         <a:buFont typeface="Arial"/>
-        <a:defRPr b="0" i="0" sz="1400" u="none" cap="none" strike="noStrike">
+        <a:defRPr sz="1400" b="0" i="0" u="none" strike="noStrike" cap="none">
           <a:solidFill>
             <a:srgbClr val="000000"/>
           </a:solidFill>
@@ -6893,7 +6983,7 @@
           <a:sym typeface="Arial"/>
         </a:defRPr>
       </a:lvl1pPr>
-      <a:lvl2pPr lvl="1" marR="0" rtl="0" algn="l">
+      <a:lvl2pPr marR="0" lvl="1" algn="l" rtl="0">
         <a:lnSpc>
           <a:spcPct val="100000"/>
         </a:lnSpc>
@@ -6907,7 +6997,7 @@
           <a:srgbClr val="000000"/>
         </a:buClr>
         <a:buFont typeface="Arial"/>
-        <a:defRPr b="0" i="0" sz="1400" u="none" cap="none" strike="noStrike">
+        <a:defRPr sz="1400" b="0" i="0" u="none" strike="noStrike" cap="none">
           <a:solidFill>
             <a:srgbClr val="000000"/>
           </a:solidFill>
@@ -6917,7 +7007,7 @@
           <a:sym typeface="Arial"/>
         </a:defRPr>
       </a:lvl2pPr>
-      <a:lvl3pPr lvl="2" marR="0" rtl="0" algn="l">
+      <a:lvl3pPr marR="0" lvl="2" algn="l" rtl="0">
         <a:lnSpc>
           <a:spcPct val="100000"/>
         </a:lnSpc>
@@ -6931,7 +7021,7 @@
           <a:srgbClr val="000000"/>
         </a:buClr>
         <a:buFont typeface="Arial"/>
-        <a:defRPr b="0" i="0" sz="1400" u="none" cap="none" strike="noStrike">
+        <a:defRPr sz="1400" b="0" i="0" u="none" strike="noStrike" cap="none">
           <a:solidFill>
             <a:srgbClr val="000000"/>
           </a:solidFill>
@@ -6941,7 +7031,7 @@
           <a:sym typeface="Arial"/>
         </a:defRPr>
       </a:lvl3pPr>
-      <a:lvl4pPr lvl="3" marR="0" rtl="0" algn="l">
+      <a:lvl4pPr marR="0" lvl="3" algn="l" rtl="0">
         <a:lnSpc>
           <a:spcPct val="100000"/>
         </a:lnSpc>
@@ -6955,7 +7045,7 @@
           <a:srgbClr val="000000"/>
         </a:buClr>
         <a:buFont typeface="Arial"/>
-        <a:defRPr b="0" i="0" sz="1400" u="none" cap="none" strike="noStrike">
+        <a:defRPr sz="1400" b="0" i="0" u="none" strike="noStrike" cap="none">
           <a:solidFill>
             <a:srgbClr val="000000"/>
           </a:solidFill>
@@ -6965,7 +7055,7 @@
           <a:sym typeface="Arial"/>
         </a:defRPr>
       </a:lvl4pPr>
-      <a:lvl5pPr lvl="4" marR="0" rtl="0" algn="l">
+      <a:lvl5pPr marR="0" lvl="4" algn="l" rtl="0">
         <a:lnSpc>
           <a:spcPct val="100000"/>
         </a:lnSpc>
@@ -6979,7 +7069,7 @@
           <a:srgbClr val="000000"/>
         </a:buClr>
         <a:buFont typeface="Arial"/>
-        <a:defRPr b="0" i="0" sz="1400" u="none" cap="none" strike="noStrike">
+        <a:defRPr sz="1400" b="0" i="0" u="none" strike="noStrike" cap="none">
           <a:solidFill>
             <a:srgbClr val="000000"/>
           </a:solidFill>
@@ -6989,7 +7079,7 @@
           <a:sym typeface="Arial"/>
         </a:defRPr>
       </a:lvl5pPr>
-      <a:lvl6pPr lvl="5" marR="0" rtl="0" algn="l">
+      <a:lvl6pPr marR="0" lvl="5" algn="l" rtl="0">
         <a:lnSpc>
           <a:spcPct val="100000"/>
         </a:lnSpc>
@@ -7003,7 +7093,7 @@
           <a:srgbClr val="000000"/>
         </a:buClr>
         <a:buFont typeface="Arial"/>
-        <a:defRPr b="0" i="0" sz="1400" u="none" cap="none" strike="noStrike">
+        <a:defRPr sz="1400" b="0" i="0" u="none" strike="noStrike" cap="none">
           <a:solidFill>
             <a:srgbClr val="000000"/>
           </a:solidFill>
@@ -7013,7 +7103,7 @@
           <a:sym typeface="Arial"/>
         </a:defRPr>
       </a:lvl6pPr>
-      <a:lvl7pPr lvl="6" marR="0" rtl="0" algn="l">
+      <a:lvl7pPr marR="0" lvl="6" algn="l" rtl="0">
         <a:lnSpc>
           <a:spcPct val="100000"/>
         </a:lnSpc>
@@ -7027,7 +7117,7 @@
           <a:srgbClr val="000000"/>
         </a:buClr>
         <a:buFont typeface="Arial"/>
-        <a:defRPr b="0" i="0" sz="1400" u="none" cap="none" strike="noStrike">
+        <a:defRPr sz="1400" b="0" i="0" u="none" strike="noStrike" cap="none">
           <a:solidFill>
             <a:srgbClr val="000000"/>
           </a:solidFill>
@@ -7037,7 +7127,7 @@
           <a:sym typeface="Arial"/>
         </a:defRPr>
       </a:lvl7pPr>
-      <a:lvl8pPr lvl="7" marR="0" rtl="0" algn="l">
+      <a:lvl8pPr marR="0" lvl="7" algn="l" rtl="0">
         <a:lnSpc>
           <a:spcPct val="100000"/>
         </a:lnSpc>
@@ -7051,7 +7141,7 @@
           <a:srgbClr val="000000"/>
         </a:buClr>
         <a:buFont typeface="Arial"/>
-        <a:defRPr b="0" i="0" sz="1400" u="none" cap="none" strike="noStrike">
+        <a:defRPr sz="1400" b="0" i="0" u="none" strike="noStrike" cap="none">
           <a:solidFill>
             <a:srgbClr val="000000"/>
           </a:solidFill>
@@ -7061,7 +7151,7 @@
           <a:sym typeface="Arial"/>
         </a:defRPr>
       </a:lvl8pPr>
-      <a:lvl9pPr lvl="8" marR="0" rtl="0" algn="l">
+      <a:lvl9pPr marR="0" lvl="8" algn="l" rtl="0">
         <a:lnSpc>
           <a:spcPct val="100000"/>
         </a:lnSpc>
@@ -7075,7 +7165,7 @@
           <a:srgbClr val="000000"/>
         </a:buClr>
         <a:buFont typeface="Arial"/>
-        <a:defRPr b="0" i="0" sz="1400" u="none" cap="none" strike="noStrike">
+        <a:defRPr sz="1400" b="0" i="0" u="none" strike="noStrike" cap="none">
           <a:solidFill>
             <a:srgbClr val="000000"/>
           </a:solidFill>
@@ -7087,7 +7177,7 @@
       </a:lvl9pPr>
     </p:bodyStyle>
     <p:otherStyle>
-      <a:defPPr lvl="0" marR="0" rtl="0" algn="l">
+      <a:defPPr marR="0" lvl="0" algn="l" rtl="0">
         <a:lnSpc>
           <a:spcPct val="100000"/>
         </a:lnSpc>
@@ -7098,7 +7188,7 @@
           <a:spcPts val="0"/>
         </a:spcAft>
       </a:defPPr>
-      <a:lvl1pPr lvl="0" marR="0" rtl="0" algn="l">
+      <a:lvl1pPr marR="0" lvl="0" algn="l" rtl="0">
         <a:lnSpc>
           <a:spcPct val="100000"/>
         </a:lnSpc>
@@ -7112,7 +7202,7 @@
           <a:srgbClr val="000000"/>
         </a:buClr>
         <a:buFont typeface="Arial"/>
-        <a:defRPr b="0" i="0" sz="1400" u="none" cap="none" strike="noStrike">
+        <a:defRPr sz="1400" b="0" i="0" u="none" strike="noStrike" cap="none">
           <a:solidFill>
             <a:srgbClr val="000000"/>
           </a:solidFill>
@@ -7122,7 +7212,7 @@
           <a:sym typeface="Arial"/>
         </a:defRPr>
       </a:lvl1pPr>
-      <a:lvl2pPr lvl="1" marR="0" rtl="0" algn="l">
+      <a:lvl2pPr marR="0" lvl="1" algn="l" rtl="0">
         <a:lnSpc>
           <a:spcPct val="100000"/>
         </a:lnSpc>
@@ -7136,7 +7226,7 @@
           <a:srgbClr val="000000"/>
         </a:buClr>
         <a:buFont typeface="Arial"/>
-        <a:defRPr b="0" i="0" sz="1400" u="none" cap="none" strike="noStrike">
+        <a:defRPr sz="1400" b="0" i="0" u="none" strike="noStrike" cap="none">
           <a:solidFill>
             <a:srgbClr val="000000"/>
           </a:solidFill>
@@ -7146,7 +7236,7 @@
           <a:sym typeface="Arial"/>
         </a:defRPr>
       </a:lvl2pPr>
-      <a:lvl3pPr lvl="2" marR="0" rtl="0" algn="l">
+      <a:lvl3pPr marR="0" lvl="2" algn="l" rtl="0">
         <a:lnSpc>
           <a:spcPct val="100000"/>
         </a:lnSpc>
@@ -7160,7 +7250,7 @@
           <a:srgbClr val="000000"/>
         </a:buClr>
         <a:buFont typeface="Arial"/>
-        <a:defRPr b="0" i="0" sz="1400" u="none" cap="none" strike="noStrike">
+        <a:defRPr sz="1400" b="0" i="0" u="none" strike="noStrike" cap="none">
           <a:solidFill>
             <a:srgbClr val="000000"/>
           </a:solidFill>
@@ -7170,7 +7260,7 @@
           <a:sym typeface="Arial"/>
         </a:defRPr>
       </a:lvl3pPr>
-      <a:lvl4pPr lvl="3" marR="0" rtl="0" algn="l">
+      <a:lvl4pPr marR="0" lvl="3" algn="l" rtl="0">
         <a:lnSpc>
           <a:spcPct val="100000"/>
         </a:lnSpc>
@@ -7184,7 +7274,7 @@
           <a:srgbClr val="000000"/>
         </a:buClr>
         <a:buFont typeface="Arial"/>
-        <a:defRPr b="0" i="0" sz="1400" u="none" cap="none" strike="noStrike">
+        <a:defRPr sz="1400" b="0" i="0" u="none" strike="noStrike" cap="none">
           <a:solidFill>
             <a:srgbClr val="000000"/>
           </a:solidFill>
@@ -7194,7 +7284,7 @@
           <a:sym typeface="Arial"/>
         </a:defRPr>
       </a:lvl4pPr>
-      <a:lvl5pPr lvl="4" marR="0" rtl="0" algn="l">
+      <a:lvl5pPr marR="0" lvl="4" algn="l" rtl="0">
         <a:lnSpc>
           <a:spcPct val="100000"/>
         </a:lnSpc>
@@ -7208,7 +7298,7 @@
           <a:srgbClr val="000000"/>
         </a:buClr>
         <a:buFont typeface="Arial"/>
-        <a:defRPr b="0" i="0" sz="1400" u="none" cap="none" strike="noStrike">
+        <a:defRPr sz="1400" b="0" i="0" u="none" strike="noStrike" cap="none">
           <a:solidFill>
             <a:srgbClr val="000000"/>
           </a:solidFill>
@@ -7218,7 +7308,7 @@
           <a:sym typeface="Arial"/>
         </a:defRPr>
       </a:lvl5pPr>
-      <a:lvl6pPr lvl="5" marR="0" rtl="0" algn="l">
+      <a:lvl6pPr marR="0" lvl="5" algn="l" rtl="0">
         <a:lnSpc>
           <a:spcPct val="100000"/>
         </a:lnSpc>
@@ -7232,7 +7322,7 @@
           <a:srgbClr val="000000"/>
         </a:buClr>
         <a:buFont typeface="Arial"/>
-        <a:defRPr b="0" i="0" sz="1400" u="none" cap="none" strike="noStrike">
+        <a:defRPr sz="1400" b="0" i="0" u="none" strike="noStrike" cap="none">
           <a:solidFill>
             <a:srgbClr val="000000"/>
           </a:solidFill>
@@ -7242,7 +7332,7 @@
           <a:sym typeface="Arial"/>
         </a:defRPr>
       </a:lvl6pPr>
-      <a:lvl7pPr lvl="6" marR="0" rtl="0" algn="l">
+      <a:lvl7pPr marR="0" lvl="6" algn="l" rtl="0">
         <a:lnSpc>
           <a:spcPct val="100000"/>
         </a:lnSpc>
@@ -7256,7 +7346,7 @@
           <a:srgbClr val="000000"/>
         </a:buClr>
         <a:buFont typeface="Arial"/>
-        <a:defRPr b="0" i="0" sz="1400" u="none" cap="none" strike="noStrike">
+        <a:defRPr sz="1400" b="0" i="0" u="none" strike="noStrike" cap="none">
           <a:solidFill>
             <a:srgbClr val="000000"/>
           </a:solidFill>
@@ -7266,7 +7356,7 @@
           <a:sym typeface="Arial"/>
         </a:defRPr>
       </a:lvl7pPr>
-      <a:lvl8pPr lvl="7" marR="0" rtl="0" algn="l">
+      <a:lvl8pPr marR="0" lvl="7" algn="l" rtl="0">
         <a:lnSpc>
           <a:spcPct val="100000"/>
         </a:lnSpc>
@@ -7280,7 +7370,7 @@
           <a:srgbClr val="000000"/>
         </a:buClr>
         <a:buFont typeface="Arial"/>
-        <a:defRPr b="0" i="0" sz="1400" u="none" cap="none" strike="noStrike">
+        <a:defRPr sz="1400" b="0" i="0" u="none" strike="noStrike" cap="none">
           <a:solidFill>
             <a:srgbClr val="000000"/>
           </a:solidFill>
@@ -7290,7 +7380,7 @@
           <a:sym typeface="Arial"/>
         </a:defRPr>
       </a:lvl8pPr>
-      <a:lvl9pPr lvl="8" marR="0" rtl="0" algn="l">
+      <a:lvl9pPr marR="0" lvl="8" algn="l" rtl="0">
         <a:lnSpc>
           <a:spcPct val="100000"/>
         </a:lnSpc>
@@ -7304,7 +7394,7 @@
           <a:srgbClr val="000000"/>
         </a:buClr>
         <a:buFont typeface="Arial"/>
-        <a:defRPr b="0" i="0" sz="1400" u="none" cap="none" strike="noStrike">
+        <a:defRPr sz="1400" b="0" i="0" u="none" strike="noStrike" cap="none">
           <a:solidFill>
             <a:srgbClr val="000000"/>
           </a:solidFill>
@@ -7320,11 +7410,11 @@
 </file>
 
 <file path=ppt/slides/slide1.xml><?xml version="1.0" encoding="utf-8"?>
-<p:sld xmlns:a="http://schemas.openxmlformats.org/drawingml/2006/main" xmlns:r="http://schemas.openxmlformats.org/officeDocument/2006/relationships" xmlns:mc="http://schemas.openxmlformats.org/markup-compatibility/2006" xmlns:mv="urn:schemas-microsoft-com:mac:vml" xmlns:p="http://schemas.openxmlformats.org/presentationml/2006/main" xmlns:c="http://schemas.openxmlformats.org/drawingml/2006/chart" xmlns:dgm="http://schemas.openxmlformats.org/drawingml/2006/diagram" xmlns:o="urn:schemas-microsoft-com:office:office" xmlns:v="urn:schemas-microsoft-com:vml" xmlns:pvml="urn:schemas-microsoft-com:office:powerpoint" xmlns:com="http://schemas.openxmlformats.org/drawingml/2006/compatibility" xmlns:p14="http://schemas.microsoft.com/office/powerpoint/2010/main" xmlns:p15="http://schemas.microsoft.com/office/powerpoint/2012/main" xmlns:ahyp="http://schemas.microsoft.com/office/drawing/2018/hyperlinkcolor">
+<p:sld xmlns:a="http://schemas.openxmlformats.org/drawingml/2006/main" xmlns:r="http://schemas.openxmlformats.org/officeDocument/2006/relationships" xmlns:p="http://schemas.openxmlformats.org/presentationml/2006/main">
   <p:cSld>
     <p:spTree>
       <p:nvGrpSpPr>
-        <p:cNvPr id="57" name="Shape 57"/>
+        <p:cNvPr id="1" name="Shape 57"/>
         <p:cNvGrpSpPr/>
         <p:nvPr/>
       </p:nvGrpSpPr>
@@ -7339,7 +7429,9 @@
       <p:sp>
         <p:nvSpPr>
           <p:cNvPr id="58" name="Google Shape;58;p12"/>
-          <p:cNvSpPr txBox="1"/>
+          <p:cNvSpPr txBox="1">
+            <a:spLocks noGrp="1"/>
+          </p:cNvSpPr>
           <p:nvPr>
             <p:ph type="ctrTitle"/>
           </p:nvPr>
@@ -7357,12 +7449,12 @@
           </a:ln>
         </p:spPr>
         <p:txBody>
-          <a:bodyPr anchorCtr="0" anchor="b" bIns="91425" lIns="91425" spcFirstLastPara="1" rIns="91425" wrap="square" tIns="91425">
+          <a:bodyPr spcFirstLastPara="1" wrap="square" lIns="91425" tIns="91425" rIns="91425" bIns="91425" anchor="b" anchorCtr="0">
             <a:noAutofit/>
           </a:bodyPr>
           <a:lstStyle/>
           <a:p>
-            <a:pPr indent="0" lvl="0" marL="0" rtl="0" algn="ctr">
+            <a:pPr marL="0" lvl="0" indent="0" algn="ctr" rtl="0">
               <a:spcBef>
                 <a:spcPts val="0"/>
               </a:spcBef>
@@ -7383,9 +7475,11 @@
       <p:sp>
         <p:nvSpPr>
           <p:cNvPr id="59" name="Google Shape;59;p12"/>
-          <p:cNvSpPr txBox="1"/>
+          <p:cNvSpPr txBox="1">
+            <a:spLocks noGrp="1"/>
+          </p:cNvSpPr>
           <p:nvPr>
-            <p:ph idx="1" type="subTitle"/>
+            <p:ph type="subTitle" idx="1"/>
           </p:nvPr>
         </p:nvSpPr>
         <p:spPr>
@@ -7398,12 +7492,12 @@
           </a:prstGeom>
         </p:spPr>
         <p:txBody>
-          <a:bodyPr anchorCtr="0" anchor="t" bIns="91425" lIns="91425" spcFirstLastPara="1" rIns="91425" wrap="square" tIns="91425">
+          <a:bodyPr spcFirstLastPara="1" wrap="square" lIns="91425" tIns="91425" rIns="91425" bIns="91425" anchor="t" anchorCtr="0">
             <a:normAutofit/>
           </a:bodyPr>
           <a:lstStyle/>
           <a:p>
-            <a:pPr indent="0" lvl="0" marL="0" rtl="0" algn="ctr">
+            <a:pPr marL="0" lvl="0" indent="0" algn="ctr" rtl="0">
               <a:spcBef>
                 <a:spcPts val="0"/>
               </a:spcBef>
@@ -7423,9 +7517,11 @@
       <p:sp>
         <p:nvSpPr>
           <p:cNvPr id="60" name="Google Shape;60;p12"/>
-          <p:cNvSpPr txBox="1"/>
+          <p:cNvSpPr txBox="1">
+            <a:spLocks noGrp="1"/>
+          </p:cNvSpPr>
           <p:nvPr>
-            <p:ph idx="12" type="sldNum"/>
+            <p:ph type="sldNum" idx="12"/>
           </p:nvPr>
         </p:nvSpPr>
         <p:spPr>
@@ -7438,12 +7534,12 @@
           </a:prstGeom>
         </p:spPr>
         <p:txBody>
-          <a:bodyPr anchorCtr="0" anchor="ctr" bIns="91425" lIns="91425" spcFirstLastPara="1" rIns="91425" wrap="square" tIns="91425">
+          <a:bodyPr spcFirstLastPara="1" wrap="square" lIns="91425" tIns="91425" rIns="91425" bIns="91425" anchor="ctr" anchorCtr="0">
             <a:noAutofit/>
           </a:bodyPr>
           <a:lstStyle/>
           <a:p>
-            <a:pPr indent="0" lvl="0" marL="0" rtl="0" algn="l">
+            <a:pPr marL="0" lvl="0" indent="0" algn="l" rtl="0">
               <a:spcBef>
                 <a:spcPts val="0"/>
               </a:spcBef>
@@ -7454,7 +7550,7 @@
             </a:pPr>
             <a:fld id="{00000000-1234-1234-1234-123412341234}" type="slidenum">
               <a:rPr lang="en"/>
-              <a:t>‹#›</a:t>
+              <a:t>1</a:t>
             </a:fld>
             <a:r>
               <a:rPr lang="en"/>
@@ -7467,9 +7563,11 @@
       <p:sp>
         <p:nvSpPr>
           <p:cNvPr id="61" name="Google Shape;61;p12"/>
-          <p:cNvSpPr txBox="1"/>
+          <p:cNvSpPr txBox="1">
+            <a:spLocks noGrp="1"/>
+          </p:cNvSpPr>
           <p:nvPr>
-            <p:ph idx="2" type="subTitle"/>
+            <p:ph type="subTitle" idx="2"/>
           </p:nvPr>
         </p:nvSpPr>
         <p:spPr>
@@ -7482,12 +7580,12 @@
           </a:prstGeom>
         </p:spPr>
         <p:txBody>
-          <a:bodyPr anchorCtr="0" anchor="t" bIns="91425" lIns="91425" spcFirstLastPara="1" rIns="91425" wrap="square" tIns="91425">
+          <a:bodyPr spcFirstLastPara="1" wrap="square" lIns="91425" tIns="91425" rIns="91425" bIns="91425" anchor="t" anchorCtr="0">
             <a:normAutofit/>
           </a:bodyPr>
           <a:lstStyle/>
           <a:p>
-            <a:pPr indent="0" lvl="0" marL="0" rtl="0" algn="ctr">
+            <a:pPr marL="0" lvl="0" indent="0" algn="ctr" rtl="0">
               <a:spcBef>
                 <a:spcPts val="0"/>
               </a:spcBef>
@@ -7498,18 +7596,10 @@
               <a:buNone/>
             </a:pPr>
             <a:r>
-              <a:rPr lang="en" sz="1200"/>
-              <a:t>Academic Supervisor</a:t>
+              <a:rPr lang="en" sz="1200" dirty="0"/>
+              <a:t>Academic Supervisor: Marina G. Ivanova, lead engineer at Nexign</a:t>
             </a:r>
-            <a:r>
-              <a:rPr lang="en" sz="1200"/>
-              <a:t>: Marina G. Ivanova</a:t>
-            </a:r>
-            <a:r>
-              <a:rPr lang="en" sz="1200"/>
-              <a:t>, lead engineer at Nexign</a:t>
-            </a:r>
-            <a:endParaRPr sz="1200"/>
+            <a:endParaRPr sz="1200" dirty="0"/>
           </a:p>
         </p:txBody>
       </p:sp>
@@ -7522,11 +7612,11 @@
 </file>
 
 <file path=ppt/slides/slide10.xml><?xml version="1.0" encoding="utf-8"?>
-<p:sld xmlns:a="http://schemas.openxmlformats.org/drawingml/2006/main" xmlns:r="http://schemas.openxmlformats.org/officeDocument/2006/relationships" xmlns:mc="http://schemas.openxmlformats.org/markup-compatibility/2006" xmlns:mv="urn:schemas-microsoft-com:mac:vml" xmlns:p="http://schemas.openxmlformats.org/presentationml/2006/main" xmlns:c="http://schemas.openxmlformats.org/drawingml/2006/chart" xmlns:dgm="http://schemas.openxmlformats.org/drawingml/2006/diagram" xmlns:o="urn:schemas-microsoft-com:office:office" xmlns:v="urn:schemas-microsoft-com:vml" xmlns:pvml="urn:schemas-microsoft-com:office:powerpoint" xmlns:com="http://schemas.openxmlformats.org/drawingml/2006/compatibility" xmlns:p14="http://schemas.microsoft.com/office/powerpoint/2010/main" xmlns:p15="http://schemas.microsoft.com/office/powerpoint/2012/main" xmlns:ahyp="http://schemas.microsoft.com/office/drawing/2018/hyperlinkcolor">
+<p:sld xmlns:a="http://schemas.openxmlformats.org/drawingml/2006/main" xmlns:r="http://schemas.openxmlformats.org/officeDocument/2006/relationships" xmlns:p="http://schemas.openxmlformats.org/presentationml/2006/main">
   <p:cSld>
     <p:spTree>
       <p:nvGrpSpPr>
-        <p:cNvPr id="134" name="Shape 134"/>
+        <p:cNvPr id="1" name="Shape 134"/>
         <p:cNvGrpSpPr/>
         <p:nvPr/>
       </p:nvGrpSpPr>
@@ -7541,7 +7631,9 @@
       <p:sp>
         <p:nvSpPr>
           <p:cNvPr id="135" name="Google Shape;135;p21"/>
-          <p:cNvSpPr txBox="1"/>
+          <p:cNvSpPr txBox="1">
+            <a:spLocks noGrp="1"/>
+          </p:cNvSpPr>
           <p:nvPr>
             <p:ph type="title"/>
           </p:nvPr>
@@ -7556,12 +7648,12 @@
           </a:prstGeom>
         </p:spPr>
         <p:txBody>
-          <a:bodyPr anchorCtr="0" anchor="t" bIns="91425" lIns="91425" spcFirstLastPara="1" rIns="91425" wrap="square" tIns="91425">
+          <a:bodyPr spcFirstLastPara="1" wrap="square" lIns="91425" tIns="91425" rIns="91425" bIns="91425" anchor="t" anchorCtr="0">
             <a:normAutofit fontScale="90000"/>
           </a:bodyPr>
           <a:lstStyle/>
           <a:p>
-            <a:pPr indent="0" lvl="0" marL="0" rtl="0" algn="ctr">
+            <a:pPr marL="0" lvl="0" indent="0" algn="ctr" rtl="0">
               <a:spcBef>
                 <a:spcPts val="0"/>
               </a:spcBef>
@@ -7581,9 +7673,11 @@
       <p:sp>
         <p:nvSpPr>
           <p:cNvPr id="136" name="Google Shape;136;p21"/>
-          <p:cNvSpPr txBox="1"/>
+          <p:cNvSpPr txBox="1">
+            <a:spLocks noGrp="1"/>
+          </p:cNvSpPr>
           <p:nvPr>
-            <p:ph idx="1" type="body"/>
+            <p:ph type="body" idx="1"/>
           </p:nvPr>
         </p:nvSpPr>
         <p:spPr>
@@ -7596,12 +7690,12 @@
           </a:prstGeom>
         </p:spPr>
         <p:txBody>
-          <a:bodyPr anchorCtr="0" anchor="t" bIns="91425" lIns="91425" spcFirstLastPara="1" rIns="91425" wrap="square" tIns="91425">
+          <a:bodyPr spcFirstLastPara="1" wrap="square" lIns="91425" tIns="91425" rIns="91425" bIns="91425" anchor="t" anchorCtr="0">
             <a:normAutofit/>
           </a:bodyPr>
           <a:lstStyle/>
           <a:p>
-            <a:pPr indent="-323850" lvl="0" marL="457200" rtl="0" algn="l">
+            <a:pPr marL="457200" lvl="0" indent="-323850" algn="l" rtl="0">
               <a:spcBef>
                 <a:spcPts val="0"/>
               </a:spcBef>
@@ -7618,7 +7712,7 @@
             <a:endParaRPr sz="1500"/>
           </a:p>
           <a:p>
-            <a:pPr indent="-323850" lvl="1" marL="914400" rtl="0" algn="l">
+            <a:pPr marL="914400" lvl="1" indent="-323850" algn="l" rtl="0">
               <a:spcBef>
                 <a:spcPts val="0"/>
               </a:spcBef>
@@ -7635,7 +7729,7 @@
             <a:endParaRPr sz="1500"/>
           </a:p>
           <a:p>
-            <a:pPr indent="-323850" lvl="1" marL="914400" rtl="0" algn="l">
+            <a:pPr marL="914400" lvl="1" indent="-323850" algn="l" rtl="0">
               <a:spcBef>
                 <a:spcPts val="0"/>
               </a:spcBef>
@@ -7652,7 +7746,7 @@
             <a:endParaRPr sz="1500"/>
           </a:p>
           <a:p>
-            <a:pPr indent="-323850" lvl="1" marL="914400" rtl="0" algn="l">
+            <a:pPr marL="914400" lvl="1" indent="-323850" algn="l" rtl="0">
               <a:spcBef>
                 <a:spcPts val="0"/>
               </a:spcBef>
@@ -7669,7 +7763,7 @@
             <a:endParaRPr sz="1500"/>
           </a:p>
           <a:p>
-            <a:pPr indent="-323850" lvl="1" marL="914400" rtl="0" algn="l">
+            <a:pPr marL="914400" lvl="1" indent="-323850" algn="l" rtl="0">
               <a:spcBef>
                 <a:spcPts val="0"/>
               </a:spcBef>
@@ -7686,7 +7780,7 @@
             <a:endParaRPr sz="1500"/>
           </a:p>
           <a:p>
-            <a:pPr indent="-323850" lvl="1" marL="914400" rtl="0" algn="l">
+            <a:pPr marL="914400" lvl="1" indent="-323850" algn="l" rtl="0">
               <a:spcBef>
                 <a:spcPts val="0"/>
               </a:spcBef>
@@ -7703,7 +7797,7 @@
             <a:endParaRPr sz="1500"/>
           </a:p>
           <a:p>
-            <a:pPr indent="-323850" lvl="0" marL="457200" rtl="0" algn="l">
+            <a:pPr marL="457200" lvl="0" indent="-323850" algn="l" rtl="0">
               <a:spcBef>
                 <a:spcPts val="0"/>
               </a:spcBef>
@@ -7720,7 +7814,7 @@
             <a:endParaRPr sz="1500"/>
           </a:p>
           <a:p>
-            <a:pPr indent="-323850" lvl="0" marL="457200" rtl="0" algn="l">
+            <a:pPr marL="457200" lvl="0" indent="-323850" algn="l" rtl="0">
               <a:spcBef>
                 <a:spcPts val="0"/>
               </a:spcBef>
@@ -7737,7 +7831,7 @@
             <a:endParaRPr sz="1500"/>
           </a:p>
           <a:p>
-            <a:pPr indent="0" lvl="0" marL="457200" rtl="0" algn="l">
+            <a:pPr marL="457200" lvl="0" indent="0" algn="l" rtl="0">
               <a:spcBef>
                 <a:spcPts val="1200"/>
               </a:spcBef>
@@ -7746,9 +7840,6 @@
               </a:spcAft>
               <a:buNone/>
             </a:pPr>
-            <a:r>
-              <a:t/>
-            </a:r>
             <a:endParaRPr sz="1500"/>
           </a:p>
         </p:txBody>
@@ -7756,9 +7847,11 @@
       <p:sp>
         <p:nvSpPr>
           <p:cNvPr id="137" name="Google Shape;137;p21"/>
-          <p:cNvSpPr txBox="1"/>
+          <p:cNvSpPr txBox="1">
+            <a:spLocks noGrp="1"/>
+          </p:cNvSpPr>
           <p:nvPr>
-            <p:ph idx="12" type="sldNum"/>
+            <p:ph type="sldNum" idx="12"/>
           </p:nvPr>
         </p:nvSpPr>
         <p:spPr>
@@ -7771,12 +7864,12 @@
           </a:prstGeom>
         </p:spPr>
         <p:txBody>
-          <a:bodyPr anchorCtr="0" anchor="ctr" bIns="91425" lIns="91425" spcFirstLastPara="1" rIns="91425" wrap="square" tIns="91425">
+          <a:bodyPr spcFirstLastPara="1" wrap="square" lIns="91425" tIns="91425" rIns="91425" bIns="91425" anchor="ctr" anchorCtr="0">
             <a:noAutofit/>
           </a:bodyPr>
           <a:lstStyle/>
           <a:p>
-            <a:pPr indent="0" lvl="0" marL="0" rtl="0" algn="l">
+            <a:pPr marL="0" lvl="0" indent="0" algn="l" rtl="0">
               <a:spcBef>
                 <a:spcPts val="0"/>
               </a:spcBef>
@@ -7787,7 +7880,7 @@
             </a:pPr>
             <a:fld id="{00000000-1234-1234-1234-123412341234}" type="slidenum">
               <a:rPr lang="en"/>
-              <a:t>‹#›</a:t>
+              <a:t>10</a:t>
             </a:fld>
             <a:r>
               <a:rPr lang="en"/>
@@ -7806,11 +7899,11 @@
 </file>
 
 <file path=ppt/slides/slide11.xml><?xml version="1.0" encoding="utf-8"?>
-<p:sld xmlns:a="http://schemas.openxmlformats.org/drawingml/2006/main" xmlns:r="http://schemas.openxmlformats.org/officeDocument/2006/relationships" xmlns:mc="http://schemas.openxmlformats.org/markup-compatibility/2006" xmlns:mv="urn:schemas-microsoft-com:mac:vml" xmlns:p="http://schemas.openxmlformats.org/presentationml/2006/main" xmlns:c="http://schemas.openxmlformats.org/drawingml/2006/chart" xmlns:dgm="http://schemas.openxmlformats.org/drawingml/2006/diagram" xmlns:o="urn:schemas-microsoft-com:office:office" xmlns:v="urn:schemas-microsoft-com:vml" xmlns:pvml="urn:schemas-microsoft-com:office:powerpoint" xmlns:com="http://schemas.openxmlformats.org/drawingml/2006/compatibility" xmlns:p14="http://schemas.microsoft.com/office/powerpoint/2010/main" xmlns:p15="http://schemas.microsoft.com/office/powerpoint/2012/main" xmlns:ahyp="http://schemas.microsoft.com/office/drawing/2018/hyperlinkcolor">
+<p:sld xmlns:a="http://schemas.openxmlformats.org/drawingml/2006/main" xmlns:r="http://schemas.openxmlformats.org/officeDocument/2006/relationships" xmlns:p="http://schemas.openxmlformats.org/presentationml/2006/main">
   <p:cSld>
     <p:spTree>
       <p:nvGrpSpPr>
-        <p:cNvPr id="141" name="Shape 141"/>
+        <p:cNvPr id="1" name="Shape 141"/>
         <p:cNvGrpSpPr/>
         <p:nvPr/>
       </p:nvGrpSpPr>
@@ -7825,7 +7918,9 @@
       <p:sp>
         <p:nvSpPr>
           <p:cNvPr id="142" name="Google Shape;142;p22"/>
-          <p:cNvSpPr txBox="1"/>
+          <p:cNvSpPr txBox="1">
+            <a:spLocks noGrp="1"/>
+          </p:cNvSpPr>
           <p:nvPr>
             <p:ph type="title"/>
           </p:nvPr>
@@ -7840,12 +7935,12 @@
           </a:prstGeom>
         </p:spPr>
         <p:txBody>
-          <a:bodyPr anchorCtr="0" anchor="t" bIns="91425" lIns="91425" spcFirstLastPara="1" rIns="91425" wrap="square" tIns="91425">
+          <a:bodyPr spcFirstLastPara="1" wrap="square" lIns="91425" tIns="91425" rIns="91425" bIns="91425" anchor="t" anchorCtr="0">
             <a:normAutofit fontScale="90000"/>
           </a:bodyPr>
           <a:lstStyle/>
           <a:p>
-            <a:pPr indent="0" lvl="0" marL="0" rtl="0" algn="ctr">
+            <a:pPr marL="0" lvl="0" indent="0" algn="ctr" rtl="0">
               <a:spcBef>
                 <a:spcPts val="0"/>
               </a:spcBef>
@@ -7865,9 +7960,11 @@
       <p:sp>
         <p:nvSpPr>
           <p:cNvPr id="143" name="Google Shape;143;p22"/>
-          <p:cNvSpPr txBox="1"/>
+          <p:cNvSpPr txBox="1">
+            <a:spLocks noGrp="1"/>
+          </p:cNvSpPr>
           <p:nvPr>
-            <p:ph idx="12" type="sldNum"/>
+            <p:ph type="sldNum" idx="12"/>
           </p:nvPr>
         </p:nvSpPr>
         <p:spPr>
@@ -7880,12 +7977,12 @@
           </a:prstGeom>
         </p:spPr>
         <p:txBody>
-          <a:bodyPr anchorCtr="0" anchor="ctr" bIns="91425" lIns="91425" spcFirstLastPara="1" rIns="91425" wrap="square" tIns="91425">
+          <a:bodyPr spcFirstLastPara="1" wrap="square" lIns="91425" tIns="91425" rIns="91425" bIns="91425" anchor="ctr" anchorCtr="0">
             <a:noAutofit/>
           </a:bodyPr>
           <a:lstStyle/>
           <a:p>
-            <a:pPr indent="0" lvl="0" marL="0" rtl="0" algn="l">
+            <a:pPr marL="0" lvl="0" indent="0" algn="l" rtl="0">
               <a:spcBef>
                 <a:spcPts val="0"/>
               </a:spcBef>
@@ -7896,7 +7993,7 @@
             </a:pPr>
             <a:fld id="{00000000-1234-1234-1234-123412341234}" type="slidenum">
               <a:rPr lang="en"/>
-              <a:t>‹#›</a:t>
+              <a:t>11</a:t>
             </a:fld>
             <a:r>
               <a:rPr lang="en"/>
@@ -7954,12 +8051,12 @@
           </a:ln>
         </p:spPr>
         <p:txBody>
-          <a:bodyPr anchorCtr="0" anchor="t" bIns="91425" lIns="91425" spcFirstLastPara="1" rIns="91425" wrap="square" tIns="91425">
+          <a:bodyPr spcFirstLastPara="1" wrap="square" lIns="91425" tIns="91425" rIns="91425" bIns="91425" anchor="t" anchorCtr="0">
             <a:noAutofit/>
           </a:bodyPr>
           <a:lstStyle/>
           <a:p>
-            <a:pPr indent="0" lvl="0" marL="0" rtl="0" algn="ctr">
+            <a:pPr marL="0" lvl="0" indent="0" algn="ctr" rtl="0">
               <a:spcBef>
                 <a:spcPts val="0"/>
               </a:spcBef>
@@ -7994,11 +8091,11 @@
 </file>
 
 <file path=ppt/slides/slide2.xml><?xml version="1.0" encoding="utf-8"?>
-<p:sld xmlns:a="http://schemas.openxmlformats.org/drawingml/2006/main" xmlns:r="http://schemas.openxmlformats.org/officeDocument/2006/relationships" xmlns:mc="http://schemas.openxmlformats.org/markup-compatibility/2006" xmlns:mv="urn:schemas-microsoft-com:mac:vml" xmlns:p="http://schemas.openxmlformats.org/presentationml/2006/main" xmlns:c="http://schemas.openxmlformats.org/drawingml/2006/chart" xmlns:dgm="http://schemas.openxmlformats.org/drawingml/2006/diagram" xmlns:o="urn:schemas-microsoft-com:office:office" xmlns:v="urn:schemas-microsoft-com:vml" xmlns:pvml="urn:schemas-microsoft-com:office:powerpoint" xmlns:com="http://schemas.openxmlformats.org/drawingml/2006/compatibility" xmlns:p14="http://schemas.microsoft.com/office/powerpoint/2010/main" xmlns:p15="http://schemas.microsoft.com/office/powerpoint/2012/main" xmlns:ahyp="http://schemas.microsoft.com/office/drawing/2018/hyperlinkcolor">
+<p:sld xmlns:a="http://schemas.openxmlformats.org/drawingml/2006/main" xmlns:r="http://schemas.openxmlformats.org/officeDocument/2006/relationships" xmlns:p="http://schemas.openxmlformats.org/presentationml/2006/main">
   <p:cSld>
     <p:spTree>
       <p:nvGrpSpPr>
-        <p:cNvPr id="65" name="Shape 65"/>
+        <p:cNvPr id="1" name="Shape 65"/>
         <p:cNvGrpSpPr/>
         <p:nvPr/>
       </p:nvGrpSpPr>
@@ -8013,7 +8110,9 @@
       <p:sp>
         <p:nvSpPr>
           <p:cNvPr id="66" name="Google Shape;66;p13"/>
-          <p:cNvSpPr txBox="1"/>
+          <p:cNvSpPr txBox="1">
+            <a:spLocks noGrp="1"/>
+          </p:cNvSpPr>
           <p:nvPr>
             <p:ph type="title"/>
           </p:nvPr>
@@ -8028,12 +8127,12 @@
           </a:prstGeom>
         </p:spPr>
         <p:txBody>
-          <a:bodyPr anchorCtr="0" anchor="t" bIns="91425" lIns="91425" spcFirstLastPara="1" rIns="91425" wrap="square" tIns="91425">
+          <a:bodyPr spcFirstLastPara="1" wrap="square" lIns="91425" tIns="91425" rIns="91425" bIns="91425" anchor="t" anchorCtr="0">
             <a:normAutofit fontScale="90000"/>
           </a:bodyPr>
           <a:lstStyle/>
           <a:p>
-            <a:pPr indent="0" lvl="0" marL="0" rtl="0" algn="ctr">
+            <a:pPr marL="0" lvl="0" indent="0" algn="ctr" rtl="0">
               <a:spcBef>
                 <a:spcPts val="0"/>
               </a:spcBef>
@@ -8053,9 +8152,11 @@
       <p:sp>
         <p:nvSpPr>
           <p:cNvPr id="67" name="Google Shape;67;p13"/>
-          <p:cNvSpPr txBox="1"/>
+          <p:cNvSpPr txBox="1">
+            <a:spLocks noGrp="1"/>
+          </p:cNvSpPr>
           <p:nvPr>
-            <p:ph idx="1" type="body"/>
+            <p:ph type="body" idx="1"/>
           </p:nvPr>
         </p:nvSpPr>
         <p:spPr>
@@ -8068,12 +8169,12 @@
           </a:prstGeom>
         </p:spPr>
         <p:txBody>
-          <a:bodyPr anchorCtr="0" anchor="t" bIns="91425" lIns="91425" spcFirstLastPara="1" rIns="91425" wrap="square" tIns="91425">
+          <a:bodyPr spcFirstLastPara="1" wrap="square" lIns="91425" tIns="91425" rIns="91425" bIns="91425" anchor="t" anchorCtr="0">
             <a:normAutofit/>
           </a:bodyPr>
           <a:lstStyle/>
           <a:p>
-            <a:pPr indent="0" lvl="0" marL="0" rtl="0" algn="l">
+            <a:pPr marL="0" lvl="0" indent="0" algn="l" rtl="0">
               <a:spcBef>
                 <a:spcPts val="0"/>
               </a:spcBef>
@@ -8084,20 +8185,12 @@
             </a:pPr>
             <a:r>
               <a:rPr lang="en"/>
-              <a:t>DSL – Domain Specific Language, in this case basically a </a:t>
-            </a:r>
-            <a:r>
-              <a:rPr lang="en"/>
-              <a:t>small</a:t>
-            </a:r>
-            <a:r>
-              <a:rPr lang="en"/>
-              <a:t> programming language for our specific domain inside another programming language - Kotlin.</a:t>
+              <a:t>DSL – Domain Specific Language, in this case basically a small programming language for our specific domain inside another programming language - Kotlin.</a:t>
             </a:r>
             <a:endParaRPr/>
           </a:p>
           <a:p>
-            <a:pPr indent="0" lvl="0" marL="0" rtl="0" algn="l">
+            <a:pPr marL="0" lvl="0" indent="0" algn="l" rtl="0">
               <a:spcBef>
                 <a:spcPts val="1200"/>
               </a:spcBef>
@@ -8108,15 +8201,7 @@
             </a:pPr>
             <a:r>
               <a:rPr lang="en" sz="1000"/>
-              <a:t>Great Kotlin DSL </a:t>
-            </a:r>
-            <a:r>
-              <a:rPr lang="en" sz="1000"/>
-              <a:t>examples</a:t>
-            </a:r>
-            <a:r>
-              <a:rPr lang="en" sz="1000"/>
-              <a:t> can be found here </a:t>
+              <a:t>Great Kotlin DSL examples can be found here </a:t>
             </a:r>
             <a:r>
               <a:rPr lang="en" sz="1000" u="sng">
@@ -8134,9 +8219,11 @@
       <p:sp>
         <p:nvSpPr>
           <p:cNvPr id="68" name="Google Shape;68;p13"/>
-          <p:cNvSpPr txBox="1"/>
+          <p:cNvSpPr txBox="1">
+            <a:spLocks noGrp="1"/>
+          </p:cNvSpPr>
           <p:nvPr>
-            <p:ph idx="12" type="sldNum"/>
+            <p:ph type="sldNum" idx="12"/>
           </p:nvPr>
         </p:nvSpPr>
         <p:spPr>
@@ -8149,12 +8236,12 @@
           </a:prstGeom>
         </p:spPr>
         <p:txBody>
-          <a:bodyPr anchorCtr="0" anchor="ctr" bIns="91425" lIns="91425" spcFirstLastPara="1" rIns="91425" wrap="square" tIns="91425">
+          <a:bodyPr spcFirstLastPara="1" wrap="square" lIns="91425" tIns="91425" rIns="91425" bIns="91425" anchor="ctr" anchorCtr="0">
             <a:noAutofit/>
           </a:bodyPr>
           <a:lstStyle/>
           <a:p>
-            <a:pPr indent="0" lvl="0" marL="0" rtl="0" algn="l">
+            <a:pPr marL="0" lvl="0" indent="0" algn="l" rtl="0">
               <a:spcBef>
                 <a:spcPts val="0"/>
               </a:spcBef>
@@ -8165,7 +8252,7 @@
             </a:pPr>
             <a:fld id="{00000000-1234-1234-1234-123412341234}" type="slidenum">
               <a:rPr lang="en"/>
-              <a:t>‹#›</a:t>
+              <a:t>2</a:t>
             </a:fld>
             <a:r>
               <a:rPr lang="en"/>
@@ -8251,12 +8338,12 @@
           </a:ln>
         </p:spPr>
         <p:txBody>
-          <a:bodyPr anchorCtr="0" anchor="t" bIns="91425" lIns="91425" spcFirstLastPara="1" rIns="91425" wrap="square" tIns="91425">
+          <a:bodyPr spcFirstLastPara="1" wrap="square" lIns="91425" tIns="91425" rIns="91425" bIns="91425" anchor="t" anchorCtr="0">
             <a:noAutofit/>
           </a:bodyPr>
           <a:lstStyle/>
           <a:p>
-            <a:pPr indent="0" lvl="0" marL="0" rtl="0" algn="l">
+            <a:pPr marL="0" lvl="0" indent="0" algn="l" rtl="0">
               <a:spcBef>
                 <a:spcPts val="0"/>
               </a:spcBef>
@@ -8318,11 +8405,11 @@
 </file>
 
 <file path=ppt/slides/slide3.xml><?xml version="1.0" encoding="utf-8"?>
-<p:sld xmlns:a="http://schemas.openxmlformats.org/drawingml/2006/main" xmlns:r="http://schemas.openxmlformats.org/officeDocument/2006/relationships" xmlns:mc="http://schemas.openxmlformats.org/markup-compatibility/2006" xmlns:mv="urn:schemas-microsoft-com:mac:vml" xmlns:p="http://schemas.openxmlformats.org/presentationml/2006/main" xmlns:c="http://schemas.openxmlformats.org/drawingml/2006/chart" xmlns:dgm="http://schemas.openxmlformats.org/drawingml/2006/diagram" xmlns:o="urn:schemas-microsoft-com:office:office" xmlns:v="urn:schemas-microsoft-com:vml" xmlns:pvml="urn:schemas-microsoft-com:office:powerpoint" xmlns:com="http://schemas.openxmlformats.org/drawingml/2006/compatibility" xmlns:p14="http://schemas.microsoft.com/office/powerpoint/2010/main" xmlns:p15="http://schemas.microsoft.com/office/powerpoint/2012/main" xmlns:ahyp="http://schemas.microsoft.com/office/drawing/2018/hyperlinkcolor">
+<p:sld xmlns:a="http://schemas.openxmlformats.org/drawingml/2006/main" xmlns:r="http://schemas.openxmlformats.org/officeDocument/2006/relationships" xmlns:p="http://schemas.openxmlformats.org/presentationml/2006/main">
   <p:cSld>
     <p:spTree>
       <p:nvGrpSpPr>
-        <p:cNvPr id="76" name="Shape 76"/>
+        <p:cNvPr id="1" name="Shape 76"/>
         <p:cNvGrpSpPr/>
         <p:nvPr/>
       </p:nvGrpSpPr>
@@ -8337,7 +8424,9 @@
       <p:sp>
         <p:nvSpPr>
           <p:cNvPr id="77" name="Google Shape;77;p14"/>
-          <p:cNvSpPr txBox="1"/>
+          <p:cNvSpPr txBox="1">
+            <a:spLocks noGrp="1"/>
+          </p:cNvSpPr>
           <p:nvPr>
             <p:ph type="title"/>
           </p:nvPr>
@@ -8352,12 +8441,12 @@
           </a:prstGeom>
         </p:spPr>
         <p:txBody>
-          <a:bodyPr anchorCtr="0" anchor="t" bIns="91425" lIns="91425" spcFirstLastPara="1" rIns="91425" wrap="square" tIns="91425">
+          <a:bodyPr spcFirstLastPara="1" wrap="square" lIns="91425" tIns="91425" rIns="91425" bIns="91425" anchor="t" anchorCtr="0">
             <a:normAutofit fontScale="90000"/>
           </a:bodyPr>
           <a:lstStyle/>
           <a:p>
-            <a:pPr indent="0" lvl="0" marL="0" rtl="0" algn="ctr">
+            <a:pPr marL="0" lvl="0" indent="0" algn="ctr" rtl="0">
               <a:spcBef>
                 <a:spcPts val="0"/>
               </a:spcBef>
@@ -8377,9 +8466,11 @@
       <p:sp>
         <p:nvSpPr>
           <p:cNvPr id="78" name="Google Shape;78;p14"/>
-          <p:cNvSpPr txBox="1"/>
+          <p:cNvSpPr txBox="1">
+            <a:spLocks noGrp="1"/>
+          </p:cNvSpPr>
           <p:nvPr>
-            <p:ph idx="12" type="sldNum"/>
+            <p:ph type="sldNum" idx="12"/>
           </p:nvPr>
         </p:nvSpPr>
         <p:spPr>
@@ -8392,12 +8483,12 @@
           </a:prstGeom>
         </p:spPr>
         <p:txBody>
-          <a:bodyPr anchorCtr="0" anchor="ctr" bIns="91425" lIns="91425" spcFirstLastPara="1" rIns="91425" wrap="square" tIns="91425">
+          <a:bodyPr spcFirstLastPara="1" wrap="square" lIns="91425" tIns="91425" rIns="91425" bIns="91425" anchor="ctr" anchorCtr="0">
             <a:noAutofit/>
           </a:bodyPr>
           <a:lstStyle/>
           <a:p>
-            <a:pPr indent="0" lvl="0" marL="0" rtl="0" algn="l">
+            <a:pPr marL="0" lvl="0" indent="0" algn="l" rtl="0">
               <a:spcBef>
                 <a:spcPts val="0"/>
               </a:spcBef>
@@ -8408,7 +8499,7 @@
             </a:pPr>
             <a:fld id="{00000000-1234-1234-1234-123412341234}" type="slidenum">
               <a:rPr lang="en"/>
-              <a:t>‹#›</a:t>
+              <a:t>3</a:t>
             </a:fld>
             <a:r>
               <a:rPr lang="en"/>
@@ -8438,12 +8529,12 @@
           </a:ln>
         </p:spPr>
         <p:txBody>
-          <a:bodyPr anchorCtr="0" anchor="t" bIns="91425" lIns="91425" spcFirstLastPara="1" rIns="91425" wrap="square" tIns="91425">
+          <a:bodyPr spcFirstLastPara="1" wrap="square" lIns="91425" tIns="91425" rIns="91425" bIns="91425" anchor="t" anchorCtr="0">
             <a:spAutoFit/>
           </a:bodyPr>
           <a:lstStyle/>
           <a:p>
-            <a:pPr indent="0" lvl="0" marL="0" rtl="0" algn="l">
+            <a:pPr marL="0" lvl="0" indent="0" algn="l" rtl="0">
               <a:spcBef>
                 <a:spcPts val="0"/>
               </a:spcBef>
@@ -8453,7 +8544,7 @@
               <a:buNone/>
             </a:pPr>
             <a:r>
-              <a:rPr b="1" lang="en" sz="1700"/>
+              <a:rPr lang="en" sz="1700" b="1"/>
               <a:t>Nexign</a:t>
             </a:r>
             <a:r>
@@ -8463,7 +8554,7 @@
             <a:endParaRPr sz="1700"/>
           </a:p>
           <a:p>
-            <a:pPr indent="457200" lvl="0" marL="0" rtl="0" algn="l">
+            <a:pPr marL="0" lvl="0" indent="457200" algn="l" rtl="0">
               <a:spcBef>
                 <a:spcPts val="0"/>
               </a:spcBef>
@@ -8474,20 +8565,12 @@
             </a:pPr>
             <a:r>
               <a:rPr lang="en" sz="1700"/>
-              <a:t>    </a:t>
-            </a:r>
-            <a:r>
-              <a:rPr lang="en" sz="1700"/>
-              <a:t>a</a:t>
-            </a:r>
-            <a:r>
-              <a:rPr lang="en" sz="1700"/>
-              <a:t>nd business digitalization solutions developer, Russia’s first</a:t>
+              <a:t>    and business digitalization solutions developer, Russia’s first</a:t>
             </a:r>
             <a:endParaRPr sz="1700"/>
           </a:p>
           <a:p>
-            <a:pPr indent="457200" lvl="0" marL="0" rtl="0" algn="l">
+            <a:pPr marL="0" lvl="0" indent="457200" algn="l" rtl="0">
               <a:spcBef>
                 <a:spcPts val="0"/>
               </a:spcBef>
@@ -8552,12 +8635,12 @@
           </a:ln>
         </p:spPr>
         <p:txBody>
-          <a:bodyPr anchorCtr="0" anchor="t" bIns="91425" lIns="91425" spcFirstLastPara="1" rIns="91425" wrap="square" tIns="91425">
+          <a:bodyPr spcFirstLastPara="1" wrap="square" lIns="91425" tIns="91425" rIns="91425" bIns="91425" anchor="t" anchorCtr="0">
             <a:noAutofit/>
           </a:bodyPr>
           <a:lstStyle/>
           <a:p>
-            <a:pPr indent="0" lvl="0" marL="0" rtl="0" algn="l">
+            <a:pPr marL="0" lvl="0" indent="0" algn="l" rtl="0">
               <a:spcBef>
                 <a:spcPts val="0"/>
               </a:spcBef>
@@ -8602,12 +8685,12 @@
           </a:ln>
         </p:spPr>
         <p:txBody>
-          <a:bodyPr anchorCtr="0" anchor="t" bIns="91425" lIns="91425" spcFirstLastPara="1" rIns="91425" wrap="square" tIns="91425">
+          <a:bodyPr spcFirstLastPara="1" wrap="square" lIns="91425" tIns="91425" rIns="91425" bIns="91425" anchor="t" anchorCtr="0">
             <a:noAutofit/>
           </a:bodyPr>
           <a:lstStyle/>
           <a:p>
-            <a:pPr indent="0" lvl="0" marL="0" rtl="0" algn="l">
+            <a:pPr marL="0" lvl="0" indent="0" algn="l" rtl="0">
               <a:spcBef>
                 <a:spcPts val="0"/>
               </a:spcBef>
@@ -8641,11 +8724,11 @@
 </file>
 
 <file path=ppt/slides/slide4.xml><?xml version="1.0" encoding="utf-8"?>
-<p:sld xmlns:a="http://schemas.openxmlformats.org/drawingml/2006/main" xmlns:r="http://schemas.openxmlformats.org/officeDocument/2006/relationships" xmlns:mc="http://schemas.openxmlformats.org/markup-compatibility/2006" xmlns:mv="urn:schemas-microsoft-com:mac:vml" xmlns:p="http://schemas.openxmlformats.org/presentationml/2006/main" xmlns:c="http://schemas.openxmlformats.org/drawingml/2006/chart" xmlns:dgm="http://schemas.openxmlformats.org/drawingml/2006/diagram" xmlns:o="urn:schemas-microsoft-com:office:office" xmlns:v="urn:schemas-microsoft-com:vml" xmlns:pvml="urn:schemas-microsoft-com:office:powerpoint" xmlns:com="http://schemas.openxmlformats.org/drawingml/2006/compatibility" xmlns:p14="http://schemas.microsoft.com/office/powerpoint/2010/main" xmlns:p15="http://schemas.microsoft.com/office/powerpoint/2012/main" xmlns:ahyp="http://schemas.microsoft.com/office/drawing/2018/hyperlinkcolor">
+<p:sld xmlns:a="http://schemas.openxmlformats.org/drawingml/2006/main" xmlns:r="http://schemas.openxmlformats.org/officeDocument/2006/relationships" xmlns:p="http://schemas.openxmlformats.org/presentationml/2006/main">
   <p:cSld>
     <p:spTree>
       <p:nvGrpSpPr>
-        <p:cNvPr id="86" name="Shape 86"/>
+        <p:cNvPr id="1" name="Shape 86"/>
         <p:cNvGrpSpPr/>
         <p:nvPr/>
       </p:nvGrpSpPr>
@@ -8660,7 +8743,9 @@
       <p:sp>
         <p:nvSpPr>
           <p:cNvPr id="87" name="Google Shape;87;p15"/>
-          <p:cNvSpPr txBox="1"/>
+          <p:cNvSpPr txBox="1">
+            <a:spLocks noGrp="1"/>
+          </p:cNvSpPr>
           <p:nvPr>
             <p:ph type="title"/>
           </p:nvPr>
@@ -8675,12 +8760,12 @@
           </a:prstGeom>
         </p:spPr>
         <p:txBody>
-          <a:bodyPr anchorCtr="0" anchor="t" bIns="91425" lIns="91425" spcFirstLastPara="1" rIns="91425" wrap="square" tIns="91425">
+          <a:bodyPr spcFirstLastPara="1" wrap="square" lIns="91425" tIns="91425" rIns="91425" bIns="91425" anchor="t" anchorCtr="0">
             <a:normAutofit fontScale="90000"/>
           </a:bodyPr>
           <a:lstStyle/>
           <a:p>
-            <a:pPr indent="0" lvl="0" marL="0" rtl="0" algn="ctr">
+            <a:pPr marL="0" lvl="0" indent="0" algn="ctr" rtl="0">
               <a:spcBef>
                 <a:spcPts val="0"/>
               </a:spcBef>
@@ -8700,9 +8785,11 @@
       <p:sp>
         <p:nvSpPr>
           <p:cNvPr id="88" name="Google Shape;88;p15"/>
-          <p:cNvSpPr txBox="1"/>
+          <p:cNvSpPr txBox="1">
+            <a:spLocks noGrp="1"/>
+          </p:cNvSpPr>
           <p:nvPr>
-            <p:ph idx="1" type="body"/>
+            <p:ph type="body" idx="1"/>
           </p:nvPr>
         </p:nvSpPr>
         <p:spPr>
@@ -8715,12 +8802,12 @@
           </a:prstGeom>
         </p:spPr>
         <p:txBody>
-          <a:bodyPr anchorCtr="0" anchor="t" bIns="91425" lIns="91425" spcFirstLastPara="1" rIns="91425" wrap="square" tIns="91425">
+          <a:bodyPr spcFirstLastPara="1" wrap="square" lIns="91425" tIns="91425" rIns="91425" bIns="91425" anchor="t" anchorCtr="0">
             <a:normAutofit/>
           </a:bodyPr>
           <a:lstStyle/>
           <a:p>
-            <a:pPr indent="-330200" lvl="0" marL="457200" rtl="0" algn="l">
+            <a:pPr marL="457200" lvl="0" indent="-330200" algn="l" rtl="0">
               <a:spcBef>
                 <a:spcPts val="0"/>
               </a:spcBef>
@@ -8732,20 +8819,12 @@
             </a:pPr>
             <a:r>
               <a:rPr lang="en" sz="1600"/>
-              <a:t>Research and </a:t>
-            </a:r>
-            <a:r>
-              <a:rPr lang="en" sz="1600"/>
-              <a:t>analyze</a:t>
-            </a:r>
-            <a:r>
-              <a:rPr lang="en" sz="1600"/>
-              <a:t> existing analogues, their advantages and disadvantages</a:t>
+              <a:t>Research and analyze existing analogues, their advantages and disadvantages</a:t>
             </a:r>
             <a:endParaRPr sz="1600"/>
           </a:p>
           <a:p>
-            <a:pPr indent="-330200" lvl="0" marL="457200" rtl="0" algn="l">
+            <a:pPr marL="457200" lvl="0" indent="-330200" algn="l" rtl="0">
               <a:spcBef>
                 <a:spcPts val="0"/>
               </a:spcBef>
@@ -8762,7 +8841,7 @@
             <a:endParaRPr sz="1600"/>
           </a:p>
           <a:p>
-            <a:pPr indent="-330200" lvl="0" marL="457200" rtl="0" algn="l">
+            <a:pPr marL="457200" lvl="0" indent="-330200" algn="l" rtl="0">
               <a:spcBef>
                 <a:spcPts val="0"/>
               </a:spcBef>
@@ -8779,7 +8858,7 @@
             <a:endParaRPr sz="1600"/>
           </a:p>
           <a:p>
-            <a:pPr indent="-330200" lvl="0" marL="457200" rtl="0" algn="l">
+            <a:pPr marL="457200" lvl="0" indent="-330200" algn="l" rtl="0">
               <a:spcBef>
                 <a:spcPts val="0"/>
               </a:spcBef>
@@ -8796,7 +8875,7 @@
             <a:endParaRPr sz="1600"/>
           </a:p>
           <a:p>
-            <a:pPr indent="-330200" lvl="0" marL="457200" rtl="0" algn="l">
+            <a:pPr marL="457200" lvl="0" indent="-330200" algn="l" rtl="0">
               <a:spcBef>
                 <a:spcPts val="0"/>
               </a:spcBef>
@@ -8808,16 +8887,12 @@
             </a:pPr>
             <a:r>
               <a:rPr lang="en" sz="1600"/>
-              <a:t>Proof of the concept</a:t>
-            </a:r>
-            <a:r>
-              <a:rPr lang="en" sz="1600"/>
-              <a:t>, functionality check. Get user experience feedback</a:t>
+              <a:t>Proof of the concept, functionality check. Get user experience feedback</a:t>
             </a:r>
             <a:endParaRPr sz="1600"/>
           </a:p>
           <a:p>
-            <a:pPr indent="0" lvl="0" marL="457200" rtl="0" algn="l">
+            <a:pPr marL="457200" lvl="0" indent="0" algn="l" rtl="0">
               <a:spcBef>
                 <a:spcPts val="1200"/>
               </a:spcBef>
@@ -8826,9 +8901,6 @@
               </a:spcAft>
               <a:buNone/>
             </a:pPr>
-            <a:r>
-              <a:t/>
-            </a:r>
             <a:endParaRPr sz="1600"/>
           </a:p>
         </p:txBody>
@@ -8836,9 +8908,11 @@
       <p:sp>
         <p:nvSpPr>
           <p:cNvPr id="89" name="Google Shape;89;p15"/>
-          <p:cNvSpPr txBox="1"/>
+          <p:cNvSpPr txBox="1">
+            <a:spLocks noGrp="1"/>
+          </p:cNvSpPr>
           <p:nvPr>
-            <p:ph idx="12" type="sldNum"/>
+            <p:ph type="sldNum" idx="12"/>
           </p:nvPr>
         </p:nvSpPr>
         <p:spPr>
@@ -8851,12 +8925,12 @@
           </a:prstGeom>
         </p:spPr>
         <p:txBody>
-          <a:bodyPr anchorCtr="0" anchor="ctr" bIns="91425" lIns="91425" spcFirstLastPara="1" rIns="91425" wrap="square" tIns="91425">
+          <a:bodyPr spcFirstLastPara="1" wrap="square" lIns="91425" tIns="91425" rIns="91425" bIns="91425" anchor="ctr" anchorCtr="0">
             <a:noAutofit/>
           </a:bodyPr>
           <a:lstStyle/>
           <a:p>
-            <a:pPr indent="0" lvl="0" marL="0" rtl="0" algn="l">
+            <a:pPr marL="0" lvl="0" indent="0" algn="l" rtl="0">
               <a:spcBef>
                 <a:spcPts val="0"/>
               </a:spcBef>
@@ -8867,7 +8941,7 @@
             </a:pPr>
             <a:fld id="{00000000-1234-1234-1234-123412341234}" type="slidenum">
               <a:rPr lang="en"/>
-              <a:t>‹#›</a:t>
+              <a:t>4</a:t>
             </a:fld>
             <a:r>
               <a:rPr lang="en"/>
@@ -8897,12 +8971,12 @@
           </a:ln>
         </p:spPr>
         <p:txBody>
-          <a:bodyPr anchorCtr="0" anchor="t" bIns="91425" lIns="91425" spcFirstLastPara="1" rIns="91425" wrap="square" tIns="91425">
+          <a:bodyPr spcFirstLastPara="1" wrap="square" lIns="91425" tIns="91425" rIns="91425" bIns="91425" anchor="t" anchorCtr="0">
             <a:spAutoFit/>
           </a:bodyPr>
           <a:lstStyle/>
           <a:p>
-            <a:pPr indent="0" lvl="0" marL="0" rtl="0" algn="l">
+            <a:pPr marL="0" lvl="0" indent="0" algn="l" rtl="0">
               <a:spcBef>
                 <a:spcPts val="0"/>
               </a:spcBef>
@@ -8912,16 +8986,12 @@
               <a:buNone/>
             </a:pPr>
             <a:r>
-              <a:rPr b="1" lang="en" sz="1700"/>
+              <a:rPr lang="en" sz="1700" b="1"/>
               <a:t>Global goal</a:t>
             </a:r>
             <a:r>
               <a:rPr lang="en" sz="1700"/>
-              <a:t>: develop effective</a:t>
-            </a:r>
-            <a:r>
-              <a:rPr lang="en" sz="1700"/>
-              <a:t> Kotlin DSL for short, readable scenarios description and a compact engine for their execution, reducing amount of “human factor” errors (e.g. typos, types compatibility errors, etc.)</a:t>
+              <a:t>: develop effective Kotlin DSL for short, readable scenarios description and a compact engine for their execution, reducing amount of “human factor” errors (e.g. typos, types compatibility errors, etc.)</a:t>
             </a:r>
             <a:endParaRPr sz="1700"/>
           </a:p>
@@ -8936,11 +9006,11 @@
 </file>
 
 <file path=ppt/slides/slide5.xml><?xml version="1.0" encoding="utf-8"?>
-<p:sld xmlns:a="http://schemas.openxmlformats.org/drawingml/2006/main" xmlns:r="http://schemas.openxmlformats.org/officeDocument/2006/relationships" xmlns:mc="http://schemas.openxmlformats.org/markup-compatibility/2006" xmlns:mv="urn:schemas-microsoft-com:mac:vml" xmlns:p="http://schemas.openxmlformats.org/presentationml/2006/main" xmlns:c="http://schemas.openxmlformats.org/drawingml/2006/chart" xmlns:dgm="http://schemas.openxmlformats.org/drawingml/2006/diagram" xmlns:o="urn:schemas-microsoft-com:office:office" xmlns:v="urn:schemas-microsoft-com:vml" xmlns:pvml="urn:schemas-microsoft-com:office:powerpoint" xmlns:com="http://schemas.openxmlformats.org/drawingml/2006/compatibility" xmlns:p14="http://schemas.microsoft.com/office/powerpoint/2010/main" xmlns:p15="http://schemas.microsoft.com/office/powerpoint/2012/main" xmlns:ahyp="http://schemas.microsoft.com/office/drawing/2018/hyperlinkcolor">
+<p:sld xmlns:a="http://schemas.openxmlformats.org/drawingml/2006/main" xmlns:r="http://schemas.openxmlformats.org/officeDocument/2006/relationships" xmlns:p="http://schemas.openxmlformats.org/presentationml/2006/main">
   <p:cSld>
     <p:spTree>
       <p:nvGrpSpPr>
-        <p:cNvPr id="94" name="Shape 94"/>
+        <p:cNvPr id="1" name="Shape 94"/>
         <p:cNvGrpSpPr/>
         <p:nvPr/>
       </p:nvGrpSpPr>
@@ -8955,7 +9025,9 @@
       <p:sp>
         <p:nvSpPr>
           <p:cNvPr id="95" name="Google Shape;95;p16"/>
-          <p:cNvSpPr txBox="1"/>
+          <p:cNvSpPr txBox="1">
+            <a:spLocks noGrp="1"/>
+          </p:cNvSpPr>
           <p:nvPr>
             <p:ph type="title"/>
           </p:nvPr>
@@ -8970,12 +9042,12 @@
           </a:prstGeom>
         </p:spPr>
         <p:txBody>
-          <a:bodyPr anchorCtr="0" anchor="t" bIns="91425" lIns="91425" spcFirstLastPara="1" rIns="91425" wrap="square" tIns="91425">
+          <a:bodyPr spcFirstLastPara="1" wrap="square" lIns="91425" tIns="91425" rIns="91425" bIns="91425" anchor="t" anchorCtr="0">
             <a:normAutofit fontScale="90000"/>
           </a:bodyPr>
           <a:lstStyle/>
           <a:p>
-            <a:pPr indent="0" lvl="0" marL="0" rtl="0" algn="ctr">
+            <a:pPr marL="0" lvl="0" indent="0" algn="ctr" rtl="0">
               <a:spcBef>
                 <a:spcPts val="0"/>
               </a:spcBef>
@@ -8995,27 +9067,29 @@
       <p:sp>
         <p:nvSpPr>
           <p:cNvPr id="96" name="Google Shape;96;p16"/>
-          <p:cNvSpPr txBox="1"/>
+          <p:cNvSpPr txBox="1">
+            <a:spLocks noGrp="1"/>
+          </p:cNvSpPr>
           <p:nvPr>
-            <p:ph idx="1" type="body"/>
+            <p:ph type="body" idx="1"/>
           </p:nvPr>
         </p:nvSpPr>
         <p:spPr>
           <a:xfrm>
             <a:off x="317350" y="527989"/>
-            <a:ext cx="8520600" cy="463800"/>
+            <a:ext cx="8576670" cy="463800"/>
           </a:xfrm>
           <a:prstGeom prst="rect">
             <a:avLst/>
           </a:prstGeom>
         </p:spPr>
         <p:txBody>
-          <a:bodyPr anchorCtr="0" anchor="t" bIns="91425" lIns="91425" spcFirstLastPara="1" rIns="91425" wrap="square" tIns="91425">
-            <a:normAutofit fontScale="85000"/>
+          <a:bodyPr spcFirstLastPara="1" wrap="square" lIns="91425" tIns="91425" rIns="91425" bIns="91425" anchor="t" anchorCtr="0">
+            <a:noAutofit/>
           </a:bodyPr>
           <a:lstStyle/>
           <a:p>
-            <a:pPr indent="0" lvl="0" marL="457200" rtl="0" algn="l">
+            <a:pPr marL="457200" lvl="0" indent="0" algn="l" rtl="0">
               <a:spcBef>
                 <a:spcPts val="0"/>
               </a:spcBef>
@@ -9025,23 +9099,21 @@
               <a:buNone/>
             </a:pPr>
             <a:r>
-              <a:rPr lang="en" sz="1600"/>
-              <a:t>Frameworks / libraries and products for business </a:t>
+              <a:rPr lang="en" sz="1200" dirty="0"/>
+              <a:t>Frameworks / libraries and products for business processes/scenarios descriptioning and development</a:t>
             </a:r>
-            <a:r>
-              <a:rPr lang="en" sz="1600"/>
-              <a:t>processes/scenarios descriptioning and development</a:t>
-            </a:r>
-            <a:endParaRPr sz="1600"/>
+            <a:endParaRPr sz="1200" dirty="0"/>
           </a:p>
         </p:txBody>
       </p:sp>
       <p:sp>
         <p:nvSpPr>
           <p:cNvPr id="97" name="Google Shape;97;p16"/>
-          <p:cNvSpPr txBox="1"/>
+          <p:cNvSpPr txBox="1">
+            <a:spLocks noGrp="1"/>
+          </p:cNvSpPr>
           <p:nvPr>
-            <p:ph idx="12" type="sldNum"/>
+            <p:ph type="sldNum" idx="12"/>
           </p:nvPr>
         </p:nvSpPr>
         <p:spPr>
@@ -9054,12 +9126,12 @@
           </a:prstGeom>
         </p:spPr>
         <p:txBody>
-          <a:bodyPr anchorCtr="0" anchor="ctr" bIns="91425" lIns="91425" spcFirstLastPara="1" rIns="91425" wrap="square" tIns="91425">
+          <a:bodyPr spcFirstLastPara="1" wrap="square" lIns="91425" tIns="91425" rIns="91425" bIns="91425" anchor="ctr" anchorCtr="0">
             <a:noAutofit/>
           </a:bodyPr>
           <a:lstStyle/>
           <a:p>
-            <a:pPr indent="0" lvl="0" marL="0" rtl="0" algn="l">
+            <a:pPr marL="0" lvl="0" indent="0" algn="l" rtl="0">
               <a:spcBef>
                 <a:spcPts val="0"/>
               </a:spcBef>
@@ -9070,7 +9142,7 @@
             </a:pPr>
             <a:fld id="{00000000-1234-1234-1234-123412341234}" type="slidenum">
               <a:rPr lang="en"/>
-              <a:t>‹#›</a:t>
+              <a:t>5</a:t>
             </a:fld>
             <a:r>
               <a:rPr lang="en"/>
@@ -9088,7 +9160,7 @@
         </p:nvGraphicFramePr>
         <p:xfrm>
           <a:off x="311700" y="991875"/>
-          <a:ext cx="3000000" cy="3000000"/>
+          <a:ext cx="8520600" cy="2743170"/>
         </p:xfrm>
         <a:graphic>
           <a:graphicData uri="http://schemas.openxmlformats.org/drawingml/2006/table">
@@ -9098,9 +9170,27 @@
                 <a:tableStyleId>{95BD08CB-5402-4F76-929F-88009B81AF98}</a:tableStyleId>
               </a:tblPr>
               <a:tblGrid>
-                <a:gridCol w="2980200"/>
-                <a:gridCol w="2919050"/>
-                <a:gridCol w="2621350"/>
+                <a:gridCol w="2980200">
+                  <a:extLst>
+                    <a:ext uri="{9D8B030D-6E8A-4147-A177-3AD203B41FA5}">
+                      <a16:colId xmlns:a16="http://schemas.microsoft.com/office/drawing/2014/main" val="20000"/>
+                    </a:ext>
+                  </a:extLst>
+                </a:gridCol>
+                <a:gridCol w="2919050">
+                  <a:extLst>
+                    <a:ext uri="{9D8B030D-6E8A-4147-A177-3AD203B41FA5}">
+                      <a16:colId xmlns:a16="http://schemas.microsoft.com/office/drawing/2014/main" val="20001"/>
+                    </a:ext>
+                  </a:extLst>
+                </a:gridCol>
+                <a:gridCol w="2621350">
+                  <a:extLst>
+                    <a:ext uri="{9D8B030D-6E8A-4147-A177-3AD203B41FA5}">
+                      <a16:colId xmlns:a16="http://schemas.microsoft.com/office/drawing/2014/main" val="20002"/>
+                    </a:ext>
+                  </a:extLst>
+                </a:gridCol>
               </a:tblGrid>
               <a:tr h="2536125">
                 <a:tc>
@@ -9108,7 +9198,7 @@
                     <a:bodyPr/>
                     <a:lstStyle/>
                     <a:p>
-                      <a:pPr indent="0" lvl="0" marL="0" rtl="0" algn="l">
+                      <a:pPr marL="0" lvl="0" indent="0" algn="l" rtl="0">
                         <a:spcBef>
                           <a:spcPts val="0"/>
                         </a:spcBef>
@@ -9118,7 +9208,7 @@
                         <a:buNone/>
                       </a:pPr>
                       <a:r>
-                        <a:rPr b="1" lang="en" u="sng">
+                        <a:rPr lang="en" b="1" u="sng" dirty="0">
                           <a:solidFill>
                             <a:schemeClr val="hlink"/>
                           </a:solidFill>
@@ -9127,44 +9217,44 @@
                         <a:t>Cadence</a:t>
                       </a:r>
                       <a:r>
-                        <a:rPr b="1" lang="en"/>
+                        <a:rPr lang="en" b="1" dirty="0"/>
                         <a:t> </a:t>
                       </a:r>
                       <a:r>
-                        <a:rPr lang="en"/>
+                        <a:rPr lang="en" dirty="0"/>
                         <a:t>– </a:t>
                       </a:r>
                       <a:r>
-                        <a:rPr b="1" lang="en"/>
+                        <a:rPr lang="en" b="1" dirty="0"/>
                         <a:t>Golang </a:t>
                       </a:r>
                       <a:r>
-                        <a:rPr lang="en"/>
+                        <a:rPr lang="en" dirty="0"/>
                         <a:t>BPMN engine with libraries in Go, </a:t>
                       </a:r>
                       <a:r>
-                        <a:rPr b="1" lang="en"/>
+                        <a:rPr lang="en" b="1" dirty="0"/>
                         <a:t>Java</a:t>
                       </a:r>
                       <a:r>
-                        <a:rPr lang="en"/>
+                        <a:rPr lang="en" dirty="0"/>
                         <a:t>, Python and Ruby. </a:t>
                       </a:r>
                       <a:br>
-                        <a:rPr lang="en"/>
+                        <a:rPr lang="en" dirty="0"/>
                       </a:br>
                       <a:r>
-                        <a:rPr b="1" lang="en"/>
+                        <a:rPr lang="en" b="1" dirty="0"/>
                         <a:t>Open source</a:t>
                       </a:r>
                       <a:r>
-                        <a:rPr lang="en"/>
+                        <a:rPr lang="en" dirty="0"/>
                         <a:t>.</a:t>
                       </a:r>
-                      <a:endParaRPr/>
+                      <a:endParaRPr dirty="0"/>
                     </a:p>
                     <a:p>
-                      <a:pPr indent="0" lvl="0" marL="0" rtl="0" algn="l">
+                      <a:pPr marL="0" lvl="0" indent="0" algn="l" rtl="0">
                         <a:spcBef>
                           <a:spcPts val="0"/>
                         </a:spcBef>
@@ -9174,13 +9264,25 @@
                         <a:buNone/>
                       </a:pPr>
                       <a:r>
-                        <a:rPr lang="en"/>
+                        <a:rPr lang="en" dirty="0"/>
                         <a:t>Gigantic, covers the whole BPMN functionality, therefore is very complex. Lots of options and preferences for all and everything. Overexpandable for almost anything.</a:t>
                       </a:r>
-                      <a:endParaRPr/>
+                      <a:endParaRPr dirty="0"/>
                     </a:p>
                     <a:p>
-                      <a:pPr indent="0" lvl="0" marL="0" rtl="0" algn="l">
+                      <a:pPr marL="0" lvl="0" indent="0" algn="l" rtl="0">
+                        <a:spcBef>
+                          <a:spcPts val="0"/>
+                        </a:spcBef>
+                        <a:spcAft>
+                          <a:spcPts val="0"/>
+                        </a:spcAft>
+                        <a:buNone/>
+                      </a:pPr>
+                      <a:endParaRPr dirty="0"/>
+                    </a:p>
+                    <a:p>
+                      <a:pPr marL="0" lvl="0" indent="0" algn="l" rtl="0">
                         <a:spcBef>
                           <a:spcPts val="0"/>
                         </a:spcBef>
@@ -9190,35 +9292,20 @@
                         <a:buNone/>
                       </a:pPr>
                       <a:r>
-                        <a:t/>
-                      </a:r>
-                      <a:endParaRPr/>
-                    </a:p>
-                    <a:p>
-                      <a:pPr indent="0" lvl="0" marL="0" rtl="0" algn="l">
-                        <a:spcBef>
-                          <a:spcPts val="0"/>
-                        </a:spcBef>
-                        <a:spcAft>
-                          <a:spcPts val="0"/>
-                        </a:spcAft>
-                        <a:buNone/>
-                      </a:pPr>
-                      <a:r>
-                        <a:rPr lang="en"/>
+                        <a:rPr lang="en" dirty="0"/>
                         <a:t>Shortly said – overkill.</a:t>
                       </a:r>
-                      <a:endParaRPr/>
+                      <a:endParaRPr dirty="0"/>
                     </a:p>
                   </a:txBody>
-                  <a:tcPr marT="91425" marB="91425" marR="91425" marL="91425"/>
+                  <a:tcPr marL="91425" marR="91425" marT="91425" marB="91425"/>
                 </a:tc>
                 <a:tc>
                   <a:txBody>
                     <a:bodyPr/>
                     <a:lstStyle/>
                     <a:p>
-                      <a:pPr indent="0" lvl="0" marL="0" rtl="0" algn="l">
+                      <a:pPr marL="0" lvl="0" indent="0" algn="l" rtl="0">
                         <a:spcBef>
                           <a:spcPts val="0"/>
                         </a:spcBef>
@@ -9250,7 +9337,7 @@
                         <a:t>– BPMN framework, based on Cadence, easier in exploitation and customization, also </a:t>
                       </a:r>
                       <a:r>
-                        <a:rPr b="1" lang="en">
+                        <a:rPr lang="en" b="1">
                           <a:solidFill>
                             <a:schemeClr val="dk1"/>
                           </a:solidFill>
@@ -9266,7 +9353,7 @@
                         <a:t>also </a:t>
                       </a:r>
                       <a:r>
-                        <a:rPr b="1" lang="en">
+                        <a:rPr lang="en" b="1">
                           <a:solidFill>
                             <a:schemeClr val="dk1"/>
                           </a:solidFill>
@@ -9284,14 +9371,14 @@
                       <a:endParaRPr/>
                     </a:p>
                   </a:txBody>
-                  <a:tcPr marT="91425" marB="91425" marR="91425" marL="91425"/>
+                  <a:tcPr marL="91425" marR="91425" marT="91425" marB="91425"/>
                 </a:tc>
                 <a:tc>
                   <a:txBody>
                     <a:bodyPr/>
                     <a:lstStyle/>
                     <a:p>
-                      <a:pPr indent="0" lvl="0" marL="0" rtl="0" algn="l">
+                      <a:pPr marL="0" lvl="0" indent="0" algn="l" rtl="0">
                         <a:spcBef>
                           <a:spcPts val="0"/>
                         </a:spcBef>
@@ -9306,14 +9393,14 @@
                         <a:buNone/>
                       </a:pPr>
                       <a:r>
-                        <a:rPr lang="en" u="sng">
+                        <a:rPr lang="en" u="sng" dirty="0">
                           <a:solidFill>
                             <a:schemeClr val="accent5"/>
                           </a:solidFill>
                           <a:hlinkClick r:id="rId5">
                             <a:extLst>
                               <a:ext uri="{A12FA001-AC4F-418D-AE19-62706E023703}">
-                                <ahyp:hlinkClr val="tx"/>
+                                <ahyp:hlinkClr xmlns:ahyp="http://schemas.microsoft.com/office/drawing/2018/hyperlinkcolor" val="tx"/>
                               </a:ext>
                             </a:extLst>
                           </a:hlinkClick>
@@ -9321,18 +9408,23 @@
                         <a:t>iWF</a:t>
                       </a:r>
                       <a:r>
-                        <a:rPr lang="en">
+                        <a:rPr lang="en" dirty="0">
                           <a:solidFill>
                             <a:schemeClr val="dk1"/>
                           </a:solidFill>
                         </a:rPr>
                         <a:t> – BPMN framework based on Cadence, even easier than Temporal.</a:t>
                       </a:r>
-                      <a:endParaRPr/>
+                      <a:endParaRPr dirty="0"/>
                     </a:p>
                   </a:txBody>
-                  <a:tcPr marT="91425" marB="91425" marR="91425" marL="91425"/>
+                  <a:tcPr marL="91425" marR="91425" marT="91425" marB="91425"/>
                 </a:tc>
+                <a:extLst>
+                  <a:ext uri="{0D108BD9-81ED-4DB2-BD59-A6C34878D82A}">
+                    <a16:rowId xmlns:a16="http://schemas.microsoft.com/office/drawing/2014/main" val="10000"/>
+                  </a:ext>
+                </a:extLst>
               </a:tr>
             </a:tbl>
           </a:graphicData>
@@ -9358,12 +9450,12 @@
           </a:ln>
         </p:spPr>
         <p:txBody>
-          <a:bodyPr anchorCtr="0" anchor="t" bIns="91425" lIns="91425" spcFirstLastPara="1" rIns="91425" wrap="square" tIns="91425">
+          <a:bodyPr spcFirstLastPara="1" wrap="square" lIns="91425" tIns="91425" rIns="91425" bIns="91425" anchor="t" anchorCtr="0">
             <a:noAutofit/>
           </a:bodyPr>
           <a:lstStyle/>
           <a:p>
-            <a:pPr indent="0" lvl="0" marL="0" rtl="0" algn="l">
+            <a:pPr marL="0" lvl="0" indent="0" algn="l" rtl="0">
               <a:spcBef>
                 <a:spcPts val="0"/>
               </a:spcBef>
@@ -9397,11 +9489,11 @@
 </file>
 
 <file path=ppt/slides/slide6.xml><?xml version="1.0" encoding="utf-8"?>
-<p:sld xmlns:a="http://schemas.openxmlformats.org/drawingml/2006/main" xmlns:r="http://schemas.openxmlformats.org/officeDocument/2006/relationships" xmlns:mc="http://schemas.openxmlformats.org/markup-compatibility/2006" xmlns:mv="urn:schemas-microsoft-com:mac:vml" xmlns:p="http://schemas.openxmlformats.org/presentationml/2006/main" xmlns:c="http://schemas.openxmlformats.org/drawingml/2006/chart" xmlns:dgm="http://schemas.openxmlformats.org/drawingml/2006/diagram" xmlns:o="urn:schemas-microsoft-com:office:office" xmlns:v="urn:schemas-microsoft-com:vml" xmlns:pvml="urn:schemas-microsoft-com:office:powerpoint" xmlns:com="http://schemas.openxmlformats.org/drawingml/2006/compatibility" xmlns:p14="http://schemas.microsoft.com/office/powerpoint/2010/main" xmlns:p15="http://schemas.microsoft.com/office/powerpoint/2012/main" xmlns:ahyp="http://schemas.microsoft.com/office/drawing/2018/hyperlinkcolor">
+<p:sld xmlns:a="http://schemas.openxmlformats.org/drawingml/2006/main" xmlns:r="http://schemas.openxmlformats.org/officeDocument/2006/relationships" xmlns:p="http://schemas.openxmlformats.org/presentationml/2006/main">
   <p:cSld>
     <p:spTree>
       <p:nvGrpSpPr>
-        <p:cNvPr id="103" name="Shape 103"/>
+        <p:cNvPr id="1" name="Shape 103"/>
         <p:cNvGrpSpPr/>
         <p:nvPr/>
       </p:nvGrpSpPr>
@@ -9416,7 +9508,9 @@
       <p:sp>
         <p:nvSpPr>
           <p:cNvPr id="104" name="Google Shape;104;p17"/>
-          <p:cNvSpPr txBox="1"/>
+          <p:cNvSpPr txBox="1">
+            <a:spLocks noGrp="1"/>
+          </p:cNvSpPr>
           <p:nvPr>
             <p:ph type="title"/>
           </p:nvPr>
@@ -9431,12 +9525,12 @@
           </a:prstGeom>
         </p:spPr>
         <p:txBody>
-          <a:bodyPr anchorCtr="0" anchor="t" bIns="91425" lIns="91425" spcFirstLastPara="1" rIns="91425" wrap="square" tIns="91425">
+          <a:bodyPr spcFirstLastPara="1" wrap="square" lIns="91425" tIns="91425" rIns="91425" bIns="91425" anchor="t" anchorCtr="0">
             <a:normAutofit fontScale="90000"/>
           </a:bodyPr>
           <a:lstStyle/>
           <a:p>
-            <a:pPr indent="0" lvl="0" marL="0" rtl="0" algn="ctr">
+            <a:pPr marL="0" lvl="0" indent="0" algn="ctr" rtl="0">
               <a:spcBef>
                 <a:spcPts val="0"/>
               </a:spcBef>
@@ -9456,9 +9550,11 @@
       <p:sp>
         <p:nvSpPr>
           <p:cNvPr id="105" name="Google Shape;105;p17"/>
-          <p:cNvSpPr txBox="1"/>
+          <p:cNvSpPr txBox="1">
+            <a:spLocks noGrp="1"/>
+          </p:cNvSpPr>
           <p:nvPr>
-            <p:ph idx="12" type="sldNum"/>
+            <p:ph type="sldNum" idx="12"/>
           </p:nvPr>
         </p:nvSpPr>
         <p:spPr>
@@ -9471,12 +9567,12 @@
           </a:prstGeom>
         </p:spPr>
         <p:txBody>
-          <a:bodyPr anchorCtr="0" anchor="ctr" bIns="91425" lIns="91425" spcFirstLastPara="1" rIns="91425" wrap="square" tIns="91425">
+          <a:bodyPr spcFirstLastPara="1" wrap="square" lIns="91425" tIns="91425" rIns="91425" bIns="91425" anchor="ctr" anchorCtr="0">
             <a:noAutofit/>
           </a:bodyPr>
           <a:lstStyle/>
           <a:p>
-            <a:pPr indent="0" lvl="0" marL="0" rtl="0" algn="l">
+            <a:pPr marL="0" lvl="0" indent="0" algn="l" rtl="0">
               <a:spcBef>
                 <a:spcPts val="0"/>
               </a:spcBef>
@@ -9487,7 +9583,7 @@
             </a:pPr>
             <a:fld id="{00000000-1234-1234-1234-123412341234}" type="slidenum">
               <a:rPr lang="en"/>
-              <a:t>‹#›</a:t>
+              <a:t>6</a:t>
             </a:fld>
             <a:r>
               <a:rPr lang="en"/>
@@ -9500,9 +9596,11 @@
       <p:sp>
         <p:nvSpPr>
           <p:cNvPr id="106" name="Google Shape;106;p17"/>
-          <p:cNvSpPr txBox="1"/>
+          <p:cNvSpPr txBox="1">
+            <a:spLocks noGrp="1"/>
+          </p:cNvSpPr>
           <p:nvPr>
-            <p:ph idx="1" type="body"/>
+            <p:ph type="body" idx="1"/>
           </p:nvPr>
         </p:nvSpPr>
         <p:spPr>
@@ -9515,12 +9613,12 @@
           </a:prstGeom>
         </p:spPr>
         <p:txBody>
-          <a:bodyPr anchorCtr="0" anchor="t" bIns="91425" lIns="91425" spcFirstLastPara="1" rIns="91425" wrap="square" tIns="91425">
+          <a:bodyPr spcFirstLastPara="1" wrap="square" lIns="91425" tIns="91425" rIns="91425" bIns="91425" anchor="t" anchorCtr="0">
             <a:normAutofit fontScale="85000" lnSpcReduction="20000"/>
           </a:bodyPr>
           <a:lstStyle/>
           <a:p>
-            <a:pPr indent="0" lvl="0" marL="457200" rtl="0" algn="l">
+            <a:pPr marL="457200" lvl="0" indent="0" algn="l" rtl="0">
               <a:spcBef>
                 <a:spcPts val="0"/>
               </a:spcBef>
@@ -9531,11 +9629,7 @@
             </a:pPr>
             <a:r>
               <a:rPr lang="en" sz="1600"/>
-              <a:t>Frameworks </a:t>
-            </a:r>
-            <a:r>
-              <a:rPr lang="en" sz="1600"/>
-              <a:t>/ libraries and products for finite state machines development</a:t>
+              <a:t>Frameworks / libraries and products for finite state machines development</a:t>
             </a:r>
             <a:endParaRPr sz="1600"/>
           </a:p>
@@ -9549,7 +9643,7 @@
         </p:nvGraphicFramePr>
         <p:xfrm>
           <a:off x="311700" y="860775"/>
-          <a:ext cx="3000000" cy="3000000"/>
+          <a:ext cx="8520600" cy="3929270"/>
         </p:xfrm>
         <a:graphic>
           <a:graphicData uri="http://schemas.openxmlformats.org/drawingml/2006/table">
@@ -9559,10 +9653,34 @@
                 <a:tableStyleId>{95BD08CB-5402-4F76-929F-88009B81AF98}</a:tableStyleId>
               </a:tblPr>
               <a:tblGrid>
-                <a:gridCol w="1753550"/>
-                <a:gridCol w="2431100"/>
-                <a:gridCol w="2110525"/>
-                <a:gridCol w="2225425"/>
+                <a:gridCol w="1753550">
+                  <a:extLst>
+                    <a:ext uri="{9D8B030D-6E8A-4147-A177-3AD203B41FA5}">
+                      <a16:colId xmlns:a16="http://schemas.microsoft.com/office/drawing/2014/main" val="20000"/>
+                    </a:ext>
+                  </a:extLst>
+                </a:gridCol>
+                <a:gridCol w="2431100">
+                  <a:extLst>
+                    <a:ext uri="{9D8B030D-6E8A-4147-A177-3AD203B41FA5}">
+                      <a16:colId xmlns:a16="http://schemas.microsoft.com/office/drawing/2014/main" val="20001"/>
+                    </a:ext>
+                  </a:extLst>
+                </a:gridCol>
+                <a:gridCol w="2110525">
+                  <a:extLst>
+                    <a:ext uri="{9D8B030D-6E8A-4147-A177-3AD203B41FA5}">
+                      <a16:colId xmlns:a16="http://schemas.microsoft.com/office/drawing/2014/main" val="20002"/>
+                    </a:ext>
+                  </a:extLst>
+                </a:gridCol>
+                <a:gridCol w="2225425">
+                  <a:extLst>
+                    <a:ext uri="{9D8B030D-6E8A-4147-A177-3AD203B41FA5}">
+                      <a16:colId xmlns:a16="http://schemas.microsoft.com/office/drawing/2014/main" val="20003"/>
+                    </a:ext>
+                  </a:extLst>
+                </a:gridCol>
               </a:tblGrid>
               <a:tr h="598875">
                 <a:tc>
@@ -9570,7 +9688,7 @@
                     <a:bodyPr/>
                     <a:lstStyle/>
                     <a:p>
-                      <a:pPr indent="0" lvl="0" marL="0" rtl="0" algn="ctr">
+                      <a:pPr marL="0" lvl="0" indent="0" algn="ctr" rtl="0">
                         <a:spcBef>
                           <a:spcPts val="0"/>
                         </a:spcBef>
@@ -9586,14 +9704,14 @@
                       <a:endParaRPr/>
                     </a:p>
                   </a:txBody>
-                  <a:tcPr marT="91425" marB="91425" marR="91425" marL="91425"/>
+                  <a:tcPr marL="91425" marR="91425" marT="91425" marB="91425"/>
                 </a:tc>
                 <a:tc>
                   <a:txBody>
                     <a:bodyPr/>
                     <a:lstStyle/>
                     <a:p>
-                      <a:pPr indent="0" lvl="0" marL="0" rtl="0" algn="ctr">
+                      <a:pPr marL="0" lvl="0" indent="0" algn="ctr" rtl="0">
                         <a:spcBef>
                           <a:spcPts val="0"/>
                         </a:spcBef>
@@ -9609,14 +9727,14 @@
                       <a:endParaRPr/>
                     </a:p>
                   </a:txBody>
-                  <a:tcPr marT="91425" marB="91425" marR="91425" marL="91425"/>
+                  <a:tcPr marL="91425" marR="91425" marT="91425" marB="91425"/>
                 </a:tc>
                 <a:tc>
                   <a:txBody>
                     <a:bodyPr/>
                     <a:lstStyle/>
                     <a:p>
-                      <a:pPr indent="0" lvl="0" marL="0" rtl="0" algn="ctr">
+                      <a:pPr marL="0" lvl="0" indent="0" algn="ctr" rtl="0">
                         <a:spcBef>
                           <a:spcPts val="0"/>
                         </a:spcBef>
@@ -9632,14 +9750,14 @@
                       <a:endParaRPr/>
                     </a:p>
                   </a:txBody>
-                  <a:tcPr marT="91425" marB="91425" marR="91425" marL="91425"/>
+                  <a:tcPr marL="91425" marR="91425" marT="91425" marB="91425"/>
                 </a:tc>
                 <a:tc>
                   <a:txBody>
                     <a:bodyPr/>
                     <a:lstStyle/>
                     <a:p>
-                      <a:pPr indent="0" lvl="0" marL="0" rtl="0" algn="ctr">
+                      <a:pPr marL="0" lvl="0" indent="0" algn="ctr" rtl="0">
                         <a:spcBef>
                           <a:spcPts val="0"/>
                         </a:spcBef>
@@ -9655,8 +9773,13 @@
                       <a:endParaRPr/>
                     </a:p>
                   </a:txBody>
-                  <a:tcPr marT="91425" marB="91425" marR="91425" marL="91425"/>
+                  <a:tcPr marL="91425" marR="91425" marT="91425" marB="91425"/>
                 </a:tc>
+                <a:extLst>
+                  <a:ext uri="{0D108BD9-81ED-4DB2-BD59-A6C34878D82A}">
+                    <a16:rowId xmlns:a16="http://schemas.microsoft.com/office/drawing/2014/main" val="10000"/>
+                  </a:ext>
+                </a:extLst>
               </a:tr>
               <a:tr h="1003150">
                 <a:tc>
@@ -9664,7 +9787,7 @@
                     <a:bodyPr/>
                     <a:lstStyle/>
                     <a:p>
-                      <a:pPr indent="0" lvl="0" marL="0" rtl="0" algn="l">
+                      <a:pPr marL="0" lvl="0" indent="0" algn="l" rtl="0">
                         <a:spcBef>
                           <a:spcPts val="0"/>
                         </a:spcBef>
@@ -9686,7 +9809,7 @@
                           <a:hlinkClick r:id="rId3">
                             <a:extLst>
                               <a:ext uri="{A12FA001-AC4F-418D-AE19-62706E023703}">
-                                <ahyp:hlinkClr val="tx"/>
+                                <ahyp:hlinkClr xmlns:ahyp="http://schemas.microsoft.com/office/drawing/2018/hyperlinkcolor" val="tx"/>
                               </a:ext>
                             </a:extLst>
                           </a:hlinkClick>
@@ -9696,14 +9819,14 @@
                       <a:endParaRPr/>
                     </a:p>
                   </a:txBody>
-                  <a:tcPr marT="91425" marB="91425" marR="91425" marL="91425"/>
+                  <a:tcPr marL="91425" marR="91425" marT="91425" marB="91425"/>
                 </a:tc>
                 <a:tc>
                   <a:txBody>
                     <a:bodyPr/>
                     <a:lstStyle/>
                     <a:p>
-                      <a:pPr indent="0" lvl="0" marL="0" rtl="0" algn="l">
+                      <a:pPr marL="0" lvl="0" indent="0" algn="l" rtl="0">
                         <a:spcBef>
                           <a:spcPts val="0"/>
                         </a:spcBef>
@@ -9723,27 +9846,19 @@
                             <a:schemeClr val="dk1"/>
                           </a:solidFill>
                         </a:rPr>
-                        <a:t>Quite compact framework</a:t>
-                      </a:r>
-                      <a:r>
-                        <a:rPr lang="en" sz="1100">
-                          <a:solidFill>
-                            <a:schemeClr val="dk1"/>
-                          </a:solidFill>
-                        </a:rPr>
-                        <a:t>, but now it is all the way around – all the operations, what they do, their code must be declared in one place, which is bad for decomposition</a:t>
+                        <a:t>Quite compact framework, but now it is all the way around – all the operations, what they do, their code must be declared in one place, which is bad for decomposition</a:t>
                       </a:r>
                       <a:endParaRPr sz="1100"/>
                     </a:p>
                   </a:txBody>
-                  <a:tcPr marT="91425" marB="91425" marR="91425" marL="91425"/>
+                  <a:tcPr marL="91425" marR="91425" marT="91425" marB="91425"/>
                 </a:tc>
                 <a:tc>
                   <a:txBody>
                     <a:bodyPr/>
                     <a:lstStyle/>
                     <a:p>
-                      <a:pPr indent="0" lvl="0" marL="0" rtl="0" algn="ctr">
+                      <a:pPr marL="0" lvl="0" indent="0" algn="ctr" rtl="0">
                         <a:spcBef>
                           <a:spcPts val="0"/>
                         </a:spcBef>
@@ -9759,7 +9874,7 @@
                       <a:endParaRPr/>
                     </a:p>
                   </a:txBody>
-                  <a:tcPr marT="91425" marB="91425" marR="91425" marL="91425">
+                  <a:tcPr marL="91425" marR="91425" marT="91425" marB="91425">
                     <a:solidFill>
                       <a:srgbClr val="FFFF00"/>
                     </a:solidFill>
@@ -9770,7 +9885,7 @@
                     <a:bodyPr/>
                     <a:lstStyle/>
                     <a:p>
-                      <a:pPr indent="0" lvl="0" marL="0" rtl="0" algn="ctr">
+                      <a:pPr marL="0" lvl="0" indent="0" algn="ctr" rtl="0">
                         <a:spcBef>
                           <a:spcPts val="0"/>
                         </a:spcBef>
@@ -9786,12 +9901,17 @@
                       <a:endParaRPr/>
                     </a:p>
                   </a:txBody>
-                  <a:tcPr marT="91425" marB="91425" marR="91425" marL="91425">
+                  <a:tcPr marL="91425" marR="91425" marT="91425" marB="91425">
                     <a:solidFill>
                       <a:srgbClr val="EA9999"/>
                     </a:solidFill>
                   </a:tcPr>
                 </a:tc>
+                <a:extLst>
+                  <a:ext uri="{0D108BD9-81ED-4DB2-BD59-A6C34878D82A}">
+                    <a16:rowId xmlns:a16="http://schemas.microsoft.com/office/drawing/2014/main" val="10001"/>
+                  </a:ext>
+                </a:extLst>
               </a:tr>
               <a:tr h="1277600">
                 <a:tc>
@@ -9799,7 +9919,7 @@
                     <a:bodyPr/>
                     <a:lstStyle/>
                     <a:p>
-                      <a:pPr indent="0" lvl="0" marL="0" rtl="0" algn="l">
+                      <a:pPr marL="0" lvl="0" indent="0" algn="l" rtl="0">
                         <a:spcBef>
                           <a:spcPts val="0"/>
                         </a:spcBef>
@@ -9821,7 +9941,7 @@
                           <a:hlinkClick r:id="rId4">
                             <a:extLst>
                               <a:ext uri="{A12FA001-AC4F-418D-AE19-62706E023703}">
-                                <ahyp:hlinkClr val="tx"/>
+                                <ahyp:hlinkClr xmlns:ahyp="http://schemas.microsoft.com/office/drawing/2018/hyperlinkcolor" val="tx"/>
                               </a:ext>
                             </a:extLst>
                           </a:hlinkClick>
@@ -9831,14 +9951,14 @@
                       <a:endParaRPr/>
                     </a:p>
                   </a:txBody>
-                  <a:tcPr marT="91425" marB="91425" marR="91425" marL="91425"/>
+                  <a:tcPr marL="91425" marR="91425" marT="91425" marB="91425"/>
                 </a:tc>
                 <a:tc>
                   <a:txBody>
                     <a:bodyPr/>
                     <a:lstStyle/>
                     <a:p>
-                      <a:pPr indent="0" lvl="0" marL="0" rtl="0" algn="l">
+                      <a:pPr marL="0" lvl="0" indent="0" algn="l" rtl="0">
                         <a:spcBef>
                           <a:spcPts val="0"/>
                         </a:spcBef>
@@ -9858,15 +9978,7 @@
                             <a:schemeClr val="dk1"/>
                           </a:solidFill>
                         </a:rPr>
-                        <a:t>Pure </a:t>
-                      </a:r>
-                      <a:r>
-                        <a:rPr lang="en" sz="1100">
-                          <a:solidFill>
-                            <a:schemeClr val="dk1"/>
-                          </a:solidFill>
-                        </a:rPr>
-                        <a:t>State Machine Builder, useful job can only be done via side effects from transitions, the states are just states.</a:t>
+                        <a:t>Pure State Machine Builder, useful job can only be done via side effects from transitions, the states are just states.</a:t>
                       </a:r>
                       <a:endParaRPr sz="1100">
                         <a:solidFill>
@@ -9875,7 +9987,7 @@
                       </a:endParaRPr>
                     </a:p>
                     <a:p>
-                      <a:pPr indent="0" lvl="0" marL="0" rtl="0" algn="l">
+                      <a:pPr marL="0" lvl="0" indent="0" algn="l" rtl="0">
                         <a:spcBef>
                           <a:spcPts val="0"/>
                         </a:spcBef>
@@ -9899,14 +10011,14 @@
                       </a:endParaRPr>
                     </a:p>
                   </a:txBody>
-                  <a:tcPr marT="91425" marB="91425" marR="91425" marL="91425"/>
+                  <a:tcPr marL="91425" marR="91425" marT="91425" marB="91425"/>
                 </a:tc>
                 <a:tc>
                   <a:txBody>
                     <a:bodyPr/>
                     <a:lstStyle/>
                     <a:p>
-                      <a:pPr indent="0" lvl="0" marL="0" rtl="0" algn="ctr">
+                      <a:pPr marL="0" lvl="0" indent="0" algn="ctr" rtl="0">
                         <a:spcBef>
                           <a:spcPts val="0"/>
                         </a:spcBef>
@@ -9922,7 +10034,7 @@
                       <a:endParaRPr/>
                     </a:p>
                   </a:txBody>
-                  <a:tcPr marT="91425" marB="91425" marR="91425" marL="91425">
+                  <a:tcPr marL="91425" marR="91425" marT="91425" marB="91425">
                     <a:solidFill>
                       <a:srgbClr val="EA9999"/>
                     </a:solidFill>
@@ -9933,7 +10045,7 @@
                     <a:bodyPr/>
                     <a:lstStyle/>
                     <a:p>
-                      <a:pPr indent="0" lvl="0" marL="0" rtl="0" algn="ctr">
+                      <a:pPr marL="0" lvl="0" indent="0" algn="ctr" rtl="0">
                         <a:spcBef>
                           <a:spcPts val="0"/>
                         </a:spcBef>
@@ -9949,12 +10061,17 @@
                       <a:endParaRPr/>
                     </a:p>
                   </a:txBody>
-                  <a:tcPr marT="91425" marB="91425" marR="91425" marL="91425">
+                  <a:tcPr marL="91425" marR="91425" marT="91425" marB="91425">
                     <a:solidFill>
                       <a:srgbClr val="EA9999"/>
                     </a:solidFill>
                   </a:tcPr>
                 </a:tc>
+                <a:extLst>
+                  <a:ext uri="{0D108BD9-81ED-4DB2-BD59-A6C34878D82A}">
+                    <a16:rowId xmlns:a16="http://schemas.microsoft.com/office/drawing/2014/main" val="10002"/>
+                  </a:ext>
+                </a:extLst>
               </a:tr>
               <a:tr h="1003150">
                 <a:tc>
@@ -9962,7 +10079,7 @@
                     <a:bodyPr/>
                     <a:lstStyle/>
                     <a:p>
-                      <a:pPr indent="0" lvl="0" marL="0" rtl="0" algn="l">
+                      <a:pPr marL="0" lvl="0" indent="0" algn="l" rtl="0">
                         <a:spcBef>
                           <a:spcPts val="0"/>
                         </a:spcBef>
@@ -9984,7 +10101,7 @@
                           <a:hlinkClick r:id="rId5">
                             <a:extLst>
                               <a:ext uri="{A12FA001-AC4F-418D-AE19-62706E023703}">
-                                <ahyp:hlinkClr val="tx"/>
+                                <ahyp:hlinkClr xmlns:ahyp="http://schemas.microsoft.com/office/drawing/2018/hyperlinkcolor" val="tx"/>
                               </a:ext>
                             </a:extLst>
                           </a:hlinkClick>
@@ -9994,14 +10111,14 @@
                       <a:endParaRPr/>
                     </a:p>
                   </a:txBody>
-                  <a:tcPr marT="91425" marB="91425" marR="91425" marL="91425"/>
+                  <a:tcPr marL="91425" marR="91425" marT="91425" marB="91425"/>
                 </a:tc>
                 <a:tc>
                   <a:txBody>
                     <a:bodyPr/>
                     <a:lstStyle/>
                     <a:p>
-                      <a:pPr indent="0" lvl="0" marL="0" rtl="0" algn="l">
+                      <a:pPr marL="0" lvl="0" indent="0" algn="l" rtl="0">
                         <a:spcBef>
                           <a:spcPts val="0"/>
                         </a:spcBef>
@@ -10021,15 +10138,7 @@
                             <a:schemeClr val="dk1"/>
                           </a:solidFill>
                         </a:rPr>
-                        <a:t>Decent framework</a:t>
-                      </a:r>
-                      <a:r>
-                        <a:rPr lang="en" sz="1100">
-                          <a:solidFill>
-                            <a:schemeClr val="dk1"/>
-                          </a:solidFill>
-                        </a:rPr>
-                        <a:t>, provides api as exactly Kotlin DSL, but describing even a tiny State Machine takes a lot of code and space for no meaningful reason.</a:t>
+                        <a:t>Decent framework, provides api as exactly Kotlin DSL, but describing even a tiny State Machine takes a lot of code and space for no meaningful reason.</a:t>
                       </a:r>
                       <a:endParaRPr sz="1100">
                         <a:solidFill>
@@ -10038,14 +10147,14 @@
                       </a:endParaRPr>
                     </a:p>
                   </a:txBody>
-                  <a:tcPr marT="91425" marB="91425" marR="91425" marL="91425"/>
+                  <a:tcPr marL="91425" marR="91425" marT="91425" marB="91425"/>
                 </a:tc>
                 <a:tc>
                   <a:txBody>
                     <a:bodyPr/>
                     <a:lstStyle/>
                     <a:p>
-                      <a:pPr indent="0" lvl="0" marL="0" rtl="0" algn="ctr">
+                      <a:pPr marL="0" lvl="0" indent="0" algn="ctr" rtl="0">
                         <a:spcBef>
                           <a:spcPts val="0"/>
                         </a:spcBef>
@@ -10061,7 +10170,7 @@
                       <a:endParaRPr/>
                     </a:p>
                   </a:txBody>
-                  <a:tcPr marT="91425" marB="91425" marR="91425" marL="91425">
+                  <a:tcPr marL="91425" marR="91425" marT="91425" marB="91425">
                     <a:solidFill>
                       <a:srgbClr val="EA9999"/>
                     </a:solidFill>
@@ -10072,7 +10181,7 @@
                     <a:bodyPr/>
                     <a:lstStyle/>
                     <a:p>
-                      <a:pPr indent="0" lvl="0" marL="0" rtl="0" algn="ctr">
+                      <a:pPr marL="0" lvl="0" indent="0" algn="ctr" rtl="0">
                         <a:spcBef>
                           <a:spcPts val="0"/>
                         </a:spcBef>
@@ -10088,12 +10197,17 @@
                       <a:endParaRPr/>
                     </a:p>
                   </a:txBody>
-                  <a:tcPr marT="91425" marB="91425" marR="91425" marL="91425">
+                  <a:tcPr marL="91425" marR="91425" marT="91425" marB="91425">
                     <a:solidFill>
                       <a:srgbClr val="B6D7A8"/>
                     </a:solidFill>
                   </a:tcPr>
                 </a:tc>
+                <a:extLst>
+                  <a:ext uri="{0D108BD9-81ED-4DB2-BD59-A6C34878D82A}">
+                    <a16:rowId xmlns:a16="http://schemas.microsoft.com/office/drawing/2014/main" val="10003"/>
+                  </a:ext>
+                </a:extLst>
               </a:tr>
             </a:tbl>
           </a:graphicData>
@@ -10108,11 +10222,11 @@
 </file>
 
 <file path=ppt/slides/slide7.xml><?xml version="1.0" encoding="utf-8"?>
-<p:sld xmlns:a="http://schemas.openxmlformats.org/drawingml/2006/main" xmlns:r="http://schemas.openxmlformats.org/officeDocument/2006/relationships" xmlns:mc="http://schemas.openxmlformats.org/markup-compatibility/2006" xmlns:mv="urn:schemas-microsoft-com:mac:vml" xmlns:p="http://schemas.openxmlformats.org/presentationml/2006/main" xmlns:c="http://schemas.openxmlformats.org/drawingml/2006/chart" xmlns:dgm="http://schemas.openxmlformats.org/drawingml/2006/diagram" xmlns:o="urn:schemas-microsoft-com:office:office" xmlns:v="urn:schemas-microsoft-com:vml" xmlns:pvml="urn:schemas-microsoft-com:office:powerpoint" xmlns:com="http://schemas.openxmlformats.org/drawingml/2006/compatibility" xmlns:p14="http://schemas.microsoft.com/office/powerpoint/2010/main" xmlns:p15="http://schemas.microsoft.com/office/powerpoint/2012/main" xmlns:ahyp="http://schemas.microsoft.com/office/drawing/2018/hyperlinkcolor">
+<p:sld xmlns:a="http://schemas.openxmlformats.org/drawingml/2006/main" xmlns:r="http://schemas.openxmlformats.org/officeDocument/2006/relationships" xmlns:p="http://schemas.openxmlformats.org/presentationml/2006/main">
   <p:cSld>
     <p:spTree>
       <p:nvGrpSpPr>
-        <p:cNvPr id="111" name="Shape 111"/>
+        <p:cNvPr id="1" name="Shape 111"/>
         <p:cNvGrpSpPr/>
         <p:nvPr/>
       </p:nvGrpSpPr>
@@ -10127,7 +10241,9 @@
       <p:sp>
         <p:nvSpPr>
           <p:cNvPr id="112" name="Google Shape;112;p18"/>
-          <p:cNvSpPr txBox="1"/>
+          <p:cNvSpPr txBox="1">
+            <a:spLocks noGrp="1"/>
+          </p:cNvSpPr>
           <p:nvPr>
             <p:ph type="title"/>
           </p:nvPr>
@@ -10142,12 +10258,12 @@
           </a:prstGeom>
         </p:spPr>
         <p:txBody>
-          <a:bodyPr anchorCtr="0" anchor="t" bIns="91425" lIns="91425" spcFirstLastPara="1" rIns="91425" wrap="square" tIns="91425">
+          <a:bodyPr spcFirstLastPara="1" wrap="square" lIns="91425" tIns="91425" rIns="91425" bIns="91425" anchor="t" anchorCtr="0">
             <a:normAutofit fontScale="90000"/>
           </a:bodyPr>
           <a:lstStyle/>
           <a:p>
-            <a:pPr indent="0" lvl="0" marL="0" rtl="0" algn="ctr">
+            <a:pPr marL="0" lvl="0" indent="0" algn="ctr" rtl="0">
               <a:spcBef>
                 <a:spcPts val="0"/>
               </a:spcBef>
@@ -10167,9 +10283,11 @@
       <p:sp>
         <p:nvSpPr>
           <p:cNvPr id="113" name="Google Shape;113;p18"/>
-          <p:cNvSpPr txBox="1"/>
+          <p:cNvSpPr txBox="1">
+            <a:spLocks noGrp="1"/>
+          </p:cNvSpPr>
           <p:nvPr>
-            <p:ph idx="12" type="sldNum"/>
+            <p:ph type="sldNum" idx="12"/>
           </p:nvPr>
         </p:nvSpPr>
         <p:spPr>
@@ -10182,12 +10300,12 @@
           </a:prstGeom>
         </p:spPr>
         <p:txBody>
-          <a:bodyPr anchorCtr="0" anchor="ctr" bIns="91425" lIns="91425" spcFirstLastPara="1" rIns="91425" wrap="square" tIns="91425">
+          <a:bodyPr spcFirstLastPara="1" wrap="square" lIns="91425" tIns="91425" rIns="91425" bIns="91425" anchor="ctr" anchorCtr="0">
             <a:noAutofit/>
           </a:bodyPr>
           <a:lstStyle/>
           <a:p>
-            <a:pPr indent="0" lvl="0" marL="0" rtl="0" algn="l">
+            <a:pPr marL="0" lvl="0" indent="0" algn="l" rtl="0">
               <a:spcBef>
                 <a:spcPts val="0"/>
               </a:spcBef>
@@ -10198,7 +10316,7 @@
             </a:pPr>
             <a:fld id="{00000000-1234-1234-1234-123412341234}" type="slidenum">
               <a:rPr lang="en"/>
-              <a:t>‹#›</a:t>
+              <a:t>7</a:t>
             </a:fld>
             <a:r>
               <a:rPr lang="en"/>
@@ -10211,9 +10329,11 @@
       <p:sp>
         <p:nvSpPr>
           <p:cNvPr id="114" name="Google Shape;114;p18"/>
-          <p:cNvSpPr txBox="1"/>
+          <p:cNvSpPr txBox="1">
+            <a:spLocks noGrp="1"/>
+          </p:cNvSpPr>
           <p:nvPr>
-            <p:ph idx="1" type="body"/>
+            <p:ph type="body" idx="1"/>
           </p:nvPr>
         </p:nvSpPr>
         <p:spPr>
@@ -10226,12 +10346,12 @@
           </a:prstGeom>
         </p:spPr>
         <p:txBody>
-          <a:bodyPr anchorCtr="0" anchor="t" bIns="91425" lIns="91425" spcFirstLastPara="1" rIns="91425" wrap="square" tIns="91425">
+          <a:bodyPr spcFirstLastPara="1" wrap="square" lIns="91425" tIns="91425" rIns="91425" bIns="91425" anchor="t" anchorCtr="0">
             <a:normAutofit/>
           </a:bodyPr>
           <a:lstStyle/>
           <a:p>
-            <a:pPr indent="0" lvl="0" marL="457200" rtl="0" algn="l">
+            <a:pPr marL="457200" lvl="0" indent="0" algn="l" rtl="0">
               <a:spcBef>
                 <a:spcPts val="0"/>
               </a:spcBef>
@@ -10242,15 +10362,7 @@
             </a:pPr>
             <a:r>
               <a:rPr lang="en"/>
-              <a:t>Scenario packages require only to know how to describe the scenarios - our DSL. And they totally shouldn’t care how the Engine insides work. The Engine itself should only know how to </a:t>
-            </a:r>
-            <a:r>
-              <a:rPr lang="en"/>
-              <a:t>interpret</a:t>
-            </a:r>
-            <a:r>
-              <a:rPr lang="en"/>
-              <a:t> the scenarios - our DSL. It can consume the Scenario classes as already prepared JARs.</a:t>
+              <a:t>Scenario packages require only to know how to describe the scenarios - our DSL. And they totally shouldn’t care how the Engine insides work. The Engine itself should only know how to interpret the scenarios - our DSL. It can consume the Scenario classes as already prepared JARs.</a:t>
             </a:r>
             <a:endParaRPr/>
           </a:p>
@@ -10293,11 +10405,11 @@
 </file>
 
 <file path=ppt/slides/slide8.xml><?xml version="1.0" encoding="utf-8"?>
-<p:sld xmlns:a="http://schemas.openxmlformats.org/drawingml/2006/main" xmlns:r="http://schemas.openxmlformats.org/officeDocument/2006/relationships" xmlns:mc="http://schemas.openxmlformats.org/markup-compatibility/2006" xmlns:mv="urn:schemas-microsoft-com:mac:vml" xmlns:p="http://schemas.openxmlformats.org/presentationml/2006/main" xmlns:c="http://schemas.openxmlformats.org/drawingml/2006/chart" xmlns:dgm="http://schemas.openxmlformats.org/drawingml/2006/diagram" xmlns:o="urn:schemas-microsoft-com:office:office" xmlns:v="urn:schemas-microsoft-com:vml" xmlns:pvml="urn:schemas-microsoft-com:office:powerpoint" xmlns:com="http://schemas.openxmlformats.org/drawingml/2006/compatibility" xmlns:p14="http://schemas.microsoft.com/office/powerpoint/2010/main" xmlns:p15="http://schemas.microsoft.com/office/powerpoint/2012/main" xmlns:ahyp="http://schemas.microsoft.com/office/drawing/2018/hyperlinkcolor">
+<p:sld xmlns:a="http://schemas.openxmlformats.org/drawingml/2006/main" xmlns:r="http://schemas.openxmlformats.org/officeDocument/2006/relationships" xmlns:p="http://schemas.openxmlformats.org/presentationml/2006/main">
   <p:cSld>
     <p:spTree>
       <p:nvGrpSpPr>
-        <p:cNvPr id="119" name="Shape 119"/>
+        <p:cNvPr id="1" name="Shape 119"/>
         <p:cNvGrpSpPr/>
         <p:nvPr/>
       </p:nvGrpSpPr>
@@ -10312,7 +10424,9 @@
       <p:sp>
         <p:nvSpPr>
           <p:cNvPr id="120" name="Google Shape;120;p19"/>
-          <p:cNvSpPr txBox="1"/>
+          <p:cNvSpPr txBox="1">
+            <a:spLocks noGrp="1"/>
+          </p:cNvSpPr>
           <p:nvPr>
             <p:ph type="title"/>
           </p:nvPr>
@@ -10327,12 +10441,12 @@
           </a:prstGeom>
         </p:spPr>
         <p:txBody>
-          <a:bodyPr anchorCtr="0" anchor="t" bIns="91425" lIns="91425" spcFirstLastPara="1" rIns="91425" wrap="square" tIns="91425">
+          <a:bodyPr spcFirstLastPara="1" wrap="square" lIns="91425" tIns="91425" rIns="91425" bIns="91425" anchor="t" anchorCtr="0">
             <a:normAutofit fontScale="90000"/>
           </a:bodyPr>
           <a:lstStyle/>
           <a:p>
-            <a:pPr indent="0" lvl="0" marL="0" rtl="0" algn="ctr">
+            <a:pPr marL="0" lvl="0" indent="0" algn="ctr" rtl="0">
               <a:spcBef>
                 <a:spcPts val="0"/>
               </a:spcBef>
@@ -10352,9 +10466,11 @@
       <p:sp>
         <p:nvSpPr>
           <p:cNvPr id="121" name="Google Shape;121;p19"/>
-          <p:cNvSpPr txBox="1"/>
+          <p:cNvSpPr txBox="1">
+            <a:spLocks noGrp="1"/>
+          </p:cNvSpPr>
           <p:nvPr>
-            <p:ph idx="12" type="sldNum"/>
+            <p:ph type="sldNum" idx="12"/>
           </p:nvPr>
         </p:nvSpPr>
         <p:spPr>
@@ -10367,12 +10483,12 @@
           </a:prstGeom>
         </p:spPr>
         <p:txBody>
-          <a:bodyPr anchorCtr="0" anchor="ctr" bIns="91425" lIns="91425" spcFirstLastPara="1" rIns="91425" wrap="square" tIns="91425">
+          <a:bodyPr spcFirstLastPara="1" wrap="square" lIns="91425" tIns="91425" rIns="91425" bIns="91425" anchor="ctr" anchorCtr="0">
             <a:noAutofit/>
           </a:bodyPr>
           <a:lstStyle/>
           <a:p>
-            <a:pPr indent="0" lvl="0" marL="0" rtl="0" algn="l">
+            <a:pPr marL="0" lvl="0" indent="0" algn="l" rtl="0">
               <a:spcBef>
                 <a:spcPts val="0"/>
               </a:spcBef>
@@ -10383,7 +10499,7 @@
             </a:pPr>
             <a:fld id="{00000000-1234-1234-1234-123412341234}" type="slidenum">
               <a:rPr lang="en"/>
-              <a:t>‹#›</a:t>
+              <a:t>8</a:t>
             </a:fld>
             <a:r>
               <a:rPr lang="en"/>
@@ -10458,11 +10574,11 @@
 </file>
 
 <file path=ppt/slides/slide9.xml><?xml version="1.0" encoding="utf-8"?>
-<p:sld xmlns:a="http://schemas.openxmlformats.org/drawingml/2006/main" xmlns:r="http://schemas.openxmlformats.org/officeDocument/2006/relationships" xmlns:mc="http://schemas.openxmlformats.org/markup-compatibility/2006" xmlns:mv="urn:schemas-microsoft-com:mac:vml" xmlns:p="http://schemas.openxmlformats.org/presentationml/2006/main" xmlns:c="http://schemas.openxmlformats.org/drawingml/2006/chart" xmlns:dgm="http://schemas.openxmlformats.org/drawingml/2006/diagram" xmlns:o="urn:schemas-microsoft-com:office:office" xmlns:v="urn:schemas-microsoft-com:vml" xmlns:pvml="urn:schemas-microsoft-com:office:powerpoint" xmlns:com="http://schemas.openxmlformats.org/drawingml/2006/compatibility" xmlns:p14="http://schemas.microsoft.com/office/powerpoint/2010/main" xmlns:p15="http://schemas.microsoft.com/office/powerpoint/2012/main" xmlns:ahyp="http://schemas.microsoft.com/office/drawing/2018/hyperlinkcolor">
+<p:sld xmlns:a="http://schemas.openxmlformats.org/drawingml/2006/main" xmlns:r="http://schemas.openxmlformats.org/officeDocument/2006/relationships" xmlns:p="http://schemas.openxmlformats.org/presentationml/2006/main">
   <p:cSld>
     <p:spTree>
       <p:nvGrpSpPr>
-        <p:cNvPr id="127" name="Shape 127"/>
+        <p:cNvPr id="1" name="Shape 127"/>
         <p:cNvGrpSpPr/>
         <p:nvPr/>
       </p:nvGrpSpPr>
@@ -10477,7 +10593,9 @@
       <p:sp>
         <p:nvSpPr>
           <p:cNvPr id="128" name="Google Shape;128;p20"/>
-          <p:cNvSpPr txBox="1"/>
+          <p:cNvSpPr txBox="1">
+            <a:spLocks noGrp="1"/>
+          </p:cNvSpPr>
           <p:nvPr>
             <p:ph type="title"/>
           </p:nvPr>
@@ -10492,12 +10610,12 @@
           </a:prstGeom>
         </p:spPr>
         <p:txBody>
-          <a:bodyPr anchorCtr="0" anchor="t" bIns="91425" lIns="91425" spcFirstLastPara="1" rIns="91425" wrap="square" tIns="91425">
+          <a:bodyPr spcFirstLastPara="1" wrap="square" lIns="91425" tIns="91425" rIns="91425" bIns="91425" anchor="t" anchorCtr="0">
             <a:normAutofit fontScale="90000"/>
           </a:bodyPr>
           <a:lstStyle/>
           <a:p>
-            <a:pPr indent="0" lvl="0" marL="0" rtl="0" algn="ctr">
+            <a:pPr marL="0" lvl="0" indent="0" algn="ctr" rtl="0">
               <a:spcBef>
                 <a:spcPts val="0"/>
               </a:spcBef>
@@ -10517,9 +10635,11 @@
       <p:sp>
         <p:nvSpPr>
           <p:cNvPr id="129" name="Google Shape;129;p20"/>
-          <p:cNvSpPr txBox="1"/>
+          <p:cNvSpPr txBox="1">
+            <a:spLocks noGrp="1"/>
+          </p:cNvSpPr>
           <p:nvPr>
-            <p:ph idx="1" type="body"/>
+            <p:ph type="body" idx="1"/>
           </p:nvPr>
         </p:nvSpPr>
         <p:spPr>
@@ -10532,12 +10652,12 @@
           </a:prstGeom>
         </p:spPr>
         <p:txBody>
-          <a:bodyPr anchorCtr="0" anchor="t" bIns="91425" lIns="91425" spcFirstLastPara="1" rIns="91425" wrap="square" tIns="91425">
+          <a:bodyPr spcFirstLastPara="1" wrap="square" lIns="91425" tIns="91425" rIns="91425" bIns="91425" anchor="t" anchorCtr="0">
             <a:normAutofit/>
           </a:bodyPr>
           <a:lstStyle/>
           <a:p>
-            <a:pPr indent="-323850" lvl="0" marL="457200" rtl="0" algn="l">
+            <a:pPr marL="457200" lvl="0" indent="-323850" algn="l" rtl="0">
               <a:spcBef>
                 <a:spcPts val="0"/>
               </a:spcBef>
@@ -10554,7 +10674,7 @@
             <a:endParaRPr sz="1500"/>
           </a:p>
           <a:p>
-            <a:pPr indent="-323850" lvl="1" marL="914400" rtl="0" algn="l">
+            <a:pPr marL="914400" lvl="1" indent="-323850" algn="l" rtl="0">
               <a:spcBef>
                 <a:spcPts val="0"/>
               </a:spcBef>
@@ -10571,7 +10691,7 @@
             <a:endParaRPr sz="1500"/>
           </a:p>
           <a:p>
-            <a:pPr indent="-323850" lvl="1" marL="914400" rtl="0" algn="l">
+            <a:pPr marL="914400" lvl="1" indent="-323850" algn="l" rtl="0">
               <a:spcBef>
                 <a:spcPts val="0"/>
               </a:spcBef>
@@ -10583,20 +10703,12 @@
             </a:pPr>
             <a:r>
               <a:rPr lang="en" sz="1500"/>
-              <a:t>As much uncluttered descriptions for </a:t>
-            </a:r>
-            <a:r>
-              <a:rPr lang="en" sz="1500"/>
-              <a:t>Operations</a:t>
-            </a:r>
-            <a:r>
-              <a:rPr lang="en" sz="1500"/>
-              <a:t> as possible</a:t>
+              <a:t>As much uncluttered descriptions for Operations as possible</a:t>
             </a:r>
             <a:endParaRPr sz="1500"/>
           </a:p>
           <a:p>
-            <a:pPr indent="-323850" lvl="1" marL="914400" rtl="0" algn="l">
+            <a:pPr marL="914400" lvl="1" indent="-323850" algn="l" rtl="0">
               <a:spcBef>
                 <a:spcPts val="0"/>
               </a:spcBef>
@@ -10613,7 +10725,7 @@
             <a:endParaRPr sz="1500"/>
           </a:p>
           <a:p>
-            <a:pPr indent="-323850" lvl="1" marL="914400" rtl="0" algn="l">
+            <a:pPr marL="914400" lvl="1" indent="-323850" algn="l" rtl="0">
               <a:spcBef>
                 <a:spcPts val="0"/>
               </a:spcBef>
@@ -10630,7 +10742,7 @@
             <a:endParaRPr sz="1500"/>
           </a:p>
           <a:p>
-            <a:pPr indent="-323850" lvl="0" marL="457200" rtl="0" algn="l">
+            <a:pPr marL="457200" lvl="0" indent="-323850" algn="l" rtl="0">
               <a:spcBef>
                 <a:spcPts val="0"/>
               </a:spcBef>
@@ -10647,7 +10759,7 @@
             <a:endParaRPr sz="1500"/>
           </a:p>
           <a:p>
-            <a:pPr indent="-323850" lvl="1" marL="914400" rtl="0" algn="l">
+            <a:pPr marL="914400" lvl="1" indent="-323850" algn="l" rtl="0">
               <a:spcBef>
                 <a:spcPts val="0"/>
               </a:spcBef>
@@ -10664,7 +10776,7 @@
             <a:endParaRPr sz="1500"/>
           </a:p>
           <a:p>
-            <a:pPr indent="-323850" lvl="1" marL="914400" rtl="0" algn="l">
+            <a:pPr marL="914400" lvl="1" indent="-323850" algn="l" rtl="0">
               <a:spcBef>
                 <a:spcPts val="0"/>
               </a:spcBef>
@@ -10681,7 +10793,7 @@
             <a:endParaRPr sz="1500"/>
           </a:p>
           <a:p>
-            <a:pPr indent="-323850" lvl="1" marL="914400" rtl="0" algn="l">
+            <a:pPr marL="914400" lvl="1" indent="-323850" algn="l" rtl="0">
               <a:spcBef>
                 <a:spcPts val="0"/>
               </a:spcBef>
@@ -10698,7 +10810,7 @@
             <a:endParaRPr sz="1500"/>
           </a:p>
           <a:p>
-            <a:pPr indent="-323850" lvl="0" marL="457200" rtl="0" algn="l">
+            <a:pPr marL="457200" lvl="0" indent="-323850" algn="l" rtl="0">
               <a:spcBef>
                 <a:spcPts val="0"/>
               </a:spcBef>
@@ -10715,7 +10827,7 @@
             <a:endParaRPr sz="1500"/>
           </a:p>
           <a:p>
-            <a:pPr indent="-323850" lvl="0" marL="457200" rtl="0" algn="l">
+            <a:pPr marL="457200" lvl="0" indent="-323850" algn="l" rtl="0">
               <a:spcBef>
                 <a:spcPts val="0"/>
               </a:spcBef>
@@ -10736,9 +10848,11 @@
       <p:sp>
         <p:nvSpPr>
           <p:cNvPr id="130" name="Google Shape;130;p20"/>
-          <p:cNvSpPr txBox="1"/>
+          <p:cNvSpPr txBox="1">
+            <a:spLocks noGrp="1"/>
+          </p:cNvSpPr>
           <p:nvPr>
-            <p:ph idx="12" type="sldNum"/>
+            <p:ph type="sldNum" idx="12"/>
           </p:nvPr>
         </p:nvSpPr>
         <p:spPr>
@@ -10751,12 +10865,12 @@
           </a:prstGeom>
         </p:spPr>
         <p:txBody>
-          <a:bodyPr anchorCtr="0" anchor="ctr" bIns="91425" lIns="91425" spcFirstLastPara="1" rIns="91425" wrap="square" tIns="91425">
+          <a:bodyPr spcFirstLastPara="1" wrap="square" lIns="91425" tIns="91425" rIns="91425" bIns="91425" anchor="ctr" anchorCtr="0">
             <a:noAutofit/>
           </a:bodyPr>
           <a:lstStyle/>
           <a:p>
-            <a:pPr indent="0" lvl="0" marL="0" rtl="0" algn="l">
+            <a:pPr marL="0" lvl="0" indent="0" algn="l" rtl="0">
               <a:spcBef>
                 <a:spcPts val="0"/>
               </a:spcBef>
@@ -10767,7 +10881,7 @@
             </a:pPr>
             <a:fld id="{00000000-1234-1234-1234-123412341234}" type="slidenum">
               <a:rPr lang="en"/>
-              <a:t>‹#›</a:t>
+              <a:t>9</a:t>
             </a:fld>
             <a:r>
               <a:rPr lang="en"/>
@@ -10786,7 +10900,7 @@
 </file>
 
 <file path=ppt/theme/theme1.xml><?xml version="1.0" encoding="utf-8"?>
-<a:theme xmlns:a="http://schemas.openxmlformats.org/drawingml/2006/main" xmlns:r="http://schemas.openxmlformats.org/officeDocument/2006/relationships" name="Simple Light">
+<a:theme xmlns:a="http://schemas.openxmlformats.org/drawingml/2006/main" name="Simple Light">
   <a:themeElements>
     <a:clrScheme name="Simple Light">
       <a:dk1>
@@ -11061,11 +11175,13 @@
       </a:bgFillStyleLst>
     </a:fmtScheme>
   </a:themeElements>
+  <a:objectDefaults/>
+  <a:extraClrSchemeLst/>
 </a:theme>
 </file>
 
 <file path=ppt/theme/theme2.xml><?xml version="1.0" encoding="utf-8"?>
-<a:theme xmlns:a="http://schemas.openxmlformats.org/drawingml/2006/main" xmlns:r="http://schemas.openxmlformats.org/officeDocument/2006/relationships">
+<a:theme xmlns:a="http://schemas.openxmlformats.org/drawingml/2006/main">
   <a:themeElements>
     <a:clrScheme name="Default">
       <a:dk1>
@@ -11340,5 +11456,7 @@
       </a:bgFillStyleLst>
     </a:fmtScheme>
   </a:themeElements>
+  <a:objectDefaults/>
+  <a:extraClrSchemeLst/>
 </a:theme>
 </file>